--- a/docs/中期汇报.pptx
+++ b/docs/中期汇报.pptx
@@ -11678,12 +11678,12 @@
           <a:lstStyle/>
           <a:p>
             <a:r>
-              <a:rPr lang="en-US" altLang="zh-CN" dirty="0">
+              <a:rPr lang="en-US" altLang="zh-CN" dirty="0" err="1">
                 <a:solidFill>
                   <a:srgbClr val="333B3C"/>
                 </a:solidFill>
               </a:rPr>
-              <a:t>EBPF</a:t>
+              <a:t>eBPF</a:t>
             </a:r>
             <a:r>
               <a:rPr lang="zh-CN" altLang="en-US" dirty="0">
@@ -13112,7 +13112,7 @@
         </p:nvSpPr>
         <p:spPr>
           <a:xfrm>
-            <a:off x="365760" y="3401567"/>
+            <a:off x="365760" y="3471776"/>
             <a:ext cx="5111496" cy="1418073"/>
           </a:xfrm>
         </p:spPr>
@@ -13320,7 +13320,7 @@
             <a:pPr rtl="0"/>
             <a:r>
               <a:rPr lang="zh-CN" altLang="en-US" dirty="0"/>
-              <a:t>编写</a:t>
+              <a:t>编写并挂载</a:t>
             </a:r>
             <a:r>
               <a:rPr lang="en-US" altLang="zh-CN" dirty="0" err="1"/>
@@ -13336,10 +13336,10 @@
       </p:sp>
       <p:sp>
         <p:nvSpPr>
-          <p:cNvPr id="11" name="文本占位符 10">
-            <a:extLst>
-              <a:ext uri="{FF2B5EF4-FFF2-40B4-BE49-F238E27FC236}">
-                <a16:creationId xmlns:a16="http://schemas.microsoft.com/office/drawing/2014/main" id="{B9D3C290-A56C-B087-9C47-005A3BC3E120}"/>
+          <p:cNvPr id="20" name="文本占位符 19">
+            <a:extLst>
+              <a:ext uri="{FF2B5EF4-FFF2-40B4-BE49-F238E27FC236}">
+                <a16:creationId xmlns:a16="http://schemas.microsoft.com/office/drawing/2014/main" id="{E954CCA8-9E58-39CC-C428-F4B19348692D}"/>
               </a:ext>
             </a:extLst>
           </p:cNvPr>
@@ -13347,13 +13347,13 @@
             <a:spLocks noGrp="1"/>
           </p:cNvSpPr>
           <p:nvPr>
-            <p:ph type="body" sz="quarter" idx="14"/>
+            <p:ph type="body" sz="quarter" idx="16"/>
           </p:nvPr>
         </p:nvSpPr>
         <p:spPr>
           <a:xfrm>
-            <a:off x="630936" y="2343816"/>
-            <a:ext cx="4828032" cy="490538"/>
+            <a:off x="365760" y="2224282"/>
+            <a:ext cx="5093208" cy="941831"/>
           </a:xfrm>
         </p:spPr>
         <p:txBody>
@@ -13366,8 +13366,20 @@
           <a:p>
             <a:pPr rtl="0"/>
             <a:r>
+              <a:rPr lang="en-US" altLang="zh-CN" dirty="0" err="1"/>
+              <a:t>Bpf</a:t>
+            </a:r>
+            <a:r>
               <a:rPr lang="zh-CN" altLang="en-US" dirty="0"/>
-              <a:t>加载</a:t>
+              <a:t>（）系统调用</a:t>
+            </a:r>
+            <a:endParaRPr lang="en-US" altLang="zh-CN" dirty="0"/>
+          </a:p>
+          <a:p>
+            <a:pPr rtl="0"/>
+            <a:r>
+              <a:rPr lang="zh-CN" altLang="en-US" dirty="0"/>
+              <a:t>传递</a:t>
             </a:r>
             <a:r>
               <a:rPr lang="en-US" altLang="zh-CN" dirty="0" err="1"/>
@@ -13375,7 +13387,7 @@
             </a:r>
             <a:r>
               <a:rPr lang="zh-CN" altLang="en-US" dirty="0"/>
-              <a:t>程序</a:t>
+              <a:t>字节码与参数</a:t>
             </a:r>
             <a:endParaRPr lang="zh-CN" dirty="0"/>
           </a:p>
@@ -13383,10 +13395,10 @@
       </p:sp>
       <p:sp>
         <p:nvSpPr>
-          <p:cNvPr id="20" name="文本占位符 19">
-            <a:extLst>
-              <a:ext uri="{FF2B5EF4-FFF2-40B4-BE49-F238E27FC236}">
-                <a16:creationId xmlns:a16="http://schemas.microsoft.com/office/drawing/2014/main" id="{E954CCA8-9E58-39CC-C428-F4B19348692D}"/>
+          <p:cNvPr id="21" name="文本占位符 20">
+            <a:extLst>
+              <a:ext uri="{FF2B5EF4-FFF2-40B4-BE49-F238E27FC236}">
+                <a16:creationId xmlns:a16="http://schemas.microsoft.com/office/drawing/2014/main" id="{6047A6BF-476B-7D5D-EE4E-C50B34AFE8AF}"/>
               </a:ext>
             </a:extLst>
           </p:cNvPr>
@@ -13394,71 +13406,12 @@
             <a:spLocks noGrp="1"/>
           </p:cNvSpPr>
           <p:nvPr>
-            <p:ph type="body" sz="quarter" idx="16"/>
+            <p:ph type="body" sz="quarter" idx="17"/>
           </p:nvPr>
         </p:nvSpPr>
         <p:spPr>
           <a:xfrm>
-            <a:off x="365760" y="2907467"/>
-            <a:ext cx="5093208" cy="941831"/>
-          </a:xfrm>
-        </p:spPr>
-        <p:txBody>
-          <a:bodyPr rtlCol="0"/>
-          <a:lstStyle>
-            <a:defPPr>
-              <a:defRPr lang="zh-CN"/>
-            </a:defPPr>
-          </a:lstStyle>
-          <a:p>
-            <a:pPr rtl="0"/>
-            <a:r>
-              <a:rPr lang="en-US" altLang="zh-CN" dirty="0" err="1"/>
-              <a:t>Bpf</a:t>
-            </a:r>
-            <a:r>
-              <a:rPr lang="zh-CN" altLang="en-US" dirty="0"/>
-              <a:t>（）系统调用</a:t>
-            </a:r>
-            <a:endParaRPr lang="en-US" altLang="zh-CN" dirty="0"/>
-          </a:p>
-          <a:p>
-            <a:pPr rtl="0"/>
-            <a:r>
-              <a:rPr lang="zh-CN" altLang="en-US" dirty="0"/>
-              <a:t>传递</a:t>
-            </a:r>
-            <a:r>
-              <a:rPr lang="en-US" altLang="zh-CN" dirty="0" err="1"/>
-              <a:t>eBPF</a:t>
-            </a:r>
-            <a:r>
-              <a:rPr lang="zh-CN" altLang="en-US" dirty="0"/>
-              <a:t>字节码与参数</a:t>
-            </a:r>
-            <a:endParaRPr lang="zh-CN" dirty="0"/>
-          </a:p>
-        </p:txBody>
-      </p:sp>
-      <p:sp>
-        <p:nvSpPr>
-          <p:cNvPr id="21" name="文本占位符 20">
-            <a:extLst>
-              <a:ext uri="{FF2B5EF4-FFF2-40B4-BE49-F238E27FC236}">
-                <a16:creationId xmlns:a16="http://schemas.microsoft.com/office/drawing/2014/main" id="{6047A6BF-476B-7D5D-EE4E-C50B34AFE8AF}"/>
-              </a:ext>
-            </a:extLst>
-          </p:cNvPr>
-          <p:cNvSpPr>
-            <a:spLocks noGrp="1"/>
-          </p:cNvSpPr>
-          <p:nvPr>
-            <p:ph type="body" sz="quarter" idx="17"/>
-          </p:nvPr>
-        </p:nvSpPr>
-        <p:spPr>
-          <a:xfrm>
-            <a:off x="630936" y="3762924"/>
+            <a:off x="630936" y="3401860"/>
             <a:ext cx="4828032" cy="490538"/>
           </a:xfrm>
         </p:spPr>
@@ -13549,12 +13502,8 @@
           <a:lstStyle/>
           <a:p>
             <a:r>
-              <a:rPr lang="en-US" altLang="zh-CN" dirty="0"/>
-              <a:t>LLVM</a:t>
-            </a:r>
-            <a:r>
               <a:rPr lang="zh-CN" altLang="en-US" dirty="0"/>
-              <a:t>、</a:t>
+              <a:t>基于</a:t>
             </a:r>
             <a:r>
               <a:rPr lang="en-US" altLang="zh-CN" dirty="0"/>
@@ -13562,7 +13511,7 @@
             </a:r>
             <a:r>
               <a:rPr lang="zh-CN" altLang="en-US" dirty="0"/>
-              <a:t>等工具链</a:t>
+              <a:t>完备的工具链</a:t>
             </a:r>
             <a:endParaRPr lang="en-US" altLang="zh-CN" dirty="0"/>
           </a:p>
@@ -13570,10 +13519,10 @@
       </p:sp>
       <p:sp>
         <p:nvSpPr>
-          <p:cNvPr id="15" name="文本占位符 20">
-            <a:extLst>
-              <a:ext uri="{FF2B5EF4-FFF2-40B4-BE49-F238E27FC236}">
-                <a16:creationId xmlns:a16="http://schemas.microsoft.com/office/drawing/2014/main" id="{B81D264D-317A-45E3-A1BC-5F2CC859D8AA}"/>
+          <p:cNvPr id="16" name="文本占位符 19">
+            <a:extLst>
+              <a:ext uri="{FF2B5EF4-FFF2-40B4-BE49-F238E27FC236}">
+                <a16:creationId xmlns:a16="http://schemas.microsoft.com/office/drawing/2014/main" id="{BC690449-04E0-4A5B-93EE-777DE163D972}"/>
               </a:ext>
             </a:extLst>
           </p:cNvPr>
@@ -13584,217 +13533,7 @@
         </p:nvSpPr>
         <p:spPr>
           <a:xfrm>
-            <a:off x="630936" y="5114734"/>
-            <a:ext cx="4828032" cy="490538"/>
-          </a:xfrm>
-          <a:prstGeom prst="rect">
-            <a:avLst/>
-          </a:prstGeom>
-        </p:spPr>
-        <p:txBody>
-          <a:bodyPr vert="horz" lIns="91440" tIns="45720" rIns="91440" bIns="45720" rtlCol="0">
-            <a:noAutofit/>
-          </a:bodyPr>
-          <a:lstStyle>
-            <a:defPPr>
-              <a:defRPr lang="zh-CN"/>
-            </a:defPPr>
-            <a:lvl1pPr marL="0" indent="0" algn="l" defTabSz="914400" rtl="0" eaLnBrk="1" latinLnBrk="0" hangingPunct="1">
-              <a:lnSpc>
-                <a:spcPct val="150000"/>
-              </a:lnSpc>
-              <a:spcBef>
-                <a:spcPts val="0"/>
-              </a:spcBef>
-              <a:buFont typeface="Arial" panose="020B0604020202020204" pitchFamily="34" charset="0"/>
-              <a:buNone/>
-              <a:defRPr lang="zh-CN" sz="2200" b="1" kern="1200">
-                <a:solidFill>
-                  <a:schemeClr val="tx2"/>
-                </a:solidFill>
-                <a:latin typeface="+mn-ea"/>
-                <a:ea typeface="+mn-ea"/>
-                <a:cs typeface="+mn-cs"/>
-              </a:defRPr>
-            </a:lvl1pPr>
-            <a:lvl2pPr marL="685800" indent="-228600" algn="l" defTabSz="914400" rtl="0" eaLnBrk="1" latinLnBrk="0" hangingPunct="1">
-              <a:lnSpc>
-                <a:spcPct val="90000"/>
-              </a:lnSpc>
-              <a:spcBef>
-                <a:spcPts val="500"/>
-              </a:spcBef>
-              <a:buFont typeface="Arial" panose="020B0604020202020204" pitchFamily="34" charset="0"/>
-              <a:buChar char="•"/>
-              <a:defRPr lang="zh-CN" sz="2400" kern="1200">
-                <a:solidFill>
-                  <a:schemeClr val="bg1"/>
-                </a:solidFill>
-                <a:latin typeface="+mn-ea"/>
-                <a:ea typeface="+mn-ea"/>
-                <a:cs typeface="+mn-cs"/>
-              </a:defRPr>
-            </a:lvl2pPr>
-            <a:lvl3pPr marL="1143000" indent="-228600" algn="l" defTabSz="914400" rtl="0" eaLnBrk="1" latinLnBrk="0" hangingPunct="1">
-              <a:lnSpc>
-                <a:spcPct val="90000"/>
-              </a:lnSpc>
-              <a:spcBef>
-                <a:spcPts val="500"/>
-              </a:spcBef>
-              <a:buFont typeface="Arial" panose="020B0604020202020204" pitchFamily="34" charset="0"/>
-              <a:buChar char="•"/>
-              <a:defRPr lang="zh-CN" sz="2000" kern="1200">
-                <a:solidFill>
-                  <a:schemeClr val="bg1"/>
-                </a:solidFill>
-                <a:latin typeface="+mn-ea"/>
-                <a:ea typeface="+mn-ea"/>
-                <a:cs typeface="+mn-cs"/>
-              </a:defRPr>
-            </a:lvl3pPr>
-            <a:lvl4pPr marL="1600200" indent="-228600" algn="l" defTabSz="914400" rtl="0" eaLnBrk="1" latinLnBrk="0" hangingPunct="1">
-              <a:lnSpc>
-                <a:spcPct val="90000"/>
-              </a:lnSpc>
-              <a:spcBef>
-                <a:spcPts val="500"/>
-              </a:spcBef>
-              <a:buFont typeface="Arial" panose="020B0604020202020204" pitchFamily="34" charset="0"/>
-              <a:buChar char="•"/>
-              <a:defRPr lang="zh-CN" sz="1800" kern="1200">
-                <a:solidFill>
-                  <a:schemeClr val="bg1"/>
-                </a:solidFill>
-                <a:latin typeface="+mn-ea"/>
-                <a:ea typeface="+mn-ea"/>
-                <a:cs typeface="+mn-cs"/>
-              </a:defRPr>
-            </a:lvl4pPr>
-            <a:lvl5pPr marL="2057400" indent="-228600" algn="l" defTabSz="914400" rtl="0" eaLnBrk="1" latinLnBrk="0" hangingPunct="1">
-              <a:lnSpc>
-                <a:spcPct val="90000"/>
-              </a:lnSpc>
-              <a:spcBef>
-                <a:spcPts val="500"/>
-              </a:spcBef>
-              <a:buFont typeface="Arial" panose="020B0604020202020204" pitchFamily="34" charset="0"/>
-              <a:buChar char="•"/>
-              <a:defRPr lang="zh-CN" sz="1600" kern="1200">
-                <a:solidFill>
-                  <a:schemeClr val="bg1"/>
-                </a:solidFill>
-                <a:latin typeface="+mn-ea"/>
-                <a:ea typeface="+mn-ea"/>
-                <a:cs typeface="+mn-cs"/>
-              </a:defRPr>
-            </a:lvl5pPr>
-            <a:lvl6pPr marL="2514600" indent="-228600" algn="l" defTabSz="914400" rtl="0" eaLnBrk="1" latinLnBrk="0" hangingPunct="1">
-              <a:lnSpc>
-                <a:spcPct val="90000"/>
-              </a:lnSpc>
-              <a:spcBef>
-                <a:spcPts val="500"/>
-              </a:spcBef>
-              <a:buFont typeface="Arial" panose="020B0604020202020204" pitchFamily="34" charset="0"/>
-              <a:buChar char="•"/>
-              <a:defRPr lang="zh-CN" sz="1800" kern="1200">
-                <a:solidFill>
-                  <a:schemeClr val="tx1"/>
-                </a:solidFill>
-                <a:latin typeface="+mn-ea"/>
-                <a:ea typeface="+mn-ea"/>
-                <a:cs typeface="+mn-cs"/>
-              </a:defRPr>
-            </a:lvl6pPr>
-            <a:lvl7pPr marL="2971800" indent="-228600" algn="l" defTabSz="914400" rtl="0" eaLnBrk="1" latinLnBrk="0" hangingPunct="1">
-              <a:lnSpc>
-                <a:spcPct val="90000"/>
-              </a:lnSpc>
-              <a:spcBef>
-                <a:spcPts val="500"/>
-              </a:spcBef>
-              <a:buFont typeface="Arial" panose="020B0604020202020204" pitchFamily="34" charset="0"/>
-              <a:buChar char="•"/>
-              <a:defRPr lang="zh-CN" sz="1800" kern="1200">
-                <a:solidFill>
-                  <a:schemeClr val="tx1"/>
-                </a:solidFill>
-                <a:latin typeface="+mn-ea"/>
-                <a:ea typeface="+mn-ea"/>
-                <a:cs typeface="+mn-cs"/>
-              </a:defRPr>
-            </a:lvl7pPr>
-            <a:lvl8pPr marL="3429000" indent="-228600" algn="l" defTabSz="914400" rtl="0" eaLnBrk="1" latinLnBrk="0" hangingPunct="1">
-              <a:lnSpc>
-                <a:spcPct val="90000"/>
-              </a:lnSpc>
-              <a:spcBef>
-                <a:spcPts val="500"/>
-              </a:spcBef>
-              <a:buFont typeface="Arial" panose="020B0604020202020204" pitchFamily="34" charset="0"/>
-              <a:buChar char="•"/>
-              <a:defRPr lang="zh-CN" sz="1800" kern="1200">
-                <a:solidFill>
-                  <a:schemeClr val="tx1"/>
-                </a:solidFill>
-                <a:latin typeface="+mn-ea"/>
-                <a:ea typeface="+mn-ea"/>
-                <a:cs typeface="+mn-cs"/>
-              </a:defRPr>
-            </a:lvl8pPr>
-            <a:lvl9pPr marL="3886200" indent="-228600" algn="l" defTabSz="914400" rtl="0" eaLnBrk="1" latinLnBrk="0" hangingPunct="1">
-              <a:lnSpc>
-                <a:spcPct val="90000"/>
-              </a:lnSpc>
-              <a:spcBef>
-                <a:spcPts val="500"/>
-              </a:spcBef>
-              <a:buFont typeface="Arial" panose="020B0604020202020204" pitchFamily="34" charset="0"/>
-              <a:buChar char="•"/>
-              <a:defRPr lang="zh-CN" sz="1800" kern="1200">
-                <a:solidFill>
-                  <a:schemeClr val="tx1"/>
-                </a:solidFill>
-                <a:latin typeface="+mn-ea"/>
-                <a:ea typeface="+mn-ea"/>
-                <a:cs typeface="+mn-cs"/>
-              </a:defRPr>
-            </a:lvl9pPr>
-          </a:lstStyle>
-          <a:p>
-            <a:r>
-              <a:rPr lang="zh-CN" altLang="en-US" dirty="0"/>
-              <a:t>执行</a:t>
-            </a:r>
-            <a:r>
-              <a:rPr lang="en-US" altLang="zh-CN" dirty="0" err="1"/>
-              <a:t>eBPF</a:t>
-            </a:r>
-            <a:r>
-              <a:rPr lang="zh-CN" altLang="en-US" dirty="0"/>
-              <a:t>程序</a:t>
-            </a:r>
-          </a:p>
-        </p:txBody>
-      </p:sp>
-      <p:sp>
-        <p:nvSpPr>
-          <p:cNvPr id="16" name="文本占位符 19">
-            <a:extLst>
-              <a:ext uri="{FF2B5EF4-FFF2-40B4-BE49-F238E27FC236}">
-                <a16:creationId xmlns:a16="http://schemas.microsoft.com/office/drawing/2014/main" id="{BC690449-04E0-4A5B-93EE-777DE163D972}"/>
-              </a:ext>
-            </a:extLst>
-          </p:cNvPr>
-          <p:cNvSpPr txBox="1">
-            <a:spLocks/>
-          </p:cNvSpPr>
-          <p:nvPr/>
-        </p:nvSpPr>
-        <p:spPr>
-          <a:xfrm>
-            <a:off x="365760" y="4342453"/>
+            <a:off x="365760" y="3981389"/>
             <a:ext cx="5093208" cy="941831"/>
           </a:xfrm>
           <a:prstGeom prst="rect">
@@ -14019,7 +13758,7 @@
         </p:nvSpPr>
         <p:spPr>
           <a:xfrm>
-            <a:off x="365760" y="5710044"/>
+            <a:off x="365760" y="4923220"/>
             <a:ext cx="5093208" cy="941831"/>
           </a:xfrm>
           <a:prstGeom prst="rect">
@@ -15077,8 +14816,10 @@
           <a:p>
             <a:pPr rtl="0"/>
             <a:r>
-              <a:rPr lang="en-US" altLang="zh-CN" dirty="0"/>
-              <a:t>EBPF</a:t>
+              <a:rPr lang="en-US" altLang="zh-CN" dirty="0" err="1">
+                <a:latin typeface="+mn-lt"/>
+              </a:rPr>
+              <a:t>ebpf</a:t>
             </a:r>
             <a:r>
               <a:rPr lang="zh-CN" altLang="en-US" dirty="0"/>
@@ -17800,6 +17541,35 @@
 </file>
 
 <file path=customXml/item1.xml><?xml version="1.0" encoding="utf-8"?>
+<p:properties xmlns:p="http://schemas.microsoft.com/office/2006/metadata/properties" xmlns:xsi="http://www.w3.org/2001/XMLSchema-instance" xmlns:pc="http://schemas.microsoft.com/office/infopath/2007/PartnerControls">
+  <documentManagement>
+    <_ip_UnifiedCompliancePolicyUIAction xmlns="http://schemas.microsoft.com/sharepoint/v3" xsi:nil="true"/>
+    <Image xmlns="71af3243-3dd4-4a8d-8c0d-dd76da1f02a5">
+      <Url xsi:nil="true"/>
+      <Description xsi:nil="true"/>
+    </Image>
+    <Status xmlns="71af3243-3dd4-4a8d-8c0d-dd76da1f02a5">Not started</Status>
+    <Background xmlns="71af3243-3dd4-4a8d-8c0d-dd76da1f02a5">false</Background>
+    <_ip_UnifiedCompliancePolicyProperties xmlns="http://schemas.microsoft.com/sharepoint/v3" xsi:nil="true"/>
+    <ImageTagsTaxHTField xmlns="71af3243-3dd4-4a8d-8c0d-dd76da1f02a5">
+      <Terms xmlns="http://schemas.microsoft.com/office/infopath/2007/PartnerControls"/>
+    </ImageTagsTaxHTField>
+    <TaxCatchAll xmlns="230e9df3-be65-4c73-a93b-d1236ebd677e" xsi:nil="true"/>
+    <MediaServiceKeyPoints xmlns="71af3243-3dd4-4a8d-8c0d-dd76da1f02a5" xsi:nil="true"/>
+  </documentManagement>
+</p:properties>
+</file>
+
+<file path=customXml/item2.xml><?xml version="1.0" encoding="utf-8"?>
+<?mso-contentType ?>
+<FormTemplates xmlns="http://schemas.microsoft.com/sharepoint/v3/contenttype/forms">
+  <Display>DocumentLibraryForm</Display>
+  <Edit>DocumentLibraryForm</Edit>
+  <New>DocumentLibraryForm</New>
+</FormTemplates>
+</file>
+
+<file path=customXml/item3.xml><?xml version="1.0" encoding="utf-8"?>
 <ct:contentTypeSchema xmlns:ct="http://schemas.microsoft.com/office/2006/metadata/contentType" xmlns:ma="http://schemas.microsoft.com/office/2006/metadata/properties/metaAttributes" ct:_="" ma:_="" ma:contentTypeName="Document" ma:contentTypeID="0x01010079F111ED35F8CC479449609E8A0923A6" ma:contentTypeVersion="24" ma:contentTypeDescription="Create a new document." ma:contentTypeScope="" ma:versionID="2d714a3296df14eba7a100bb665443ca">
   <xsd:schema xmlns:xsd="http://www.w3.org/2001/XMLSchema" xmlns:xs="http://www.w3.org/2001/XMLSchema" xmlns:p="http://schemas.microsoft.com/office/2006/metadata/properties" xmlns:ns1="http://schemas.microsoft.com/sharepoint/v3" xmlns:ns2="71af3243-3dd4-4a8d-8c0d-dd76da1f02a5" xmlns:ns3="16c05727-aa75-4e4a-9b5f-8a80a1165891" xmlns:ns4="230e9df3-be65-4c73-a93b-d1236ebd677e" targetNamespace="http://schemas.microsoft.com/office/2006/metadata/properties" ma:root="true" ma:fieldsID="49549bf45bfbbfb6cffed527380e77e1" ns1:_="" ns2:_="" ns3:_="" ns4:_="">
     <xsd:import namespace="http://schemas.microsoft.com/sharepoint/v3"/>
@@ -18087,36 +17857,27 @@
 </ct:contentTypeSchema>
 </file>
 
-<file path=customXml/item2.xml><?xml version="1.0" encoding="utf-8"?>
-<p:properties xmlns:p="http://schemas.microsoft.com/office/2006/metadata/properties" xmlns:xsi="http://www.w3.org/2001/XMLSchema-instance" xmlns:pc="http://schemas.microsoft.com/office/infopath/2007/PartnerControls">
-  <documentManagement>
-    <_ip_UnifiedCompliancePolicyUIAction xmlns="http://schemas.microsoft.com/sharepoint/v3" xsi:nil="true"/>
-    <Image xmlns="71af3243-3dd4-4a8d-8c0d-dd76da1f02a5">
-      <Url xsi:nil="true"/>
-      <Description xsi:nil="true"/>
-    </Image>
-    <Status xmlns="71af3243-3dd4-4a8d-8c0d-dd76da1f02a5">Not started</Status>
-    <Background xmlns="71af3243-3dd4-4a8d-8c0d-dd76da1f02a5">false</Background>
-    <_ip_UnifiedCompliancePolicyProperties xmlns="http://schemas.microsoft.com/sharepoint/v3" xsi:nil="true"/>
-    <ImageTagsTaxHTField xmlns="71af3243-3dd4-4a8d-8c0d-dd76da1f02a5">
-      <Terms xmlns="http://schemas.microsoft.com/office/infopath/2007/PartnerControls"/>
-    </ImageTagsTaxHTField>
-    <TaxCatchAll xmlns="230e9df3-be65-4c73-a93b-d1236ebd677e" xsi:nil="true"/>
-    <MediaServiceKeyPoints xmlns="71af3243-3dd4-4a8d-8c0d-dd76da1f02a5" xsi:nil="true"/>
-  </documentManagement>
-</p:properties>
+<file path=customXml/itemProps1.xml><?xml version="1.0" encoding="utf-8"?>
+<ds:datastoreItem xmlns:ds="http://schemas.openxmlformats.org/officeDocument/2006/customXml" ds:itemID="{92CF51A7-9108-45AF-AF64-7A03A8DEEF80}">
+  <ds:schemaRefs>
+    <ds:schemaRef ds:uri="http://schemas.microsoft.com/office/2006/metadata/properties"/>
+    <ds:schemaRef ds:uri="http://schemas.microsoft.com/office/infopath/2007/PartnerControls"/>
+    <ds:schemaRef ds:uri="http://schemas.microsoft.com/sharepoint/v3"/>
+    <ds:schemaRef ds:uri="71af3243-3dd4-4a8d-8c0d-dd76da1f02a5"/>
+    <ds:schemaRef ds:uri="230e9df3-be65-4c73-a93b-d1236ebd677e"/>
+  </ds:schemaRefs>
+</ds:datastoreItem>
 </file>
 
-<file path=customXml/item3.xml><?xml version="1.0" encoding="utf-8"?>
-<?mso-contentType ?>
-<FormTemplates xmlns="http://schemas.microsoft.com/sharepoint/v3/contenttype/forms">
-  <Display>DocumentLibraryForm</Display>
-  <Edit>DocumentLibraryForm</Edit>
-  <New>DocumentLibraryForm</New>
-</FormTemplates>
+<file path=customXml/itemProps2.xml><?xml version="1.0" encoding="utf-8"?>
+<ds:datastoreItem xmlns:ds="http://schemas.openxmlformats.org/officeDocument/2006/customXml" ds:itemID="{A66A1098-79A7-47E8-8A61-8CB2B72760B2}">
+  <ds:schemaRefs>
+    <ds:schemaRef ds:uri="http://schemas.microsoft.com/sharepoint/v3/contenttype/forms"/>
+  </ds:schemaRefs>
+</ds:datastoreItem>
 </file>
 
-<file path=customXml/itemProps1.xml><?xml version="1.0" encoding="utf-8"?>
+<file path=customXml/itemProps3.xml><?xml version="1.0" encoding="utf-8"?>
 <ds:datastoreItem xmlns:ds="http://schemas.openxmlformats.org/officeDocument/2006/customXml" ds:itemID="{5D5FA367-1CF2-4EC2-949E-D7EB334E593C}">
   <ds:schemaRefs>
     <ds:schemaRef ds:uri="http://schemas.microsoft.com/office/2006/metadata/contentType"/>
@@ -18137,26 +17898,6 @@
 </ds:datastoreItem>
 </file>
 
-<file path=customXml/itemProps2.xml><?xml version="1.0" encoding="utf-8"?>
-<ds:datastoreItem xmlns:ds="http://schemas.openxmlformats.org/officeDocument/2006/customXml" ds:itemID="{92CF51A7-9108-45AF-AF64-7A03A8DEEF80}">
-  <ds:schemaRefs>
-    <ds:schemaRef ds:uri="http://schemas.microsoft.com/office/2006/metadata/properties"/>
-    <ds:schemaRef ds:uri="http://schemas.microsoft.com/office/infopath/2007/PartnerControls"/>
-    <ds:schemaRef ds:uri="http://schemas.microsoft.com/sharepoint/v3"/>
-    <ds:schemaRef ds:uri="71af3243-3dd4-4a8d-8c0d-dd76da1f02a5"/>
-    <ds:schemaRef ds:uri="230e9df3-be65-4c73-a93b-d1236ebd677e"/>
-  </ds:schemaRefs>
-</ds:datastoreItem>
-</file>
-
-<file path=customXml/itemProps3.xml><?xml version="1.0" encoding="utf-8"?>
-<ds:datastoreItem xmlns:ds="http://schemas.openxmlformats.org/officeDocument/2006/customXml" ds:itemID="{A66A1098-79A7-47E8-8A61-8CB2B72760B2}">
-  <ds:schemaRefs>
-    <ds:schemaRef ds:uri="http://schemas.microsoft.com/sharepoint/v3/contenttype/forms"/>
-  </ds:schemaRefs>
-</ds:datastoreItem>
-</file>
-
 <file path=docMetadata/LabelInfo.xml><?xml version="1.0" encoding="utf-8"?>
 <clbl:labelList xmlns:clbl="http://schemas.microsoft.com/office/2020/mipLabelMetadata"/>
 </file>
--- a/docs/中期汇报.pptx
+++ b/docs/中期汇报.pptx
@@ -5,27 +5,29 @@
     <p:sldMasterId id="2147483648" r:id="rId4"/>
   </p:sldMasterIdLst>
   <p:notesMasterIdLst>
-    <p:notesMasterId r:id="rId20"/>
+    <p:notesMasterId r:id="rId22"/>
   </p:notesMasterIdLst>
   <p:handoutMasterIdLst>
-    <p:handoutMasterId r:id="rId21"/>
+    <p:handoutMasterId r:id="rId23"/>
   </p:handoutMasterIdLst>
   <p:sldIdLst>
     <p:sldId id="273" r:id="rId5"/>
     <p:sldId id="275" r:id="rId6"/>
     <p:sldId id="277" r:id="rId7"/>
-    <p:sldId id="280" r:id="rId8"/>
-    <p:sldId id="284" r:id="rId9"/>
-    <p:sldId id="281" r:id="rId10"/>
-    <p:sldId id="279" r:id="rId11"/>
-    <p:sldId id="285" r:id="rId12"/>
-    <p:sldId id="287" r:id="rId13"/>
-    <p:sldId id="286" r:id="rId14"/>
-    <p:sldId id="283" r:id="rId15"/>
-    <p:sldId id="276" r:id="rId16"/>
-    <p:sldId id="288" r:id="rId17"/>
-    <p:sldId id="278" r:id="rId18"/>
-    <p:sldId id="274" r:id="rId19"/>
+    <p:sldId id="289" r:id="rId8"/>
+    <p:sldId id="290" r:id="rId9"/>
+    <p:sldId id="280" r:id="rId10"/>
+    <p:sldId id="284" r:id="rId11"/>
+    <p:sldId id="281" r:id="rId12"/>
+    <p:sldId id="279" r:id="rId13"/>
+    <p:sldId id="285" r:id="rId14"/>
+    <p:sldId id="287" r:id="rId15"/>
+    <p:sldId id="286" r:id="rId16"/>
+    <p:sldId id="283" r:id="rId17"/>
+    <p:sldId id="276" r:id="rId18"/>
+    <p:sldId id="288" r:id="rId19"/>
+    <p:sldId id="278" r:id="rId20"/>
+    <p:sldId id="274" r:id="rId21"/>
   </p:sldIdLst>
   <p:sldSz cx="12192000" cy="6858000"/>
   <p:notesSz cx="6858000" cy="9144000"/>
@@ -2194,7 +2196,177 @@
             <a:pPr rtl="0"/>
             <a:fld id="{DECDE012-9E2E-4477-8B5C-4E7D4E9BCBA6}" type="slidenum">
               <a:rPr lang="en-US" altLang="zh-CN" noProof="0" smtClean="0"/>
-              <a:t>15</a:t>
+              <a:t>14</a:t>
+            </a:fld>
+            <a:endParaRPr lang="zh-CN" noProof="0" dirty="0"/>
+          </a:p>
+        </p:txBody>
+      </p:sp>
+    </p:spTree>
+    <p:extLst>
+      <p:ext uri="{BB962C8B-B14F-4D97-AF65-F5344CB8AC3E}">
+        <p14:creationId xmlns:p14="http://schemas.microsoft.com/office/powerpoint/2010/main" val="3752463938"/>
+      </p:ext>
+    </p:extLst>
+  </p:cSld>
+  <p:clrMapOvr>
+    <a:masterClrMapping/>
+  </p:clrMapOvr>
+</p:notes>
+</file>
+
+<file path=ppt/notesSlides/notesSlide11.xml><?xml version="1.0" encoding="utf-8"?>
+<p:notes xmlns:a="http://schemas.openxmlformats.org/drawingml/2006/main" xmlns:r="http://schemas.openxmlformats.org/officeDocument/2006/relationships" xmlns:p="http://schemas.openxmlformats.org/presentationml/2006/main">
+  <p:cSld>
+    <p:spTree>
+      <p:nvGrpSpPr>
+        <p:cNvPr id="1" name=""/>
+        <p:cNvGrpSpPr/>
+        <p:nvPr/>
+      </p:nvGrpSpPr>
+      <p:grpSpPr>
+        <a:xfrm>
+          <a:off x="0" y="0"/>
+          <a:ext cx="0" cy="0"/>
+          <a:chOff x="0" y="0"/>
+          <a:chExt cx="0" cy="0"/>
+        </a:xfrm>
+      </p:grpSpPr>
+      <p:sp>
+        <p:nvSpPr>
+          <p:cNvPr id="2" name="幻灯片图像占位符 1"/>
+          <p:cNvSpPr>
+            <a:spLocks noGrp="1" noRot="1" noChangeAspect="1"/>
+          </p:cNvSpPr>
+          <p:nvPr>
+            <p:ph type="sldImg"/>
+          </p:nvPr>
+        </p:nvSpPr>
+        <p:spPr/>
+      </p:sp>
+      <p:sp>
+        <p:nvSpPr>
+          <p:cNvPr id="3" name="备注占位符 2"/>
+          <p:cNvSpPr>
+            <a:spLocks noGrp="1"/>
+          </p:cNvSpPr>
+          <p:nvPr>
+            <p:ph type="body" idx="1"/>
+          </p:nvPr>
+        </p:nvSpPr>
+        <p:spPr/>
+        <p:txBody>
+          <a:bodyPr/>
+          <a:lstStyle/>
+          <a:p>
+            <a:endParaRPr lang="zh-CN" altLang="en-US" dirty="0"/>
+          </a:p>
+        </p:txBody>
+      </p:sp>
+      <p:sp>
+        <p:nvSpPr>
+          <p:cNvPr id="4" name="灯片编号占位符 3"/>
+          <p:cNvSpPr>
+            <a:spLocks noGrp="1"/>
+          </p:cNvSpPr>
+          <p:nvPr>
+            <p:ph type="sldNum" sz="quarter" idx="5"/>
+          </p:nvPr>
+        </p:nvSpPr>
+        <p:spPr/>
+        <p:txBody>
+          <a:bodyPr/>
+          <a:lstStyle/>
+          <a:p>
+            <a:pPr rtl="0"/>
+            <a:fld id="{DECDE012-9E2E-4477-8B5C-4E7D4E9BCBA6}" type="slidenum">
+              <a:rPr lang="en-US" altLang="zh-CN" noProof="0" smtClean="0"/>
+              <a:t>16</a:t>
+            </a:fld>
+            <a:endParaRPr lang="zh-CN" noProof="0" dirty="0"/>
+          </a:p>
+        </p:txBody>
+      </p:sp>
+    </p:spTree>
+    <p:extLst>
+      <p:ext uri="{BB962C8B-B14F-4D97-AF65-F5344CB8AC3E}">
+        <p14:creationId xmlns:p14="http://schemas.microsoft.com/office/powerpoint/2010/main" val="3717506178"/>
+      </p:ext>
+    </p:extLst>
+  </p:cSld>
+  <p:clrMapOvr>
+    <a:masterClrMapping/>
+  </p:clrMapOvr>
+</p:notes>
+</file>
+
+<file path=ppt/notesSlides/notesSlide12.xml><?xml version="1.0" encoding="utf-8"?>
+<p:notes xmlns:a="http://schemas.openxmlformats.org/drawingml/2006/main" xmlns:r="http://schemas.openxmlformats.org/officeDocument/2006/relationships" xmlns:p="http://schemas.openxmlformats.org/presentationml/2006/main">
+  <p:cSld>
+    <p:spTree>
+      <p:nvGrpSpPr>
+        <p:cNvPr id="1" name=""/>
+        <p:cNvGrpSpPr/>
+        <p:nvPr/>
+      </p:nvGrpSpPr>
+      <p:grpSpPr>
+        <a:xfrm>
+          <a:off x="0" y="0"/>
+          <a:ext cx="0" cy="0"/>
+          <a:chOff x="0" y="0"/>
+          <a:chExt cx="0" cy="0"/>
+        </a:xfrm>
+      </p:grpSpPr>
+      <p:sp>
+        <p:nvSpPr>
+          <p:cNvPr id="2" name="幻灯片图像占位符 1"/>
+          <p:cNvSpPr>
+            <a:spLocks noGrp="1" noRot="1" noChangeAspect="1"/>
+          </p:cNvSpPr>
+          <p:nvPr>
+            <p:ph type="sldImg"/>
+          </p:nvPr>
+        </p:nvSpPr>
+        <p:spPr/>
+      </p:sp>
+      <p:sp>
+        <p:nvSpPr>
+          <p:cNvPr id="3" name="备注占位符 2"/>
+          <p:cNvSpPr>
+            <a:spLocks noGrp="1"/>
+          </p:cNvSpPr>
+          <p:nvPr>
+            <p:ph type="body" idx="1"/>
+          </p:nvPr>
+        </p:nvSpPr>
+        <p:spPr/>
+        <p:txBody>
+          <a:bodyPr/>
+          <a:lstStyle/>
+          <a:p>
+            <a:endParaRPr lang="zh-CN" altLang="en-US" dirty="0"/>
+          </a:p>
+        </p:txBody>
+      </p:sp>
+      <p:sp>
+        <p:nvSpPr>
+          <p:cNvPr id="4" name="灯片编号占位符 3"/>
+          <p:cNvSpPr>
+            <a:spLocks noGrp="1"/>
+          </p:cNvSpPr>
+          <p:nvPr>
+            <p:ph type="sldNum" sz="quarter" idx="5"/>
+          </p:nvPr>
+        </p:nvSpPr>
+        <p:spPr/>
+        <p:txBody>
+          <a:bodyPr/>
+          <a:lstStyle/>
+          <a:p>
+            <a:pPr rtl="0"/>
+            <a:fld id="{DECDE012-9E2E-4477-8B5C-4E7D4E9BCBA6}" type="slidenum">
+              <a:rPr lang="en-US" altLang="zh-CN" noProof="0" smtClean="0"/>
+              <a:t>17</a:t>
             </a:fld>
             <a:endParaRPr lang="zh-CN" noProof="0" dirty="0"/>
           </a:p>
@@ -2458,7 +2630,7 @@
     </p:spTree>
     <p:extLst>
       <p:ext uri="{BB962C8B-B14F-4D97-AF65-F5344CB8AC3E}">
-        <p14:creationId xmlns:p14="http://schemas.microsoft.com/office/powerpoint/2010/main" val="658934778"/>
+        <p14:creationId xmlns:p14="http://schemas.microsoft.com/office/powerpoint/2010/main" val="89255065"/>
       </p:ext>
     </p:extLst>
   </p:cSld>
@@ -2534,7 +2706,7 @@
             <a:pPr rtl="0"/>
             <a:fld id="{DECDE012-9E2E-4477-8B5C-4E7D4E9BCBA6}" type="slidenum">
               <a:rPr lang="en-US" altLang="zh-CN" noProof="0" smtClean="0"/>
-              <a:t>6</a:t>
+              <a:t>5</a:t>
             </a:fld>
             <a:endParaRPr lang="zh-CN" noProof="0" dirty="0"/>
           </a:p>
@@ -2543,7 +2715,7 @@
     </p:spTree>
     <p:extLst>
       <p:ext uri="{BB962C8B-B14F-4D97-AF65-F5344CB8AC3E}">
-        <p14:creationId xmlns:p14="http://schemas.microsoft.com/office/powerpoint/2010/main" val="437271555"/>
+        <p14:creationId xmlns:p14="http://schemas.microsoft.com/office/powerpoint/2010/main" val="4071152682"/>
       </p:ext>
     </p:extLst>
   </p:cSld>
@@ -2619,7 +2791,7 @@
             <a:pPr rtl="0"/>
             <a:fld id="{DECDE012-9E2E-4477-8B5C-4E7D4E9BCBA6}" type="slidenum">
               <a:rPr lang="en-US" altLang="zh-CN" noProof="0" smtClean="0"/>
-              <a:t>7</a:t>
+              <a:t>6</a:t>
             </a:fld>
             <a:endParaRPr lang="zh-CN" noProof="0" dirty="0"/>
           </a:p>
@@ -2628,7 +2800,7 @@
     </p:spTree>
     <p:extLst>
       <p:ext uri="{BB962C8B-B14F-4D97-AF65-F5344CB8AC3E}">
-        <p14:creationId xmlns:p14="http://schemas.microsoft.com/office/powerpoint/2010/main" val="4116278446"/>
+        <p14:creationId xmlns:p14="http://schemas.microsoft.com/office/powerpoint/2010/main" val="658934778"/>
       </p:ext>
     </p:extLst>
   </p:cSld>
@@ -2704,7 +2876,7 @@
             <a:pPr rtl="0"/>
             <a:fld id="{DECDE012-9E2E-4477-8B5C-4E7D4E9BCBA6}" type="slidenum">
               <a:rPr lang="en-US" altLang="zh-CN" noProof="0" smtClean="0"/>
-              <a:t>11</a:t>
+              <a:t>8</a:t>
             </a:fld>
             <a:endParaRPr lang="zh-CN" noProof="0" dirty="0"/>
           </a:p>
@@ -2713,7 +2885,7 @@
     </p:spTree>
     <p:extLst>
       <p:ext uri="{BB962C8B-B14F-4D97-AF65-F5344CB8AC3E}">
-        <p14:creationId xmlns:p14="http://schemas.microsoft.com/office/powerpoint/2010/main" val="3281693978"/>
+        <p14:creationId xmlns:p14="http://schemas.microsoft.com/office/powerpoint/2010/main" val="437271555"/>
       </p:ext>
     </p:extLst>
   </p:cSld>
@@ -2789,7 +2961,7 @@
             <a:pPr rtl="0"/>
             <a:fld id="{DECDE012-9E2E-4477-8B5C-4E7D4E9BCBA6}" type="slidenum">
               <a:rPr lang="en-US" altLang="zh-CN" noProof="0" smtClean="0"/>
-              <a:t>12</a:t>
+              <a:t>9</a:t>
             </a:fld>
             <a:endParaRPr lang="zh-CN" noProof="0" dirty="0"/>
           </a:p>
@@ -2798,7 +2970,7 @@
     </p:spTree>
     <p:extLst>
       <p:ext uri="{BB962C8B-B14F-4D97-AF65-F5344CB8AC3E}">
-        <p14:creationId xmlns:p14="http://schemas.microsoft.com/office/powerpoint/2010/main" val="3752463938"/>
+        <p14:creationId xmlns:p14="http://schemas.microsoft.com/office/powerpoint/2010/main" val="4116278446"/>
       </p:ext>
     </p:extLst>
   </p:cSld>
@@ -2874,7 +3046,7 @@
             <a:pPr rtl="0"/>
             <a:fld id="{DECDE012-9E2E-4477-8B5C-4E7D4E9BCBA6}" type="slidenum">
               <a:rPr lang="en-US" altLang="zh-CN" noProof="0" smtClean="0"/>
-              <a:t>14</a:t>
+              <a:t>13</a:t>
             </a:fld>
             <a:endParaRPr lang="zh-CN" noProof="0" dirty="0"/>
           </a:p>
@@ -2883,7 +3055,7 @@
     </p:spTree>
     <p:extLst>
       <p:ext uri="{BB962C8B-B14F-4D97-AF65-F5344CB8AC3E}">
-        <p14:creationId xmlns:p14="http://schemas.microsoft.com/office/powerpoint/2010/main" val="3717506178"/>
+        <p14:creationId xmlns:p14="http://schemas.microsoft.com/office/powerpoint/2010/main" val="3281693978"/>
       </p:ext>
     </p:extLst>
   </p:cSld>
@@ -11592,7 +11764,7 @@
           <p:cNvPr id="2" name="灯片编号占位符 1">
             <a:extLst>
               <a:ext uri="{FF2B5EF4-FFF2-40B4-BE49-F238E27FC236}">
-                <a16:creationId xmlns:a16="http://schemas.microsoft.com/office/drawing/2014/main" id="{F4DC79FB-01F3-423D-8636-798628E6FCBC}"/>
+                <a16:creationId xmlns:a16="http://schemas.microsoft.com/office/drawing/2014/main" id="{C45AA9E9-0F49-4805-A1B3-52554DF1ECC9}"/>
               </a:ext>
             </a:extLst>
           </p:cNvPr>
@@ -11613,6 +11785,575 @@
               <a:rPr lang="en-US" altLang="zh-CN" noProof="0" smtClean="0"/>
               <a:pPr rtl="0"/>
               <a:t>10</a:t>
+            </a:fld>
+            <a:endParaRPr lang="zh-CN" noProof="0"/>
+          </a:p>
+        </p:txBody>
+      </p:sp>
+      <p:sp>
+        <p:nvSpPr>
+          <p:cNvPr id="3" name="标题 2">
+            <a:extLst>
+              <a:ext uri="{FF2B5EF4-FFF2-40B4-BE49-F238E27FC236}">
+                <a16:creationId xmlns:a16="http://schemas.microsoft.com/office/drawing/2014/main" id="{BC2E3E5F-D913-4CAF-9811-A0654FC88820}"/>
+              </a:ext>
+            </a:extLst>
+          </p:cNvPr>
+          <p:cNvSpPr>
+            <a:spLocks noGrp="1"/>
+          </p:cNvSpPr>
+          <p:nvPr>
+            <p:ph type="title"/>
+          </p:nvPr>
+        </p:nvSpPr>
+        <p:spPr>
+          <a:xfrm>
+            <a:off x="430444" y="1002475"/>
+            <a:ext cx="4175421" cy="1682749"/>
+          </a:xfrm>
+        </p:spPr>
+        <p:txBody>
+          <a:bodyPr/>
+          <a:lstStyle/>
+          <a:p>
+            <a:r>
+              <a:rPr lang="zh-CN" altLang="en-US" dirty="0"/>
+              <a:t>现有的</a:t>
+            </a:r>
+            <a:br>
+              <a:rPr lang="en-US" altLang="zh-CN" dirty="0"/>
+            </a:br>
+            <a:r>
+              <a:rPr lang="zh-CN" altLang="en-US" dirty="0"/>
+              <a:t>优化思路：</a:t>
+            </a:r>
+          </a:p>
+        </p:txBody>
+      </p:sp>
+      <p:sp>
+        <p:nvSpPr>
+          <p:cNvPr id="4" name="文本占位符 3">
+            <a:extLst>
+              <a:ext uri="{FF2B5EF4-FFF2-40B4-BE49-F238E27FC236}">
+                <a16:creationId xmlns:a16="http://schemas.microsoft.com/office/drawing/2014/main" id="{1CA0EAEE-6270-4392-8C1C-9579332321E1}"/>
+              </a:ext>
+            </a:extLst>
+          </p:cNvPr>
+          <p:cNvSpPr>
+            <a:spLocks noGrp="1"/>
+          </p:cNvSpPr>
+          <p:nvPr>
+            <p:ph type="body" sz="quarter" idx="13"/>
+          </p:nvPr>
+        </p:nvSpPr>
+        <p:spPr>
+          <a:xfrm>
+            <a:off x="430444" y="2920808"/>
+            <a:ext cx="4828032" cy="490538"/>
+          </a:xfrm>
+        </p:spPr>
+        <p:txBody>
+          <a:bodyPr/>
+          <a:lstStyle/>
+          <a:p>
+            <a:r>
+              <a:rPr lang="en-US" altLang="zh-CN" dirty="0" err="1">
+                <a:solidFill>
+                  <a:srgbClr val="333B3C"/>
+                </a:solidFill>
+              </a:rPr>
+              <a:t>Mmap</a:t>
+            </a:r>
+            <a:r>
+              <a:rPr lang="en-US" altLang="zh-CN" dirty="0">
+                <a:solidFill>
+                  <a:srgbClr val="333B3C"/>
+                </a:solidFill>
+              </a:rPr>
+              <a:t>:</a:t>
+            </a:r>
+            <a:endParaRPr lang="zh-CN" altLang="en-US" dirty="0">
+              <a:solidFill>
+                <a:srgbClr val="333B3C"/>
+              </a:solidFill>
+            </a:endParaRPr>
+          </a:p>
+        </p:txBody>
+      </p:sp>
+      <p:sp>
+        <p:nvSpPr>
+          <p:cNvPr id="6" name="文本占位符 5">
+            <a:extLst>
+              <a:ext uri="{FF2B5EF4-FFF2-40B4-BE49-F238E27FC236}">
+                <a16:creationId xmlns:a16="http://schemas.microsoft.com/office/drawing/2014/main" id="{0EAA66DE-1ACE-49D6-8AE6-09E95E8F67E7}"/>
+              </a:ext>
+            </a:extLst>
+          </p:cNvPr>
+          <p:cNvSpPr>
+            <a:spLocks noGrp="1"/>
+          </p:cNvSpPr>
+          <p:nvPr>
+            <p:ph type="body" sz="quarter" idx="15"/>
+          </p:nvPr>
+        </p:nvSpPr>
+        <p:spPr>
+          <a:xfrm>
+            <a:off x="242314" y="3429000"/>
+            <a:ext cx="3601553" cy="1682750"/>
+          </a:xfrm>
+        </p:spPr>
+        <p:txBody>
+          <a:bodyPr/>
+          <a:lstStyle/>
+          <a:p>
+            <a:r>
+              <a:rPr lang="zh-CN" altLang="en-US" dirty="0">
+                <a:solidFill>
+                  <a:srgbClr val="333B3C"/>
+                </a:solidFill>
+              </a:rPr>
+              <a:t>建立内核读缓冲区与用户空间缓冲区的虚拟内存映射</a:t>
+            </a:r>
+            <a:endParaRPr lang="en-US" altLang="zh-CN" dirty="0">
+              <a:solidFill>
+                <a:srgbClr val="333B3C"/>
+              </a:solidFill>
+            </a:endParaRPr>
+          </a:p>
+          <a:p>
+            <a:r>
+              <a:rPr lang="zh-CN" altLang="en-US" dirty="0">
+                <a:solidFill>
+                  <a:srgbClr val="333B3C"/>
+                </a:solidFill>
+              </a:rPr>
+              <a:t>优化读性能，无法优化写性能</a:t>
+            </a:r>
+            <a:endParaRPr lang="en-US" altLang="zh-CN" dirty="0">
+              <a:solidFill>
+                <a:srgbClr val="333B3C"/>
+              </a:solidFill>
+            </a:endParaRPr>
+          </a:p>
+          <a:p>
+            <a:r>
+              <a:rPr lang="zh-CN" altLang="en-US" dirty="0">
+                <a:solidFill>
+                  <a:srgbClr val="333B3C"/>
+                </a:solidFill>
+              </a:rPr>
+              <a:t>节省一次用户缓冲区与内核缓冲区间</a:t>
+            </a:r>
+            <a:r>
+              <a:rPr lang="en-US" altLang="zh-CN" dirty="0">
+                <a:solidFill>
+                  <a:srgbClr val="333B3C"/>
+                </a:solidFill>
+              </a:rPr>
+              <a:t>CPU</a:t>
+            </a:r>
+            <a:r>
+              <a:rPr lang="zh-CN" altLang="en-US" dirty="0">
+                <a:solidFill>
+                  <a:srgbClr val="333B3C"/>
+                </a:solidFill>
+              </a:rPr>
+              <a:t>拷贝</a:t>
+            </a:r>
+            <a:endParaRPr lang="en-US" altLang="zh-CN" dirty="0">
+              <a:solidFill>
+                <a:srgbClr val="333B3C"/>
+              </a:solidFill>
+            </a:endParaRPr>
+          </a:p>
+          <a:p>
+            <a:r>
+              <a:rPr lang="zh-CN" altLang="en-US" dirty="0">
+                <a:solidFill>
+                  <a:srgbClr val="333B3C"/>
+                </a:solidFill>
+              </a:rPr>
+              <a:t>内存映射可能导致内存不足或内存浪费</a:t>
+            </a:r>
+          </a:p>
+        </p:txBody>
+      </p:sp>
+      <p:pic>
+        <p:nvPicPr>
+          <p:cNvPr id="9" name="图片 8">
+            <a:extLst>
+              <a:ext uri="{FF2B5EF4-FFF2-40B4-BE49-F238E27FC236}">
+                <a16:creationId xmlns:a16="http://schemas.microsoft.com/office/drawing/2014/main" id="{F034915D-E3DA-4D6C-A01E-9C9BC8E7BB1C}"/>
+              </a:ext>
+            </a:extLst>
+          </p:cNvPr>
+          <p:cNvPicPr>
+            <a:picLocks noChangeAspect="1"/>
+          </p:cNvPicPr>
+          <p:nvPr/>
+        </p:nvPicPr>
+        <p:blipFill>
+          <a:blip r:embed="rId2"/>
+          <a:stretch>
+            <a:fillRect/>
+          </a:stretch>
+        </p:blipFill>
+        <p:spPr>
+          <a:xfrm>
+            <a:off x="4602140" y="1002475"/>
+            <a:ext cx="7145128" cy="4945392"/>
+          </a:xfrm>
+          <a:prstGeom prst="rect">
+            <a:avLst/>
+          </a:prstGeom>
+        </p:spPr>
+      </p:pic>
+    </p:spTree>
+    <p:extLst>
+      <p:ext uri="{BB962C8B-B14F-4D97-AF65-F5344CB8AC3E}">
+        <p14:creationId xmlns:p14="http://schemas.microsoft.com/office/powerpoint/2010/main" val="2964365641"/>
+      </p:ext>
+    </p:extLst>
+  </p:cSld>
+  <p:clrMapOvr>
+    <a:masterClrMapping/>
+  </p:clrMapOvr>
+</p:sld>
+</file>
+
+<file path=ppt/slides/slide11.xml><?xml version="1.0" encoding="utf-8"?>
+<p:sld xmlns:a="http://schemas.openxmlformats.org/drawingml/2006/main" xmlns:r="http://schemas.openxmlformats.org/officeDocument/2006/relationships" xmlns:p="http://schemas.openxmlformats.org/presentationml/2006/main">
+  <p:cSld>
+    <p:spTree>
+      <p:nvGrpSpPr>
+        <p:cNvPr id="1" name=""/>
+        <p:cNvGrpSpPr/>
+        <p:nvPr/>
+      </p:nvGrpSpPr>
+      <p:grpSpPr>
+        <a:xfrm>
+          <a:off x="0" y="0"/>
+          <a:ext cx="0" cy="0"/>
+          <a:chOff x="0" y="0"/>
+          <a:chExt cx="0" cy="0"/>
+        </a:xfrm>
+      </p:grpSpPr>
+      <p:sp>
+        <p:nvSpPr>
+          <p:cNvPr id="2" name="灯片编号占位符 1">
+            <a:extLst>
+              <a:ext uri="{FF2B5EF4-FFF2-40B4-BE49-F238E27FC236}">
+                <a16:creationId xmlns:a16="http://schemas.microsoft.com/office/drawing/2014/main" id="{C45AA9E9-0F49-4805-A1B3-52554DF1ECC9}"/>
+              </a:ext>
+            </a:extLst>
+          </p:cNvPr>
+          <p:cNvSpPr>
+            <a:spLocks noGrp="1"/>
+          </p:cNvSpPr>
+          <p:nvPr>
+            <p:ph type="sldNum" sz="quarter" idx="12"/>
+          </p:nvPr>
+        </p:nvSpPr>
+        <p:spPr/>
+        <p:txBody>
+          <a:bodyPr/>
+          <a:lstStyle/>
+          <a:p>
+            <a:pPr rtl="0"/>
+            <a:fld id="{5BFCF61C-3B18-4C03-8326-CC3B32D710C9}" type="slidenum">
+              <a:rPr lang="en-US" altLang="zh-CN" noProof="0" smtClean="0"/>
+              <a:pPr rtl="0"/>
+              <a:t>11</a:t>
+            </a:fld>
+            <a:endParaRPr lang="zh-CN" noProof="0"/>
+          </a:p>
+        </p:txBody>
+      </p:sp>
+      <p:sp>
+        <p:nvSpPr>
+          <p:cNvPr id="3" name="标题 2">
+            <a:extLst>
+              <a:ext uri="{FF2B5EF4-FFF2-40B4-BE49-F238E27FC236}">
+                <a16:creationId xmlns:a16="http://schemas.microsoft.com/office/drawing/2014/main" id="{BC2E3E5F-D913-4CAF-9811-A0654FC88820}"/>
+              </a:ext>
+            </a:extLst>
+          </p:cNvPr>
+          <p:cNvSpPr>
+            <a:spLocks noGrp="1"/>
+          </p:cNvSpPr>
+          <p:nvPr>
+            <p:ph type="title"/>
+          </p:nvPr>
+        </p:nvSpPr>
+        <p:spPr>
+          <a:xfrm>
+            <a:off x="430444" y="1002475"/>
+            <a:ext cx="4175421" cy="1682749"/>
+          </a:xfrm>
+        </p:spPr>
+        <p:txBody>
+          <a:bodyPr/>
+          <a:lstStyle/>
+          <a:p>
+            <a:r>
+              <a:rPr lang="zh-CN" altLang="en-US" dirty="0"/>
+              <a:t>现有的</a:t>
+            </a:r>
+            <a:br>
+              <a:rPr lang="en-US" altLang="zh-CN" dirty="0"/>
+            </a:br>
+            <a:r>
+              <a:rPr lang="zh-CN" altLang="en-US" dirty="0"/>
+              <a:t>优化思路：</a:t>
+            </a:r>
+          </a:p>
+        </p:txBody>
+      </p:sp>
+      <p:sp>
+        <p:nvSpPr>
+          <p:cNvPr id="4" name="文本占位符 3">
+            <a:extLst>
+              <a:ext uri="{FF2B5EF4-FFF2-40B4-BE49-F238E27FC236}">
+                <a16:creationId xmlns:a16="http://schemas.microsoft.com/office/drawing/2014/main" id="{1CA0EAEE-6270-4392-8C1C-9579332321E1}"/>
+              </a:ext>
+            </a:extLst>
+          </p:cNvPr>
+          <p:cNvSpPr>
+            <a:spLocks noGrp="1"/>
+          </p:cNvSpPr>
+          <p:nvPr>
+            <p:ph type="body" sz="quarter" idx="13"/>
+          </p:nvPr>
+        </p:nvSpPr>
+        <p:spPr>
+          <a:xfrm>
+            <a:off x="430444" y="2920808"/>
+            <a:ext cx="4828032" cy="490538"/>
+          </a:xfrm>
+        </p:spPr>
+        <p:txBody>
+          <a:bodyPr/>
+          <a:lstStyle/>
+          <a:p>
+            <a:r>
+              <a:rPr lang="en-US" altLang="zh-CN" dirty="0">
+                <a:solidFill>
+                  <a:srgbClr val="333B3C"/>
+                </a:solidFill>
+              </a:rPr>
+              <a:t>Splice</a:t>
+            </a:r>
+            <a:r>
+              <a:rPr lang="zh-CN" altLang="en-US" dirty="0">
+                <a:solidFill>
+                  <a:srgbClr val="333B3C"/>
+                </a:solidFill>
+              </a:rPr>
+              <a:t>：</a:t>
+            </a:r>
+          </a:p>
+        </p:txBody>
+      </p:sp>
+      <p:sp>
+        <p:nvSpPr>
+          <p:cNvPr id="6" name="文本占位符 5">
+            <a:extLst>
+              <a:ext uri="{FF2B5EF4-FFF2-40B4-BE49-F238E27FC236}">
+                <a16:creationId xmlns:a16="http://schemas.microsoft.com/office/drawing/2014/main" id="{0EAA66DE-1ACE-49D6-8AE6-09E95E8F67E7}"/>
+              </a:ext>
+            </a:extLst>
+          </p:cNvPr>
+          <p:cNvSpPr>
+            <a:spLocks noGrp="1"/>
+          </p:cNvSpPr>
+          <p:nvPr>
+            <p:ph type="body" sz="quarter" idx="15"/>
+          </p:nvPr>
+        </p:nvSpPr>
+        <p:spPr>
+          <a:xfrm>
+            <a:off x="242314" y="3428999"/>
+            <a:ext cx="3601553" cy="3056467"/>
+          </a:xfrm>
+        </p:spPr>
+        <p:txBody>
+          <a:bodyPr/>
+          <a:lstStyle/>
+          <a:p>
+            <a:r>
+              <a:rPr lang="zh-CN" altLang="en-US" dirty="0">
+                <a:solidFill>
+                  <a:srgbClr val="333B3C"/>
+                </a:solidFill>
+              </a:rPr>
+              <a:t>在内核缓冲区和网络缓冲区之间建立管道</a:t>
+            </a:r>
+            <a:endParaRPr lang="en-US" altLang="zh-CN" dirty="0">
+              <a:solidFill>
+                <a:srgbClr val="333B3C"/>
+              </a:solidFill>
+            </a:endParaRPr>
+          </a:p>
+          <a:p>
+            <a:r>
+              <a:rPr lang="zh-CN" altLang="en-US" dirty="0">
+                <a:solidFill>
+                  <a:srgbClr val="333B3C"/>
+                </a:solidFill>
+              </a:rPr>
+              <a:t>避免数据在用户空间和内核空间之间的来回拷贝</a:t>
+            </a:r>
+            <a:endParaRPr lang="en-US" altLang="zh-CN" dirty="0">
+              <a:solidFill>
+                <a:srgbClr val="333B3C"/>
+              </a:solidFill>
+            </a:endParaRPr>
+          </a:p>
+          <a:p>
+            <a:r>
+              <a:rPr lang="zh-CN" altLang="en-US" dirty="0">
+                <a:solidFill>
+                  <a:srgbClr val="333B3C"/>
+                </a:solidFill>
+              </a:rPr>
+              <a:t>避免内核缓冲区和网络缓冲区之间的 </a:t>
+            </a:r>
+            <a:r>
+              <a:rPr lang="en-US" altLang="zh-CN" dirty="0">
+                <a:solidFill>
+                  <a:srgbClr val="333B3C"/>
+                </a:solidFill>
+              </a:rPr>
+              <a:t>CPU </a:t>
+            </a:r>
+            <a:r>
+              <a:rPr lang="zh-CN" altLang="en-US" dirty="0">
+                <a:solidFill>
+                  <a:srgbClr val="333B3C"/>
+                </a:solidFill>
+              </a:rPr>
+              <a:t>拷贝操作</a:t>
+            </a:r>
+            <a:endParaRPr lang="en-US" altLang="zh-CN" dirty="0">
+              <a:solidFill>
+                <a:srgbClr val="333B3C"/>
+              </a:solidFill>
+            </a:endParaRPr>
+          </a:p>
+          <a:p>
+            <a:r>
+              <a:rPr lang="zh-CN" altLang="en-US" dirty="0">
+                <a:solidFill>
+                  <a:srgbClr val="333B3C"/>
+                </a:solidFill>
+              </a:rPr>
+              <a:t>用户程序不能对</a:t>
+            </a:r>
+            <a:r>
+              <a:rPr lang="en-US" altLang="zh-CN" dirty="0">
+                <a:solidFill>
+                  <a:srgbClr val="333B3C"/>
+                </a:solidFill>
+              </a:rPr>
+              <a:t>IO</a:t>
+            </a:r>
+            <a:r>
+              <a:rPr lang="zh-CN" altLang="en-US" dirty="0">
+                <a:solidFill>
+                  <a:srgbClr val="333B3C"/>
+                </a:solidFill>
+              </a:rPr>
+              <a:t>数据进行修改</a:t>
+            </a:r>
+          </a:p>
+        </p:txBody>
+      </p:sp>
+      <p:pic>
+        <p:nvPicPr>
+          <p:cNvPr id="8" name="图片 7">
+            <a:extLst>
+              <a:ext uri="{FF2B5EF4-FFF2-40B4-BE49-F238E27FC236}">
+                <a16:creationId xmlns:a16="http://schemas.microsoft.com/office/drawing/2014/main" id="{D0562112-1EA9-4710-A449-50BA9EBAE43D}"/>
+              </a:ext>
+            </a:extLst>
+          </p:cNvPr>
+          <p:cNvPicPr>
+            <a:picLocks noChangeAspect="1"/>
+          </p:cNvPicPr>
+          <p:nvPr/>
+        </p:nvPicPr>
+        <p:blipFill>
+          <a:blip r:embed="rId2"/>
+          <a:stretch>
+            <a:fillRect/>
+          </a:stretch>
+        </p:blipFill>
+        <p:spPr>
+          <a:xfrm>
+            <a:off x="4706616" y="1243350"/>
+            <a:ext cx="7010508" cy="4696842"/>
+          </a:xfrm>
+          <a:prstGeom prst="rect">
+            <a:avLst/>
+          </a:prstGeom>
+        </p:spPr>
+      </p:pic>
+    </p:spTree>
+    <p:extLst>
+      <p:ext uri="{BB962C8B-B14F-4D97-AF65-F5344CB8AC3E}">
+        <p14:creationId xmlns:p14="http://schemas.microsoft.com/office/powerpoint/2010/main" val="2542226292"/>
+      </p:ext>
+    </p:extLst>
+  </p:cSld>
+  <p:clrMapOvr>
+    <a:masterClrMapping/>
+  </p:clrMapOvr>
+</p:sld>
+</file>
+
+<file path=ppt/slides/slide12.xml><?xml version="1.0" encoding="utf-8"?>
+<p:sld xmlns:a="http://schemas.openxmlformats.org/drawingml/2006/main" xmlns:r="http://schemas.openxmlformats.org/officeDocument/2006/relationships" xmlns:p="http://schemas.openxmlformats.org/presentationml/2006/main">
+  <p:cSld>
+    <p:spTree>
+      <p:nvGrpSpPr>
+        <p:cNvPr id="1" name=""/>
+        <p:cNvGrpSpPr/>
+        <p:nvPr/>
+      </p:nvGrpSpPr>
+      <p:grpSpPr>
+        <a:xfrm>
+          <a:off x="0" y="0"/>
+          <a:ext cx="0" cy="0"/>
+          <a:chOff x="0" y="0"/>
+          <a:chExt cx="0" cy="0"/>
+        </a:xfrm>
+      </p:grpSpPr>
+      <p:sp>
+        <p:nvSpPr>
+          <p:cNvPr id="2" name="灯片编号占位符 1">
+            <a:extLst>
+              <a:ext uri="{FF2B5EF4-FFF2-40B4-BE49-F238E27FC236}">
+                <a16:creationId xmlns:a16="http://schemas.microsoft.com/office/drawing/2014/main" id="{F4DC79FB-01F3-423D-8636-798628E6FCBC}"/>
+              </a:ext>
+            </a:extLst>
+          </p:cNvPr>
+          <p:cNvSpPr>
+            <a:spLocks noGrp="1"/>
+          </p:cNvSpPr>
+          <p:nvPr>
+            <p:ph type="sldNum" sz="quarter" idx="12"/>
+          </p:nvPr>
+        </p:nvSpPr>
+        <p:spPr/>
+        <p:txBody>
+          <a:bodyPr/>
+          <a:lstStyle/>
+          <a:p>
+            <a:pPr rtl="0"/>
+            <a:fld id="{5BFCF61C-3B18-4C03-8326-CC3B32D710C9}" type="slidenum">
+              <a:rPr lang="en-US" altLang="zh-CN" noProof="0" smtClean="0"/>
+              <a:pPr rtl="0"/>
+              <a:t>12</a:t>
             </a:fld>
             <a:endParaRPr lang="zh-CN" noProof="0"/>
           </a:p>
@@ -11852,1107 +12593,6 @@
 </p:sld>
 </file>
 
-<file path=ppt/slides/slide11.xml><?xml version="1.0" encoding="utf-8"?>
-<p:sld xmlns:a="http://schemas.openxmlformats.org/drawingml/2006/main" xmlns:r="http://schemas.openxmlformats.org/officeDocument/2006/relationships" xmlns:p="http://schemas.openxmlformats.org/presentationml/2006/main">
-  <p:cSld>
-    <p:spTree>
-      <p:nvGrpSpPr>
-        <p:cNvPr id="1" name=""/>
-        <p:cNvGrpSpPr/>
-        <p:nvPr/>
-      </p:nvGrpSpPr>
-      <p:grpSpPr>
-        <a:xfrm>
-          <a:off x="0" y="0"/>
-          <a:ext cx="0" cy="0"/>
-          <a:chOff x="0" y="0"/>
-          <a:chExt cx="0" cy="0"/>
-        </a:xfrm>
-      </p:grpSpPr>
-      <p:sp>
-        <p:nvSpPr>
-          <p:cNvPr id="4" name="标题 3">
-            <a:extLst>
-              <a:ext uri="{FF2B5EF4-FFF2-40B4-BE49-F238E27FC236}">
-                <a16:creationId xmlns:a16="http://schemas.microsoft.com/office/drawing/2014/main" id="{62C85805-79DB-07ED-6BDE-11B8962D463A}"/>
-              </a:ext>
-            </a:extLst>
-          </p:cNvPr>
-          <p:cNvSpPr>
-            <a:spLocks noGrp="1"/>
-          </p:cNvSpPr>
-          <p:nvPr>
-            <p:ph type="title"/>
-          </p:nvPr>
-        </p:nvSpPr>
-        <p:spPr/>
-        <p:txBody>
-          <a:bodyPr rtlCol="0"/>
-          <a:lstStyle>
-            <a:defPPr>
-              <a:defRPr lang="zh-CN"/>
-            </a:defPPr>
-          </a:lstStyle>
-          <a:p>
-            <a:pPr rtl="0"/>
-            <a:r>
-              <a:rPr lang="en-US" altLang="zh-CN" dirty="0">
-                <a:latin typeface="Microsoft YaHei UI" panose="020B0604020202020204" pitchFamily="34" charset="0"/>
-                <a:ea typeface="Microsoft YaHei UI"/>
-                <a:cs typeface="Microsoft YaHei UI" panose="020B0604020202020204" pitchFamily="34" charset="0"/>
-              </a:rPr>
-              <a:t>How</a:t>
-            </a:r>
-            <a:r>
-              <a:rPr lang="zh-CN" altLang="en-US" dirty="0">
-                <a:latin typeface="Microsoft YaHei UI" panose="020B0604020202020204" pitchFamily="34" charset="0"/>
-                <a:ea typeface="Microsoft YaHei UI"/>
-                <a:cs typeface="Microsoft YaHei UI" panose="020B0604020202020204" pitchFamily="34" charset="0"/>
-              </a:rPr>
-              <a:t>？</a:t>
-            </a:r>
-            <a:br>
-              <a:rPr lang="zh-CN" sz="5000" dirty="0">
-                <a:solidFill>
-                  <a:schemeClr val="tx2"/>
-                </a:solidFill>
-                <a:latin typeface="Microsoft YaHei UI" panose="020B0604020202020204" pitchFamily="34" charset="0"/>
-                <a:ea typeface="Microsoft YaHei UI"/>
-                <a:cs typeface="Microsoft YaHei UI" panose="020B0604020202020204" pitchFamily="34" charset="0"/>
-              </a:rPr>
-            </a:br>
-            <a:endParaRPr lang="zh-CN" dirty="0"/>
-          </a:p>
-        </p:txBody>
-      </p:sp>
-      <p:sp>
-        <p:nvSpPr>
-          <p:cNvPr id="3" name="灯片编号占位符 2">
-            <a:extLst>
-              <a:ext uri="{FF2B5EF4-FFF2-40B4-BE49-F238E27FC236}">
-                <a16:creationId xmlns:a16="http://schemas.microsoft.com/office/drawing/2014/main" id="{583E68DE-3756-7E72-3F5A-34338BB312B3}"/>
-              </a:ext>
-            </a:extLst>
-          </p:cNvPr>
-          <p:cNvSpPr>
-            <a:spLocks noGrp="1"/>
-          </p:cNvSpPr>
-          <p:nvPr>
-            <p:ph type="sldNum" sz="quarter" idx="12"/>
-          </p:nvPr>
-        </p:nvSpPr>
-        <p:spPr/>
-        <p:txBody>
-          <a:bodyPr rtlCol="0"/>
-          <a:lstStyle>
-            <a:defPPr>
-              <a:defRPr lang="zh-CN"/>
-            </a:defPPr>
-          </a:lstStyle>
-          <a:p>
-            <a:pPr rtl="0"/>
-            <a:fld id="{5BFCF61C-3B18-4C03-8326-CC3B32D710C9}" type="slidenum">
-              <a:rPr lang="en-US" altLang="zh-CN" smtClean="0"/>
-              <a:t>11</a:t>
-            </a:fld>
-            <a:endParaRPr lang="zh-CN" dirty="0"/>
-          </a:p>
-        </p:txBody>
-      </p:sp>
-      <p:sp>
-        <p:nvSpPr>
-          <p:cNvPr id="5" name="文本占位符 4">
-            <a:extLst>
-              <a:ext uri="{FF2B5EF4-FFF2-40B4-BE49-F238E27FC236}">
-                <a16:creationId xmlns:a16="http://schemas.microsoft.com/office/drawing/2014/main" id="{6D4C7CBA-BE77-048A-DED3-BCCB5936C564}"/>
-              </a:ext>
-            </a:extLst>
-          </p:cNvPr>
-          <p:cNvSpPr>
-            <a:spLocks noGrp="1"/>
-          </p:cNvSpPr>
-          <p:nvPr>
-            <p:ph type="body" sz="quarter" idx="13"/>
-          </p:nvPr>
-        </p:nvSpPr>
-        <p:spPr>
-          <a:xfrm>
-            <a:off x="649224" y="2980944"/>
-            <a:ext cx="3206339" cy="1106424"/>
-          </a:xfrm>
-        </p:spPr>
-        <p:txBody>
-          <a:bodyPr rtlCol="0"/>
-          <a:lstStyle>
-            <a:defPPr>
-              <a:defRPr lang="zh-CN"/>
-            </a:defPPr>
-          </a:lstStyle>
-          <a:p>
-            <a:pPr rtl="0"/>
-            <a:r>
-              <a:rPr lang="en-US" altLang="zh-CN" sz="2200" b="1" dirty="0">
-                <a:solidFill>
-                  <a:schemeClr val="tx2"/>
-                </a:solidFill>
-                <a:latin typeface="Microsoft YaHei UI" panose="020B0604020202020204" pitchFamily="34" charset="0"/>
-                <a:ea typeface="Microsoft YaHei UI"/>
-                <a:cs typeface="Microsoft YaHei UI" panose="020B0604020202020204" pitchFamily="34" charset="0"/>
-              </a:rPr>
-              <a:t>DFS</a:t>
-            </a:r>
-            <a:r>
-              <a:rPr lang="zh-CN" altLang="en-US" sz="2200" b="1" dirty="0">
-                <a:solidFill>
-                  <a:schemeClr val="tx2"/>
-                </a:solidFill>
-                <a:latin typeface="Microsoft YaHei UI" panose="020B0604020202020204" pitchFamily="34" charset="0"/>
-                <a:ea typeface="Microsoft YaHei UI"/>
-                <a:cs typeface="Microsoft YaHei UI" panose="020B0604020202020204" pitchFamily="34" charset="0"/>
-              </a:rPr>
-              <a:t>的部署</a:t>
-            </a:r>
-            <a:endParaRPr lang="zh-CN" sz="2200" b="1" dirty="0">
-              <a:solidFill>
-                <a:schemeClr val="tx2"/>
-              </a:solidFill>
-              <a:latin typeface="Microsoft YaHei UI" panose="020B0604020202020204" pitchFamily="34" charset="0"/>
-              <a:ea typeface="Microsoft YaHei UI"/>
-              <a:cs typeface="Microsoft YaHei UI" panose="020B0604020202020204" pitchFamily="34" charset="0"/>
-            </a:endParaRPr>
-          </a:p>
-          <a:p>
-            <a:pPr rtl="0"/>
-            <a:endParaRPr lang="zh-CN" dirty="0"/>
-          </a:p>
-        </p:txBody>
-      </p:sp>
-      <p:sp>
-        <p:nvSpPr>
-          <p:cNvPr id="7" name="文本占位符 6">
-            <a:extLst>
-              <a:ext uri="{FF2B5EF4-FFF2-40B4-BE49-F238E27FC236}">
-                <a16:creationId xmlns:a16="http://schemas.microsoft.com/office/drawing/2014/main" id="{2749D3A3-A012-454F-EFFD-30D72C9C8AE7}"/>
-              </a:ext>
-            </a:extLst>
-          </p:cNvPr>
-          <p:cNvSpPr>
-            <a:spLocks noGrp="1"/>
-          </p:cNvSpPr>
-          <p:nvPr>
-            <p:ph type="body" sz="quarter" idx="15"/>
-          </p:nvPr>
-        </p:nvSpPr>
-        <p:spPr>
-          <a:xfrm>
-            <a:off x="222628" y="3534154"/>
-            <a:ext cx="3282696" cy="1970905"/>
-          </a:xfrm>
-        </p:spPr>
-        <p:txBody>
-          <a:bodyPr rtlCol="0"/>
-          <a:lstStyle>
-            <a:defPPr>
-              <a:defRPr lang="zh-CN"/>
-            </a:defPPr>
-          </a:lstStyle>
-          <a:p>
-            <a:pPr marL="342900" indent="-342900" rtl="0">
-              <a:lnSpc>
-                <a:spcPct val="150000"/>
-              </a:lnSpc>
-              <a:buFont typeface="Arial" panose="020B0604020202020204" pitchFamily="34" charset="0"/>
-              <a:buChar char="•"/>
-            </a:pPr>
-            <a:r>
-              <a:rPr lang="zh-CN" altLang="en-US" dirty="0">
-                <a:latin typeface="Microsoft YaHei UI" panose="020B0604020202020204" pitchFamily="34" charset="0"/>
-                <a:ea typeface="Microsoft YaHei UI"/>
-                <a:cs typeface="Microsoft YaHei UI" panose="020B0604020202020204" pitchFamily="34" charset="0"/>
-              </a:rPr>
-              <a:t>初步部署开源社区版</a:t>
-            </a:r>
-            <a:r>
-              <a:rPr lang="en-US" altLang="zh-CN" dirty="0" err="1">
-                <a:latin typeface="Microsoft YaHei UI" panose="020B0604020202020204" pitchFamily="34" charset="0"/>
-                <a:ea typeface="Microsoft YaHei UI"/>
-                <a:cs typeface="Microsoft YaHei UI" panose="020B0604020202020204" pitchFamily="34" charset="0"/>
-              </a:rPr>
-              <a:t>JuiceFS</a:t>
-            </a:r>
-            <a:endParaRPr lang="en-US" altLang="zh-CN" dirty="0">
-              <a:latin typeface="Microsoft YaHei UI" panose="020B0604020202020204" pitchFamily="34" charset="0"/>
-              <a:ea typeface="Microsoft YaHei UI"/>
-              <a:cs typeface="Microsoft YaHei UI" panose="020B0604020202020204" pitchFamily="34" charset="0"/>
-            </a:endParaRPr>
-          </a:p>
-          <a:p>
-            <a:pPr marL="342900" indent="-342900" rtl="0">
-              <a:lnSpc>
-                <a:spcPct val="150000"/>
-              </a:lnSpc>
-              <a:buFont typeface="Arial" panose="020B0604020202020204" pitchFamily="34" charset="0"/>
-              <a:buChar char="•"/>
-            </a:pPr>
-            <a:r>
-              <a:rPr lang="zh-CN" altLang="en-US" dirty="0">
-                <a:latin typeface="Microsoft YaHei UI" panose="020B0604020202020204" pitchFamily="34" charset="0"/>
-                <a:ea typeface="Microsoft YaHei UI"/>
-                <a:cs typeface="Microsoft YaHei UI" panose="020B0604020202020204" pitchFamily="34" charset="0"/>
-              </a:rPr>
-              <a:t>实现单机的性能优化</a:t>
-            </a:r>
-            <a:endParaRPr lang="en-US" altLang="zh-CN" dirty="0">
-              <a:latin typeface="Microsoft YaHei UI" panose="020B0604020202020204" pitchFamily="34" charset="0"/>
-              <a:ea typeface="Microsoft YaHei UI"/>
-              <a:cs typeface="Microsoft YaHei UI" panose="020B0604020202020204" pitchFamily="34" charset="0"/>
-            </a:endParaRPr>
-          </a:p>
-          <a:p>
-            <a:pPr marL="342900" indent="-342900" rtl="0">
-              <a:lnSpc>
-                <a:spcPct val="150000"/>
-              </a:lnSpc>
-              <a:buFont typeface="Arial" panose="020B0604020202020204" pitchFamily="34" charset="0"/>
-              <a:buChar char="•"/>
-            </a:pPr>
-            <a:r>
-              <a:rPr lang="zh-CN" altLang="en-US" sz="1600" dirty="0">
-                <a:solidFill>
-                  <a:schemeClr val="tx2"/>
-                </a:solidFill>
-                <a:latin typeface="Microsoft YaHei UI" panose="020B0604020202020204" pitchFamily="34" charset="0"/>
-                <a:ea typeface="Microsoft YaHei UI"/>
-                <a:cs typeface="Microsoft YaHei UI" panose="020B0604020202020204" pitchFamily="34" charset="0"/>
-              </a:rPr>
-              <a:t>实现集群的</a:t>
-            </a:r>
-            <a:r>
-              <a:rPr lang="en-US" altLang="zh-CN" sz="1600" dirty="0">
-                <a:solidFill>
-                  <a:schemeClr val="tx2"/>
-                </a:solidFill>
-                <a:latin typeface="Microsoft YaHei UI" panose="020B0604020202020204" pitchFamily="34" charset="0"/>
-                <a:ea typeface="Microsoft YaHei UI"/>
-                <a:cs typeface="Microsoft YaHei UI" panose="020B0604020202020204" pitchFamily="34" charset="0"/>
-              </a:rPr>
-              <a:t>IO</a:t>
-            </a:r>
-            <a:r>
-              <a:rPr lang="zh-CN" altLang="en-US" sz="1600" dirty="0">
-                <a:solidFill>
-                  <a:schemeClr val="tx2"/>
-                </a:solidFill>
-                <a:latin typeface="Microsoft YaHei UI" panose="020B0604020202020204" pitchFamily="34" charset="0"/>
-                <a:ea typeface="Microsoft YaHei UI"/>
-                <a:cs typeface="Microsoft YaHei UI" panose="020B0604020202020204" pitchFamily="34" charset="0"/>
-              </a:rPr>
-              <a:t>性能优化</a:t>
-            </a:r>
-            <a:endParaRPr lang="en-US" altLang="zh-CN" sz="1600" dirty="0">
-              <a:solidFill>
-                <a:schemeClr val="tx2"/>
-              </a:solidFill>
-              <a:latin typeface="Microsoft YaHei UI" panose="020B0604020202020204" pitchFamily="34" charset="0"/>
-              <a:ea typeface="Microsoft YaHei UI"/>
-              <a:cs typeface="Microsoft YaHei UI" panose="020B0604020202020204" pitchFamily="34" charset="0"/>
-            </a:endParaRPr>
-          </a:p>
-          <a:p>
-            <a:pPr marL="342900" indent="-342900" rtl="0">
-              <a:lnSpc>
-                <a:spcPct val="150000"/>
-              </a:lnSpc>
-              <a:buFont typeface="Arial" panose="020B0604020202020204" pitchFamily="34" charset="0"/>
-              <a:buChar char="•"/>
-            </a:pPr>
-            <a:r>
-              <a:rPr lang="zh-CN" altLang="en-US" sz="1600" dirty="0">
-                <a:solidFill>
-                  <a:schemeClr val="tx2"/>
-                </a:solidFill>
-                <a:latin typeface="Microsoft YaHei UI" panose="020B0604020202020204" pitchFamily="34" charset="0"/>
-                <a:ea typeface="Microsoft YaHei UI"/>
-                <a:cs typeface="Microsoft YaHei UI" panose="020B0604020202020204" pitchFamily="34" charset="0"/>
-              </a:rPr>
-              <a:t>实现在</a:t>
-            </a:r>
-            <a:r>
-              <a:rPr lang="en-US" altLang="zh-CN" sz="1600" dirty="0" err="1">
-                <a:solidFill>
-                  <a:schemeClr val="tx2"/>
-                </a:solidFill>
-                <a:latin typeface="Microsoft YaHei UI" panose="020B0604020202020204" pitchFamily="34" charset="0"/>
-                <a:ea typeface="Microsoft YaHei UI"/>
-                <a:cs typeface="Microsoft YaHei UI" panose="020B0604020202020204" pitchFamily="34" charset="0"/>
-              </a:rPr>
-              <a:t>DisGraFS</a:t>
-            </a:r>
-            <a:r>
-              <a:rPr lang="zh-CN" altLang="en-US" sz="1600" dirty="0">
-                <a:solidFill>
-                  <a:schemeClr val="tx2"/>
-                </a:solidFill>
-                <a:latin typeface="Microsoft YaHei UI" panose="020B0604020202020204" pitchFamily="34" charset="0"/>
-                <a:ea typeface="Microsoft YaHei UI"/>
-                <a:cs typeface="Microsoft YaHei UI" panose="020B0604020202020204" pitchFamily="34" charset="0"/>
-              </a:rPr>
-              <a:t>上的适配</a:t>
-            </a:r>
-            <a:endParaRPr lang="zh-CN" sz="1600" dirty="0">
-              <a:solidFill>
-                <a:schemeClr val="tx2"/>
-              </a:solidFill>
-              <a:latin typeface="Microsoft YaHei UI" panose="020B0604020202020204" pitchFamily="34" charset="0"/>
-              <a:ea typeface="Microsoft YaHei UI"/>
-              <a:cs typeface="Microsoft YaHei UI" panose="020B0604020202020204" pitchFamily="34" charset="0"/>
-            </a:endParaRPr>
-          </a:p>
-        </p:txBody>
-      </p:sp>
-      <p:sp>
-        <p:nvSpPr>
-          <p:cNvPr id="6" name="文本占位符 5">
-            <a:extLst>
-              <a:ext uri="{FF2B5EF4-FFF2-40B4-BE49-F238E27FC236}">
-                <a16:creationId xmlns:a16="http://schemas.microsoft.com/office/drawing/2014/main" id="{19E02B69-8EDA-C137-FEEF-12D4F89D01CD}"/>
-              </a:ext>
-            </a:extLst>
-          </p:cNvPr>
-          <p:cNvSpPr>
-            <a:spLocks noGrp="1"/>
-          </p:cNvSpPr>
-          <p:nvPr>
-            <p:ph type="body" sz="quarter" idx="14"/>
-          </p:nvPr>
-        </p:nvSpPr>
-        <p:spPr/>
-        <p:txBody>
-          <a:bodyPr rtlCol="0"/>
-          <a:lstStyle>
-            <a:defPPr>
-              <a:defRPr lang="zh-CN"/>
-            </a:defPPr>
-          </a:lstStyle>
-          <a:p>
-            <a:pPr rtl="0"/>
-            <a:r>
-              <a:rPr lang="en-US" altLang="zh-CN" dirty="0" err="1"/>
-              <a:t>eBPF</a:t>
-            </a:r>
-            <a:r>
-              <a:rPr lang="zh-CN" altLang="en-US" dirty="0"/>
-              <a:t>程序的编写与装载</a:t>
-            </a:r>
-            <a:endParaRPr lang="zh-CN" dirty="0"/>
-          </a:p>
-        </p:txBody>
-      </p:sp>
-      <p:sp>
-        <p:nvSpPr>
-          <p:cNvPr id="8" name="文本占位符 7">
-            <a:extLst>
-              <a:ext uri="{FF2B5EF4-FFF2-40B4-BE49-F238E27FC236}">
-                <a16:creationId xmlns:a16="http://schemas.microsoft.com/office/drawing/2014/main" id="{D89074EA-C6FF-2A59-04ED-55D899CA3454}"/>
-              </a:ext>
-            </a:extLst>
-          </p:cNvPr>
-          <p:cNvSpPr>
-            <a:spLocks noGrp="1"/>
-          </p:cNvSpPr>
-          <p:nvPr>
-            <p:ph type="body" sz="quarter" idx="16"/>
-          </p:nvPr>
-        </p:nvSpPr>
-        <p:spPr>
-          <a:xfrm>
-            <a:off x="4005072" y="3557522"/>
-            <a:ext cx="3468748" cy="2098211"/>
-          </a:xfrm>
-        </p:spPr>
-        <p:txBody>
-          <a:bodyPr rtlCol="0"/>
-          <a:lstStyle>
-            <a:defPPr>
-              <a:defRPr lang="zh-CN"/>
-            </a:defPPr>
-          </a:lstStyle>
-          <a:p>
-            <a:pPr marL="342900" indent="-342900" rtl="0">
-              <a:lnSpc>
-                <a:spcPct val="150000"/>
-              </a:lnSpc>
-              <a:buFont typeface="Arial" panose="020B0604020202020204" pitchFamily="34" charset="0"/>
-              <a:buChar char="•"/>
-            </a:pPr>
-            <a:r>
-              <a:rPr lang="zh-CN" altLang="en-US" dirty="0">
-                <a:latin typeface="Microsoft YaHei UI" panose="020B0604020202020204" pitchFamily="34" charset="0"/>
-                <a:ea typeface="Microsoft YaHei UI"/>
-              </a:rPr>
-              <a:t>为文件系统提供</a:t>
-            </a:r>
-            <a:r>
-              <a:rPr lang="en-US" altLang="zh-CN" dirty="0" err="1">
-                <a:latin typeface="Microsoft YaHei UI" panose="020B0604020202020204" pitchFamily="34" charset="0"/>
-                <a:ea typeface="Microsoft YaHei UI"/>
-              </a:rPr>
-              <a:t>eBPF</a:t>
-            </a:r>
-            <a:r>
-              <a:rPr lang="zh-CN" altLang="en-US" dirty="0">
-                <a:latin typeface="Microsoft YaHei UI" panose="020B0604020202020204" pitchFamily="34" charset="0"/>
-                <a:ea typeface="Microsoft YaHei UI"/>
-              </a:rPr>
-              <a:t>支持</a:t>
-            </a:r>
-            <a:endParaRPr lang="en-US" altLang="zh-CN" dirty="0">
-              <a:latin typeface="Microsoft YaHei UI" panose="020B0604020202020204" pitchFamily="34" charset="0"/>
-              <a:ea typeface="Microsoft YaHei UI"/>
-            </a:endParaRPr>
-          </a:p>
-          <a:p>
-            <a:pPr marL="342900" indent="-342900" rtl="0">
-              <a:lnSpc>
-                <a:spcPct val="150000"/>
-              </a:lnSpc>
-              <a:buFont typeface="Arial" panose="020B0604020202020204" pitchFamily="34" charset="0"/>
-              <a:buChar char="•"/>
-            </a:pPr>
-            <a:r>
-              <a:rPr lang="zh-CN" altLang="en-US" sz="1600" dirty="0">
-                <a:solidFill>
-                  <a:schemeClr val="tx2"/>
-                </a:solidFill>
-                <a:latin typeface="Microsoft YaHei UI" panose="020B0604020202020204" pitchFamily="34" charset="0"/>
-                <a:ea typeface="Microsoft YaHei UI"/>
-              </a:rPr>
-              <a:t>设计新的映射类型以支持用户空间和内核的通信和高效</a:t>
-            </a:r>
-            <a:r>
-              <a:rPr lang="en-US" altLang="zh-CN" sz="1600" dirty="0">
-                <a:solidFill>
-                  <a:schemeClr val="tx2"/>
-                </a:solidFill>
-                <a:latin typeface="Microsoft YaHei UI" panose="020B0604020202020204" pitchFamily="34" charset="0"/>
-                <a:ea typeface="Microsoft YaHei UI"/>
-              </a:rPr>
-              <a:t>IO</a:t>
-            </a:r>
-          </a:p>
-          <a:p>
-            <a:pPr marL="342900" indent="-342900" rtl="0">
-              <a:lnSpc>
-                <a:spcPct val="150000"/>
-              </a:lnSpc>
-              <a:buFont typeface="Arial" panose="020B0604020202020204" pitchFamily="34" charset="0"/>
-              <a:buChar char="•"/>
-            </a:pPr>
-            <a:r>
-              <a:rPr lang="zh-CN" altLang="en-US" dirty="0">
-                <a:latin typeface="Microsoft YaHei UI" panose="020B0604020202020204" pitchFamily="34" charset="0"/>
-                <a:ea typeface="Microsoft YaHei UI"/>
-              </a:rPr>
-              <a:t>修改文件系统驱动程序调用写好的</a:t>
-            </a:r>
-            <a:r>
-              <a:rPr lang="en-US" altLang="zh-CN" dirty="0" err="1">
-                <a:latin typeface="Microsoft YaHei UI" panose="020B0604020202020204" pitchFamily="34" charset="0"/>
-                <a:ea typeface="Microsoft YaHei UI"/>
-              </a:rPr>
-              <a:t>eBPF</a:t>
-            </a:r>
-            <a:r>
-              <a:rPr lang="zh-CN" altLang="en-US" dirty="0">
-                <a:latin typeface="Microsoft YaHei UI" panose="020B0604020202020204" pitchFamily="34" charset="0"/>
-                <a:ea typeface="Microsoft YaHei UI"/>
-              </a:rPr>
-              <a:t>程序</a:t>
-            </a:r>
-            <a:endParaRPr lang="zh-CN" sz="1600" dirty="0">
-              <a:solidFill>
-                <a:schemeClr val="tx2"/>
-              </a:solidFill>
-            </a:endParaRPr>
-          </a:p>
-          <a:p>
-            <a:pPr rtl="0"/>
-            <a:endParaRPr lang="zh-CN" dirty="0"/>
-          </a:p>
-        </p:txBody>
-      </p:sp>
-      <p:sp>
-        <p:nvSpPr>
-          <p:cNvPr id="9" name="文本占位符 8">
-            <a:extLst>
-              <a:ext uri="{FF2B5EF4-FFF2-40B4-BE49-F238E27FC236}">
-                <a16:creationId xmlns:a16="http://schemas.microsoft.com/office/drawing/2014/main" id="{2F6D1492-6808-B064-1F4E-6B49A77CEAE9}"/>
-              </a:ext>
-            </a:extLst>
-          </p:cNvPr>
-          <p:cNvSpPr>
-            <a:spLocks noGrp="1"/>
-          </p:cNvSpPr>
-          <p:nvPr>
-            <p:ph type="body" sz="quarter" idx="17"/>
-          </p:nvPr>
-        </p:nvSpPr>
-        <p:spPr/>
-        <p:txBody>
-          <a:bodyPr rtlCol="0"/>
-          <a:lstStyle>
-            <a:defPPr>
-              <a:defRPr lang="zh-CN"/>
-            </a:defPPr>
-          </a:lstStyle>
-          <a:p>
-            <a:pPr rtl="0"/>
-            <a:r>
-              <a:rPr lang="en-US" altLang="zh-CN" sz="2200" b="1" dirty="0">
-                <a:solidFill>
-                  <a:schemeClr val="tx2"/>
-                </a:solidFill>
-                <a:latin typeface="Microsoft YaHei UI" panose="020B0604020202020204" pitchFamily="34" charset="0"/>
-                <a:ea typeface="Microsoft YaHei UI"/>
-                <a:cs typeface="Microsoft YaHei UI" panose="020B0604020202020204" pitchFamily="34" charset="0"/>
-              </a:rPr>
-              <a:t>IO</a:t>
-            </a:r>
-            <a:r>
-              <a:rPr lang="zh-CN" altLang="en-US" sz="2200" b="1" dirty="0">
-                <a:solidFill>
-                  <a:schemeClr val="tx2"/>
-                </a:solidFill>
-                <a:latin typeface="Microsoft YaHei UI" panose="020B0604020202020204" pitchFamily="34" charset="0"/>
-                <a:ea typeface="Microsoft YaHei UI"/>
-                <a:cs typeface="Microsoft YaHei UI" panose="020B0604020202020204" pitchFamily="34" charset="0"/>
-              </a:rPr>
-              <a:t>性能优化效果检测</a:t>
-            </a:r>
-            <a:endParaRPr lang="zh-CN" dirty="0"/>
-          </a:p>
-        </p:txBody>
-      </p:sp>
-      <p:sp>
-        <p:nvSpPr>
-          <p:cNvPr id="10" name="文本占位符 9">
-            <a:extLst>
-              <a:ext uri="{FF2B5EF4-FFF2-40B4-BE49-F238E27FC236}">
-                <a16:creationId xmlns:a16="http://schemas.microsoft.com/office/drawing/2014/main" id="{A4B14CB4-1193-ED18-7BAA-87DF524040D5}"/>
-              </a:ext>
-            </a:extLst>
-          </p:cNvPr>
-          <p:cNvSpPr>
-            <a:spLocks noGrp="1"/>
-          </p:cNvSpPr>
-          <p:nvPr>
-            <p:ph type="body" sz="quarter" idx="18"/>
-          </p:nvPr>
-        </p:nvSpPr>
-        <p:spPr>
-          <a:xfrm>
-            <a:off x="7973568" y="3596739"/>
-            <a:ext cx="3282696" cy="2482328"/>
-          </a:xfrm>
-        </p:spPr>
-        <p:txBody>
-          <a:bodyPr rtlCol="0"/>
-          <a:lstStyle>
-            <a:defPPr>
-              <a:defRPr lang="zh-CN"/>
-            </a:defPPr>
-          </a:lstStyle>
-          <a:p>
-            <a:pPr rtl="0"/>
-            <a:r>
-              <a:rPr lang="zh-CN" sz="1600" noProof="1">
-                <a:solidFill>
-                  <a:schemeClr val="tx2"/>
-                </a:solidFill>
-                <a:latin typeface="Microsoft YaHei UI" panose="020B0604020202020204" pitchFamily="34" charset="0"/>
-                <a:ea typeface="Microsoft YaHei UI"/>
-                <a:cs typeface="Microsoft YaHei UI" panose="020B0604020202020204" pitchFamily="34" charset="0"/>
-              </a:rPr>
-              <a:t>用于运行</a:t>
-            </a:r>
-            <a:r>
-              <a:rPr lang="zh-CN" altLang="en-US" noProof="1">
-                <a:latin typeface="Microsoft YaHei UI" panose="020B0604020202020204" pitchFamily="34" charset="0"/>
-                <a:ea typeface="Microsoft YaHei UI"/>
-                <a:cs typeface="Microsoft YaHei UI" panose="020B0604020202020204" pitchFamily="34" charset="0"/>
-              </a:rPr>
-              <a:t>性能</a:t>
-            </a:r>
-            <a:r>
-              <a:rPr lang="zh-CN" sz="1600" noProof="1">
-                <a:solidFill>
-                  <a:schemeClr val="tx2"/>
-                </a:solidFill>
-                <a:latin typeface="Microsoft YaHei UI" panose="020B0604020202020204" pitchFamily="34" charset="0"/>
-                <a:ea typeface="Microsoft YaHei UI"/>
-                <a:cs typeface="Microsoft YaHei UI" panose="020B0604020202020204" pitchFamily="34" charset="0"/>
-              </a:rPr>
-              <a:t>测试的软件工具</a:t>
-            </a:r>
-            <a:endParaRPr lang="en-US" altLang="zh-CN" sz="1600" noProof="1">
-              <a:solidFill>
-                <a:schemeClr val="tx2"/>
-              </a:solidFill>
-              <a:latin typeface="Microsoft YaHei UI" panose="020B0604020202020204" pitchFamily="34" charset="0"/>
-              <a:ea typeface="Microsoft YaHei UI"/>
-              <a:cs typeface="Microsoft YaHei UI" panose="020B0604020202020204" pitchFamily="34" charset="0"/>
-            </a:endParaRPr>
-          </a:p>
-          <a:p>
-            <a:pPr rtl="0"/>
-            <a:r>
-              <a:rPr lang="en-US" altLang="zh-CN" sz="1600" noProof="1">
-                <a:solidFill>
-                  <a:schemeClr val="tx2"/>
-                </a:solidFill>
-                <a:latin typeface="Microsoft YaHei UI" panose="020B0604020202020204" pitchFamily="34" charset="0"/>
-                <a:ea typeface="Microsoft YaHei UI"/>
-                <a:cs typeface="Microsoft YaHei UI" panose="020B0604020202020204" pitchFamily="34" charset="0"/>
-              </a:rPr>
-              <a:t>Prometheus</a:t>
-            </a:r>
-          </a:p>
-          <a:p>
-            <a:pPr rtl="0"/>
-            <a:r>
-              <a:rPr lang="en-US" altLang="zh-CN" noProof="1">
-                <a:latin typeface="Microsoft YaHei UI" panose="020B0604020202020204" pitchFamily="34" charset="0"/>
-                <a:ea typeface="Microsoft YaHei UI"/>
-                <a:cs typeface="Microsoft YaHei UI" panose="020B0604020202020204" pitchFamily="34" charset="0"/>
-              </a:rPr>
-              <a:t>Grafana</a:t>
-            </a:r>
-          </a:p>
-          <a:p>
-            <a:pPr rtl="0"/>
-            <a:r>
-              <a:rPr lang="en-US" altLang="zh-CN" sz="1600" noProof="1">
-                <a:solidFill>
-                  <a:schemeClr val="tx2"/>
-                </a:solidFill>
-                <a:latin typeface="Microsoft YaHei UI" panose="020B0604020202020204" pitchFamily="34" charset="0"/>
-                <a:ea typeface="Microsoft YaHei UI"/>
-                <a:cs typeface="Microsoft YaHei UI" panose="020B0604020202020204" pitchFamily="34" charset="0"/>
-              </a:rPr>
-              <a:t>Iostat</a:t>
-            </a:r>
-          </a:p>
-          <a:p>
-            <a:pPr rtl="0"/>
-            <a:r>
-              <a:rPr lang="en-US" altLang="zh-CN" sz="1600" noProof="1">
-                <a:solidFill>
-                  <a:schemeClr val="tx2"/>
-                </a:solidFill>
-                <a:latin typeface="Microsoft YaHei UI" panose="020B0604020202020204" pitchFamily="34" charset="0"/>
-                <a:ea typeface="Microsoft YaHei UI"/>
-                <a:cs typeface="Microsoft YaHei UI" panose="020B0604020202020204" pitchFamily="34" charset="0"/>
-              </a:rPr>
-              <a:t>……</a:t>
-            </a:r>
-            <a:endParaRPr lang="zh-CN" sz="1600" noProof="1">
-              <a:solidFill>
-                <a:schemeClr val="tx2"/>
-              </a:solidFill>
-              <a:latin typeface="Microsoft YaHei UI" panose="020B0604020202020204" pitchFamily="34" charset="0"/>
-              <a:ea typeface="Microsoft YaHei UI"/>
-              <a:cs typeface="Microsoft YaHei UI" panose="020B0604020202020204" pitchFamily="34" charset="0"/>
-            </a:endParaRPr>
-          </a:p>
-          <a:p>
-            <a:pPr rtl="0"/>
-            <a:endParaRPr lang="zh-CN" dirty="0"/>
-          </a:p>
-        </p:txBody>
-      </p:sp>
-    </p:spTree>
-    <p:extLst>
-      <p:ext uri="{BB962C8B-B14F-4D97-AF65-F5344CB8AC3E}">
-        <p14:creationId xmlns:p14="http://schemas.microsoft.com/office/powerpoint/2010/main" val="476614979"/>
-      </p:ext>
-    </p:extLst>
-  </p:cSld>
-  <p:clrMapOvr>
-    <a:masterClrMapping/>
-  </p:clrMapOvr>
-</p:sld>
-</file>
-
-<file path=ppt/slides/slide12.xml><?xml version="1.0" encoding="utf-8"?>
-<p:sld xmlns:a="http://schemas.openxmlformats.org/drawingml/2006/main" xmlns:r="http://schemas.openxmlformats.org/officeDocument/2006/relationships" xmlns:p="http://schemas.openxmlformats.org/presentationml/2006/main">
-  <p:cSld>
-    <p:spTree>
-      <p:nvGrpSpPr>
-        <p:cNvPr id="1" name=""/>
-        <p:cNvGrpSpPr/>
-        <p:nvPr/>
-      </p:nvGrpSpPr>
-      <p:grpSpPr>
-        <a:xfrm>
-          <a:off x="0" y="0"/>
-          <a:ext cx="0" cy="0"/>
-          <a:chOff x="0" y="0"/>
-          <a:chExt cx="0" cy="0"/>
-        </a:xfrm>
-      </p:grpSpPr>
-      <p:sp>
-        <p:nvSpPr>
-          <p:cNvPr id="2" name="标题 1">
-            <a:extLst>
-              <a:ext uri="{FF2B5EF4-FFF2-40B4-BE49-F238E27FC236}">
-                <a16:creationId xmlns:a16="http://schemas.microsoft.com/office/drawing/2014/main" id="{A0A65C01-2837-2D71-254F-BAEEC669F389}"/>
-              </a:ext>
-            </a:extLst>
-          </p:cNvPr>
-          <p:cNvSpPr>
-            <a:spLocks noGrp="1"/>
-          </p:cNvSpPr>
-          <p:nvPr>
-            <p:ph type="title"/>
-          </p:nvPr>
-        </p:nvSpPr>
-        <p:spPr/>
-        <p:txBody>
-          <a:bodyPr rtlCol="0"/>
-          <a:lstStyle>
-            <a:defPPr>
-              <a:defRPr lang="zh-CN"/>
-            </a:defPPr>
-          </a:lstStyle>
-          <a:p>
-            <a:pPr rtl="0"/>
-            <a:r>
-              <a:rPr lang="zh-CN" altLang="en-US" dirty="0"/>
-              <a:t>技术依据</a:t>
-            </a:r>
-            <a:endParaRPr lang="zh-CN" dirty="0"/>
-          </a:p>
-        </p:txBody>
-      </p:sp>
-      <p:sp>
-        <p:nvSpPr>
-          <p:cNvPr id="13" name="灯片编号占位符 12">
-            <a:extLst>
-              <a:ext uri="{FF2B5EF4-FFF2-40B4-BE49-F238E27FC236}">
-                <a16:creationId xmlns:a16="http://schemas.microsoft.com/office/drawing/2014/main" id="{A783BE29-9226-E728-BAD0-B02DEADFB9C6}"/>
-              </a:ext>
-            </a:extLst>
-          </p:cNvPr>
-          <p:cNvSpPr>
-            <a:spLocks noGrp="1"/>
-          </p:cNvSpPr>
-          <p:nvPr>
-            <p:ph type="sldNum" sz="quarter" idx="12"/>
-          </p:nvPr>
-        </p:nvSpPr>
-        <p:spPr/>
-        <p:txBody>
-          <a:bodyPr rtlCol="0"/>
-          <a:lstStyle>
-            <a:defPPr>
-              <a:defRPr lang="zh-CN"/>
-            </a:defPPr>
-          </a:lstStyle>
-          <a:p>
-            <a:pPr rtl="0"/>
-            <a:fld id="{5BFCF61C-3B18-4C03-8326-CC3B32D710C9}" type="slidenum">
-              <a:rPr lang="en-US" altLang="zh-CN" smtClean="0"/>
-              <a:pPr rtl="0"/>
-              <a:t>12</a:t>
-            </a:fld>
-            <a:endParaRPr lang="zh-CN"/>
-          </a:p>
-        </p:txBody>
-      </p:sp>
-      <p:sp>
-        <p:nvSpPr>
-          <p:cNvPr id="3" name="文本占位符 2">
-            <a:extLst>
-              <a:ext uri="{FF2B5EF4-FFF2-40B4-BE49-F238E27FC236}">
-                <a16:creationId xmlns:a16="http://schemas.microsoft.com/office/drawing/2014/main" id="{3C23C4BE-E1DD-7EED-DB71-4D5F3B63E693}"/>
-              </a:ext>
-            </a:extLst>
-          </p:cNvPr>
-          <p:cNvSpPr>
-            <a:spLocks noGrp="1"/>
-          </p:cNvSpPr>
-          <p:nvPr>
-            <p:ph type="body" sz="quarter" idx="13"/>
-          </p:nvPr>
-        </p:nvSpPr>
-        <p:spPr>
-          <a:xfrm>
-            <a:off x="649224" y="2726531"/>
-            <a:ext cx="4828032" cy="490538"/>
-          </a:xfrm>
-        </p:spPr>
-        <p:txBody>
-          <a:bodyPr rtlCol="0"/>
-          <a:lstStyle>
-            <a:defPPr>
-              <a:defRPr lang="zh-CN"/>
-            </a:defPPr>
-          </a:lstStyle>
-          <a:p>
-            <a:pPr rtl="0"/>
-            <a:r>
-              <a:rPr lang="en-US" altLang="zh-CN" dirty="0"/>
-              <a:t>DMA</a:t>
-            </a:r>
-            <a:endParaRPr lang="zh-CN" dirty="0"/>
-          </a:p>
-        </p:txBody>
-      </p:sp>
-      <p:sp>
-        <p:nvSpPr>
-          <p:cNvPr id="5" name="文本占位符 4">
-            <a:extLst>
-              <a:ext uri="{FF2B5EF4-FFF2-40B4-BE49-F238E27FC236}">
-                <a16:creationId xmlns:a16="http://schemas.microsoft.com/office/drawing/2014/main" id="{43DF41ED-5729-1B31-0C04-21385523D7E1}"/>
-              </a:ext>
-            </a:extLst>
-          </p:cNvPr>
-          <p:cNvSpPr>
-            <a:spLocks noGrp="1"/>
-          </p:cNvSpPr>
-          <p:nvPr>
-            <p:ph type="body" sz="quarter" idx="15"/>
-          </p:nvPr>
-        </p:nvSpPr>
-        <p:spPr>
-          <a:xfrm>
-            <a:off x="365760" y="3212168"/>
-            <a:ext cx="5111496" cy="3744299"/>
-          </a:xfrm>
-        </p:spPr>
-        <p:txBody>
-          <a:bodyPr rtlCol="0"/>
-          <a:lstStyle>
-            <a:defPPr>
-              <a:defRPr lang="zh-CN"/>
-            </a:defPPr>
-          </a:lstStyle>
-          <a:p>
-            <a:pPr rtl="0"/>
-            <a:r>
-              <a:rPr lang="zh-CN" altLang="en-US" dirty="0"/>
-              <a:t>将数据直接从磁盘读到内核空间页缓冲中，或者将数据从内核空间页缓冲直接写回到磁盘上，但是不能直接在用户地址空间和磁盘之间进行数据传输。</a:t>
-            </a:r>
-            <a:endParaRPr lang="en-US" altLang="zh-CN" dirty="0"/>
-          </a:p>
-          <a:p>
-            <a:pPr rtl="0"/>
-            <a:r>
-              <a:rPr lang="zh-CN" altLang="en-US" dirty="0"/>
-              <a:t>数据在传输过程中需要在应用程序地址空间（用户空间）和内核缓冲（内核空间）之间进行多次数据拷贝操作。</a:t>
-            </a:r>
-            <a:endParaRPr lang="zh-CN" dirty="0"/>
-          </a:p>
-        </p:txBody>
-      </p:sp>
-      <p:sp>
-        <p:nvSpPr>
-          <p:cNvPr id="6" name="文本占位符 5">
-            <a:extLst>
-              <a:ext uri="{FF2B5EF4-FFF2-40B4-BE49-F238E27FC236}">
-                <a16:creationId xmlns:a16="http://schemas.microsoft.com/office/drawing/2014/main" id="{D180BD75-0796-C71E-07C4-224B63C0CEEF}"/>
-              </a:ext>
-            </a:extLst>
-          </p:cNvPr>
-          <p:cNvSpPr>
-            <a:spLocks noGrp="1"/>
-          </p:cNvSpPr>
-          <p:nvPr>
-            <p:ph type="body" sz="quarter" idx="16"/>
-          </p:nvPr>
-        </p:nvSpPr>
-        <p:spPr>
-          <a:xfrm>
-            <a:off x="5847588" y="3162290"/>
-            <a:ext cx="5271516" cy="2781310"/>
-          </a:xfrm>
-        </p:spPr>
-        <p:txBody>
-          <a:bodyPr rtlCol="0"/>
-          <a:lstStyle>
-            <a:defPPr>
-              <a:defRPr lang="zh-CN"/>
-            </a:defPPr>
-          </a:lstStyle>
-          <a:p>
-            <a:pPr rtl="0"/>
-            <a:r>
-              <a:rPr lang="en-US" altLang="zh-CN" dirty="0" err="1"/>
-              <a:t>eBPF</a:t>
-            </a:r>
-            <a:r>
-              <a:rPr lang="en-US" altLang="zh-CN" dirty="0"/>
-              <a:t> </a:t>
-            </a:r>
-            <a:r>
-              <a:rPr lang="zh-CN" altLang="en-US" dirty="0"/>
-              <a:t>和 </a:t>
-            </a:r>
-            <a:r>
-              <a:rPr lang="en-US" altLang="zh-CN" dirty="0"/>
-              <a:t>XDP </a:t>
-            </a:r>
-            <a:r>
-              <a:rPr lang="zh-CN" altLang="en-US" dirty="0"/>
-              <a:t>是基于 </a:t>
-            </a:r>
-            <a:r>
-              <a:rPr lang="en-US" altLang="zh-CN" dirty="0" err="1"/>
-              <a:t>eBPF</a:t>
-            </a:r>
-            <a:r>
-              <a:rPr lang="en-US" altLang="zh-CN" dirty="0"/>
-              <a:t> </a:t>
-            </a:r>
-            <a:r>
-              <a:rPr lang="zh-CN" altLang="en-US" dirty="0"/>
-              <a:t>实现的高性能、可编程的数据平面技术。</a:t>
-            </a:r>
-            <a:r>
-              <a:rPr lang="en-US" altLang="zh-CN" dirty="0"/>
-              <a:t>XDP </a:t>
-            </a:r>
-            <a:r>
-              <a:rPr lang="zh-CN" altLang="en-US" dirty="0"/>
-              <a:t>位于网卡驱动层，当数据包经过 </a:t>
-            </a:r>
-            <a:r>
-              <a:rPr lang="en-US" altLang="zh-CN" dirty="0"/>
-              <a:t>DMA </a:t>
-            </a:r>
-            <a:r>
-              <a:rPr lang="zh-CN" altLang="en-US" dirty="0"/>
-              <a:t>存放到 </a:t>
-            </a:r>
-            <a:r>
-              <a:rPr lang="en-US" altLang="zh-CN" dirty="0"/>
-              <a:t>ring buffer </a:t>
-            </a:r>
-            <a:r>
-              <a:rPr lang="zh-CN" altLang="en-US" dirty="0"/>
-              <a:t>之后，分配 </a:t>
-            </a:r>
-            <a:r>
-              <a:rPr lang="en-US" altLang="zh-CN" dirty="0" err="1"/>
-              <a:t>skb</a:t>
-            </a:r>
-            <a:r>
-              <a:rPr lang="en-US" altLang="zh-CN" dirty="0"/>
-              <a:t> </a:t>
-            </a:r>
-            <a:r>
-              <a:rPr lang="zh-CN" altLang="en-US" dirty="0"/>
-              <a:t>之前，即可被 </a:t>
-            </a:r>
-            <a:r>
-              <a:rPr lang="en-US" altLang="zh-CN" dirty="0"/>
-              <a:t>XDP </a:t>
-            </a:r>
-            <a:r>
-              <a:rPr lang="zh-CN" altLang="en-US" dirty="0"/>
-              <a:t>处理。这样，可以通过使用 </a:t>
-            </a:r>
-            <a:r>
-              <a:rPr lang="en-US" altLang="zh-CN" dirty="0" err="1"/>
-              <a:t>eBPF</a:t>
-            </a:r>
-            <a:r>
-              <a:rPr lang="en-US" altLang="zh-CN" dirty="0"/>
-              <a:t> </a:t>
-            </a:r>
-            <a:r>
-              <a:rPr lang="zh-CN" altLang="en-US" dirty="0"/>
-              <a:t>和 </a:t>
-            </a:r>
-            <a:r>
-              <a:rPr lang="en-US" altLang="zh-CN" dirty="0"/>
-              <a:t>XDP </a:t>
-            </a:r>
-            <a:r>
-              <a:rPr lang="zh-CN" altLang="en-US" dirty="0"/>
-              <a:t>来减少数据拷贝次数，并直接将 </a:t>
-            </a:r>
-            <a:r>
-              <a:rPr lang="en-US" altLang="zh-CN" dirty="0"/>
-              <a:t>DMA </a:t>
-            </a:r>
-            <a:r>
-              <a:rPr lang="zh-CN" altLang="en-US" dirty="0"/>
-              <a:t>读取到内核空间页缓冲中的数据通过 </a:t>
-            </a:r>
-            <a:r>
-              <a:rPr lang="en-US" altLang="zh-CN" dirty="0" err="1"/>
-              <a:t>xdp</a:t>
-            </a:r>
-            <a:r>
-              <a:rPr lang="en-US" altLang="zh-CN" dirty="0"/>
-              <a:t> </a:t>
-            </a:r>
-            <a:r>
-              <a:rPr lang="zh-CN" altLang="en-US" dirty="0"/>
-              <a:t>进行网络数据传输来提高数据传输效率</a:t>
-            </a:r>
-            <a:endParaRPr lang="zh-CN" dirty="0"/>
-          </a:p>
-        </p:txBody>
-      </p:sp>
-      <p:sp>
-        <p:nvSpPr>
-          <p:cNvPr id="8" name="文本占位符 7">
-            <a:extLst>
-              <a:ext uri="{FF2B5EF4-FFF2-40B4-BE49-F238E27FC236}">
-                <a16:creationId xmlns:a16="http://schemas.microsoft.com/office/drawing/2014/main" id="{445DAFB0-F33E-416D-B08B-31C9AF50A42B}"/>
-              </a:ext>
-            </a:extLst>
-          </p:cNvPr>
-          <p:cNvSpPr>
-            <a:spLocks noGrp="1"/>
-          </p:cNvSpPr>
-          <p:nvPr>
-            <p:ph type="body" sz="quarter" idx="14"/>
-          </p:nvPr>
-        </p:nvSpPr>
-        <p:spPr>
-          <a:xfrm>
-            <a:off x="6131052" y="2726531"/>
-            <a:ext cx="4828032" cy="490538"/>
-          </a:xfrm>
-        </p:spPr>
-        <p:txBody>
-          <a:bodyPr/>
-          <a:lstStyle/>
-          <a:p>
-            <a:r>
-              <a:rPr lang="en-US" altLang="zh-CN" dirty="0"/>
-              <a:t>XDP</a:t>
-            </a:r>
-            <a:endParaRPr lang="zh-CN" altLang="en-US" dirty="0"/>
-          </a:p>
-        </p:txBody>
-      </p:sp>
-    </p:spTree>
-    <p:extLst>
-      <p:ext uri="{BB962C8B-B14F-4D97-AF65-F5344CB8AC3E}">
-        <p14:creationId xmlns:p14="http://schemas.microsoft.com/office/powerpoint/2010/main" val="3274647172"/>
-      </p:ext>
-    </p:extLst>
-  </p:cSld>
-  <p:clrMapOvr>
-    <a:masterClrMapping/>
-  </p:clrMapOvr>
-</p:sld>
-</file>
-
 <file path=ppt/slides/slide13.xml><?xml version="1.0" encoding="utf-8"?>
 <p:sld xmlns:a="http://schemas.openxmlformats.org/drawingml/2006/main" xmlns:r="http://schemas.openxmlformats.org/officeDocument/2006/relationships" xmlns:p="http://schemas.openxmlformats.org/presentationml/2006/main">
   <p:cSld>
@@ -12972,10 +12612,10 @@
       </p:grpSpPr>
       <p:sp>
         <p:nvSpPr>
-          <p:cNvPr id="2" name="灯片编号占位符 1">
-            <a:extLst>
-              <a:ext uri="{FF2B5EF4-FFF2-40B4-BE49-F238E27FC236}">
-                <a16:creationId xmlns:a16="http://schemas.microsoft.com/office/drawing/2014/main" id="{6E354072-709A-4E85-87A3-B92FCE09B9C6}"/>
+          <p:cNvPr id="4" name="标题 3">
+            <a:extLst>
+              <a:ext uri="{FF2B5EF4-FFF2-40B4-BE49-F238E27FC236}">
+                <a16:creationId xmlns:a16="http://schemas.microsoft.com/office/drawing/2014/main" id="{62C85805-79DB-07ED-6BDE-11B8962D463A}"/>
               </a:ext>
             </a:extLst>
           </p:cNvPr>
@@ -12983,30 +12623,89 @@
             <a:spLocks noGrp="1"/>
           </p:cNvSpPr>
           <p:nvPr>
+            <p:ph type="title"/>
+          </p:nvPr>
+        </p:nvSpPr>
+        <p:spPr/>
+        <p:txBody>
+          <a:bodyPr rtlCol="0"/>
+          <a:lstStyle>
+            <a:defPPr>
+              <a:defRPr lang="zh-CN"/>
+            </a:defPPr>
+          </a:lstStyle>
+          <a:p>
+            <a:pPr rtl="0"/>
+            <a:r>
+              <a:rPr lang="en-US" altLang="zh-CN" dirty="0">
+                <a:latin typeface="Microsoft YaHei UI" panose="020B0604020202020204" pitchFamily="34" charset="0"/>
+                <a:ea typeface="Microsoft YaHei UI"/>
+                <a:cs typeface="Microsoft YaHei UI" panose="020B0604020202020204" pitchFamily="34" charset="0"/>
+              </a:rPr>
+              <a:t>How</a:t>
+            </a:r>
+            <a:r>
+              <a:rPr lang="zh-CN" altLang="en-US" dirty="0">
+                <a:latin typeface="Microsoft YaHei UI" panose="020B0604020202020204" pitchFamily="34" charset="0"/>
+                <a:ea typeface="Microsoft YaHei UI"/>
+                <a:cs typeface="Microsoft YaHei UI" panose="020B0604020202020204" pitchFamily="34" charset="0"/>
+              </a:rPr>
+              <a:t>？</a:t>
+            </a:r>
+            <a:br>
+              <a:rPr lang="zh-CN" sz="5000" dirty="0">
+                <a:solidFill>
+                  <a:schemeClr val="tx2"/>
+                </a:solidFill>
+                <a:latin typeface="Microsoft YaHei UI" panose="020B0604020202020204" pitchFamily="34" charset="0"/>
+                <a:ea typeface="Microsoft YaHei UI"/>
+                <a:cs typeface="Microsoft YaHei UI" panose="020B0604020202020204" pitchFamily="34" charset="0"/>
+              </a:rPr>
+            </a:br>
+            <a:endParaRPr lang="zh-CN" dirty="0"/>
+          </a:p>
+        </p:txBody>
+      </p:sp>
+      <p:sp>
+        <p:nvSpPr>
+          <p:cNvPr id="3" name="灯片编号占位符 2">
+            <a:extLst>
+              <a:ext uri="{FF2B5EF4-FFF2-40B4-BE49-F238E27FC236}">
+                <a16:creationId xmlns:a16="http://schemas.microsoft.com/office/drawing/2014/main" id="{583E68DE-3756-7E72-3F5A-34338BB312B3}"/>
+              </a:ext>
+            </a:extLst>
+          </p:cNvPr>
+          <p:cNvSpPr>
+            <a:spLocks noGrp="1"/>
+          </p:cNvSpPr>
+          <p:nvPr>
             <p:ph type="sldNum" sz="quarter" idx="12"/>
           </p:nvPr>
         </p:nvSpPr>
         <p:spPr/>
         <p:txBody>
-          <a:bodyPr/>
-          <a:lstStyle/>
+          <a:bodyPr rtlCol="0"/>
+          <a:lstStyle>
+            <a:defPPr>
+              <a:defRPr lang="zh-CN"/>
+            </a:defPPr>
+          </a:lstStyle>
           <a:p>
             <a:pPr rtl="0"/>
             <a:fld id="{5BFCF61C-3B18-4C03-8326-CC3B32D710C9}" type="slidenum">
-              <a:rPr lang="en-US" altLang="zh-CN" noProof="0" smtClean="0"/>
-              <a:pPr rtl="0"/>
+              <a:rPr lang="en-US" altLang="zh-CN" smtClean="0"/>
               <a:t>13</a:t>
             </a:fld>
-            <a:endParaRPr lang="zh-CN" noProof="0"/>
-          </a:p>
-        </p:txBody>
-      </p:sp>
-      <p:sp>
-        <p:nvSpPr>
-          <p:cNvPr id="3" name="标题 2">
-            <a:extLst>
-              <a:ext uri="{FF2B5EF4-FFF2-40B4-BE49-F238E27FC236}">
-                <a16:creationId xmlns:a16="http://schemas.microsoft.com/office/drawing/2014/main" id="{EE91B452-EFC3-4B04-9056-B1AE8649782F}"/>
+            <a:endParaRPr lang="zh-CN" dirty="0"/>
+          </a:p>
+        </p:txBody>
+      </p:sp>
+      <p:sp>
+        <p:nvSpPr>
+          <p:cNvPr id="5" name="文本占位符 4">
+            <a:extLst>
+              <a:ext uri="{FF2B5EF4-FFF2-40B4-BE49-F238E27FC236}">
+                <a16:creationId xmlns:a16="http://schemas.microsoft.com/office/drawing/2014/main" id="{6D4C7CBA-BE77-048A-DED3-BCCB5936C564}"/>
               </a:ext>
             </a:extLst>
           </p:cNvPr>
@@ -13014,92 +12713,288 @@
             <a:spLocks noGrp="1"/>
           </p:cNvSpPr>
           <p:nvPr>
-            <p:ph type="title"/>
+            <p:ph type="body" sz="quarter" idx="13"/>
+          </p:nvPr>
+        </p:nvSpPr>
+        <p:spPr>
+          <a:xfrm>
+            <a:off x="649224" y="2980944"/>
+            <a:ext cx="3206339" cy="1106424"/>
+          </a:xfrm>
+        </p:spPr>
+        <p:txBody>
+          <a:bodyPr rtlCol="0"/>
+          <a:lstStyle>
+            <a:defPPr>
+              <a:defRPr lang="zh-CN"/>
+            </a:defPPr>
+          </a:lstStyle>
+          <a:p>
+            <a:pPr rtl="0"/>
+            <a:r>
+              <a:rPr lang="en-US" altLang="zh-CN" sz="2200" b="1" dirty="0">
+                <a:solidFill>
+                  <a:schemeClr val="tx2"/>
+                </a:solidFill>
+                <a:latin typeface="Microsoft YaHei UI" panose="020B0604020202020204" pitchFamily="34" charset="0"/>
+                <a:ea typeface="Microsoft YaHei UI"/>
+                <a:cs typeface="Microsoft YaHei UI" panose="020B0604020202020204" pitchFamily="34" charset="0"/>
+              </a:rPr>
+              <a:t>DFS</a:t>
+            </a:r>
+            <a:r>
+              <a:rPr lang="zh-CN" altLang="en-US" sz="2200" b="1" dirty="0">
+                <a:solidFill>
+                  <a:schemeClr val="tx2"/>
+                </a:solidFill>
+                <a:latin typeface="Microsoft YaHei UI" panose="020B0604020202020204" pitchFamily="34" charset="0"/>
+                <a:ea typeface="Microsoft YaHei UI"/>
+                <a:cs typeface="Microsoft YaHei UI" panose="020B0604020202020204" pitchFamily="34" charset="0"/>
+              </a:rPr>
+              <a:t>的部署</a:t>
+            </a:r>
+            <a:endParaRPr lang="zh-CN" sz="2200" b="1" dirty="0">
+              <a:solidFill>
+                <a:schemeClr val="tx2"/>
+              </a:solidFill>
+              <a:latin typeface="Microsoft YaHei UI" panose="020B0604020202020204" pitchFamily="34" charset="0"/>
+              <a:ea typeface="Microsoft YaHei UI"/>
+              <a:cs typeface="Microsoft YaHei UI" panose="020B0604020202020204" pitchFamily="34" charset="0"/>
+            </a:endParaRPr>
+          </a:p>
+          <a:p>
+            <a:pPr rtl="0"/>
+            <a:endParaRPr lang="zh-CN" dirty="0"/>
+          </a:p>
+        </p:txBody>
+      </p:sp>
+      <p:sp>
+        <p:nvSpPr>
+          <p:cNvPr id="7" name="文本占位符 6">
+            <a:extLst>
+              <a:ext uri="{FF2B5EF4-FFF2-40B4-BE49-F238E27FC236}">
+                <a16:creationId xmlns:a16="http://schemas.microsoft.com/office/drawing/2014/main" id="{2749D3A3-A012-454F-EFFD-30D72C9C8AE7}"/>
+              </a:ext>
+            </a:extLst>
+          </p:cNvPr>
+          <p:cNvSpPr>
+            <a:spLocks noGrp="1"/>
+          </p:cNvSpPr>
+          <p:nvPr>
+            <p:ph type="body" sz="quarter" idx="15"/>
+          </p:nvPr>
+        </p:nvSpPr>
+        <p:spPr>
+          <a:xfrm>
+            <a:off x="222628" y="3534154"/>
+            <a:ext cx="3282696" cy="1970905"/>
+          </a:xfrm>
+        </p:spPr>
+        <p:txBody>
+          <a:bodyPr rtlCol="0"/>
+          <a:lstStyle>
+            <a:defPPr>
+              <a:defRPr lang="zh-CN"/>
+            </a:defPPr>
+          </a:lstStyle>
+          <a:p>
+            <a:pPr marL="342900" indent="-342900" rtl="0">
+              <a:lnSpc>
+                <a:spcPct val="150000"/>
+              </a:lnSpc>
+              <a:buFont typeface="Arial" panose="020B0604020202020204" pitchFamily="34" charset="0"/>
+              <a:buChar char="•"/>
+            </a:pPr>
+            <a:r>
+              <a:rPr lang="zh-CN" altLang="en-US" dirty="0">
+                <a:latin typeface="Microsoft YaHei UI" panose="020B0604020202020204" pitchFamily="34" charset="0"/>
+                <a:ea typeface="Microsoft YaHei UI"/>
+                <a:cs typeface="Microsoft YaHei UI" panose="020B0604020202020204" pitchFamily="34" charset="0"/>
+              </a:rPr>
+              <a:t>初步部署开源社区版</a:t>
+            </a:r>
+            <a:r>
+              <a:rPr lang="en-US" altLang="zh-CN" dirty="0" err="1">
+                <a:latin typeface="Microsoft YaHei UI" panose="020B0604020202020204" pitchFamily="34" charset="0"/>
+                <a:ea typeface="Microsoft YaHei UI"/>
+                <a:cs typeface="Microsoft YaHei UI" panose="020B0604020202020204" pitchFamily="34" charset="0"/>
+              </a:rPr>
+              <a:t>JuiceFS</a:t>
+            </a:r>
+            <a:endParaRPr lang="en-US" altLang="zh-CN" dirty="0">
+              <a:latin typeface="Microsoft YaHei UI" panose="020B0604020202020204" pitchFamily="34" charset="0"/>
+              <a:ea typeface="Microsoft YaHei UI"/>
+              <a:cs typeface="Microsoft YaHei UI" panose="020B0604020202020204" pitchFamily="34" charset="0"/>
+            </a:endParaRPr>
+          </a:p>
+          <a:p>
+            <a:pPr marL="342900" indent="-342900" rtl="0">
+              <a:lnSpc>
+                <a:spcPct val="150000"/>
+              </a:lnSpc>
+              <a:buFont typeface="Arial" panose="020B0604020202020204" pitchFamily="34" charset="0"/>
+              <a:buChar char="•"/>
+            </a:pPr>
+            <a:r>
+              <a:rPr lang="zh-CN" altLang="en-US" dirty="0">
+                <a:latin typeface="Microsoft YaHei UI" panose="020B0604020202020204" pitchFamily="34" charset="0"/>
+                <a:ea typeface="Microsoft YaHei UI"/>
+                <a:cs typeface="Microsoft YaHei UI" panose="020B0604020202020204" pitchFamily="34" charset="0"/>
+              </a:rPr>
+              <a:t>实现单机的性能优化</a:t>
+            </a:r>
+            <a:endParaRPr lang="en-US" altLang="zh-CN" dirty="0">
+              <a:latin typeface="Microsoft YaHei UI" panose="020B0604020202020204" pitchFamily="34" charset="0"/>
+              <a:ea typeface="Microsoft YaHei UI"/>
+              <a:cs typeface="Microsoft YaHei UI" panose="020B0604020202020204" pitchFamily="34" charset="0"/>
+            </a:endParaRPr>
+          </a:p>
+          <a:p>
+            <a:pPr marL="342900" indent="-342900" rtl="0">
+              <a:lnSpc>
+                <a:spcPct val="150000"/>
+              </a:lnSpc>
+              <a:buFont typeface="Arial" panose="020B0604020202020204" pitchFamily="34" charset="0"/>
+              <a:buChar char="•"/>
+            </a:pPr>
+            <a:r>
+              <a:rPr lang="zh-CN" altLang="en-US" sz="1600" dirty="0">
+                <a:solidFill>
+                  <a:schemeClr val="tx2"/>
+                </a:solidFill>
+                <a:latin typeface="Microsoft YaHei UI" panose="020B0604020202020204" pitchFamily="34" charset="0"/>
+                <a:ea typeface="Microsoft YaHei UI"/>
+                <a:cs typeface="Microsoft YaHei UI" panose="020B0604020202020204" pitchFamily="34" charset="0"/>
+              </a:rPr>
+              <a:t>实现集群的</a:t>
+            </a:r>
+            <a:r>
+              <a:rPr lang="en-US" altLang="zh-CN" sz="1600" dirty="0">
+                <a:solidFill>
+                  <a:schemeClr val="tx2"/>
+                </a:solidFill>
+                <a:latin typeface="Microsoft YaHei UI" panose="020B0604020202020204" pitchFamily="34" charset="0"/>
+                <a:ea typeface="Microsoft YaHei UI"/>
+                <a:cs typeface="Microsoft YaHei UI" panose="020B0604020202020204" pitchFamily="34" charset="0"/>
+              </a:rPr>
+              <a:t>IO</a:t>
+            </a:r>
+            <a:r>
+              <a:rPr lang="zh-CN" altLang="en-US" sz="1600" dirty="0">
+                <a:solidFill>
+                  <a:schemeClr val="tx2"/>
+                </a:solidFill>
+                <a:latin typeface="Microsoft YaHei UI" panose="020B0604020202020204" pitchFamily="34" charset="0"/>
+                <a:ea typeface="Microsoft YaHei UI"/>
+                <a:cs typeface="Microsoft YaHei UI" panose="020B0604020202020204" pitchFamily="34" charset="0"/>
+              </a:rPr>
+              <a:t>性能优化</a:t>
+            </a:r>
+            <a:endParaRPr lang="en-US" altLang="zh-CN" sz="1600" dirty="0">
+              <a:solidFill>
+                <a:schemeClr val="tx2"/>
+              </a:solidFill>
+              <a:latin typeface="Microsoft YaHei UI" panose="020B0604020202020204" pitchFamily="34" charset="0"/>
+              <a:ea typeface="Microsoft YaHei UI"/>
+              <a:cs typeface="Microsoft YaHei UI" panose="020B0604020202020204" pitchFamily="34" charset="0"/>
+            </a:endParaRPr>
+          </a:p>
+          <a:p>
+            <a:pPr marL="342900" indent="-342900" rtl="0">
+              <a:lnSpc>
+                <a:spcPct val="150000"/>
+              </a:lnSpc>
+              <a:buFont typeface="Arial" panose="020B0604020202020204" pitchFamily="34" charset="0"/>
+              <a:buChar char="•"/>
+            </a:pPr>
+            <a:r>
+              <a:rPr lang="zh-CN" altLang="en-US" sz="1600" dirty="0">
+                <a:solidFill>
+                  <a:schemeClr val="tx2"/>
+                </a:solidFill>
+                <a:latin typeface="Microsoft YaHei UI" panose="020B0604020202020204" pitchFamily="34" charset="0"/>
+                <a:ea typeface="Microsoft YaHei UI"/>
+                <a:cs typeface="Microsoft YaHei UI" panose="020B0604020202020204" pitchFamily="34" charset="0"/>
+              </a:rPr>
+              <a:t>实现在</a:t>
+            </a:r>
+            <a:r>
+              <a:rPr lang="en-US" altLang="zh-CN" sz="1600" dirty="0" err="1">
+                <a:solidFill>
+                  <a:schemeClr val="tx2"/>
+                </a:solidFill>
+                <a:latin typeface="Microsoft YaHei UI" panose="020B0604020202020204" pitchFamily="34" charset="0"/>
+                <a:ea typeface="Microsoft YaHei UI"/>
+                <a:cs typeface="Microsoft YaHei UI" panose="020B0604020202020204" pitchFamily="34" charset="0"/>
+              </a:rPr>
+              <a:t>DisGraFS</a:t>
+            </a:r>
+            <a:r>
+              <a:rPr lang="zh-CN" altLang="en-US" sz="1600" dirty="0">
+                <a:solidFill>
+                  <a:schemeClr val="tx2"/>
+                </a:solidFill>
+                <a:latin typeface="Microsoft YaHei UI" panose="020B0604020202020204" pitchFamily="34" charset="0"/>
+                <a:ea typeface="Microsoft YaHei UI"/>
+                <a:cs typeface="Microsoft YaHei UI" panose="020B0604020202020204" pitchFamily="34" charset="0"/>
+              </a:rPr>
+              <a:t>上的适配</a:t>
+            </a:r>
+            <a:endParaRPr lang="zh-CN" sz="1600" dirty="0">
+              <a:solidFill>
+                <a:schemeClr val="tx2"/>
+              </a:solidFill>
+              <a:latin typeface="Microsoft YaHei UI" panose="020B0604020202020204" pitchFamily="34" charset="0"/>
+              <a:ea typeface="Microsoft YaHei UI"/>
+              <a:cs typeface="Microsoft YaHei UI" panose="020B0604020202020204" pitchFamily="34" charset="0"/>
+            </a:endParaRPr>
+          </a:p>
+        </p:txBody>
+      </p:sp>
+      <p:sp>
+        <p:nvSpPr>
+          <p:cNvPr id="6" name="文本占位符 5">
+            <a:extLst>
+              <a:ext uri="{FF2B5EF4-FFF2-40B4-BE49-F238E27FC236}">
+                <a16:creationId xmlns:a16="http://schemas.microsoft.com/office/drawing/2014/main" id="{19E02B69-8EDA-C137-FEEF-12D4F89D01CD}"/>
+              </a:ext>
+            </a:extLst>
+          </p:cNvPr>
+          <p:cNvSpPr>
+            <a:spLocks noGrp="1"/>
+          </p:cNvSpPr>
+          <p:nvPr>
+            <p:ph type="body" sz="quarter" idx="14"/>
           </p:nvPr>
         </p:nvSpPr>
         <p:spPr/>
         <p:txBody>
-          <a:bodyPr/>
-          <a:lstStyle/>
-          <a:p>
-            <a:r>
-              <a:rPr lang="zh-CN" altLang="en-US" dirty="0"/>
-              <a:t>实现思路</a:t>
-            </a:r>
-          </a:p>
-        </p:txBody>
-      </p:sp>
-      <p:sp>
-        <p:nvSpPr>
-          <p:cNvPr id="4" name="文本占位符 3">
-            <a:extLst>
-              <a:ext uri="{FF2B5EF4-FFF2-40B4-BE49-F238E27FC236}">
-                <a16:creationId xmlns:a16="http://schemas.microsoft.com/office/drawing/2014/main" id="{7C66DED1-6BD8-4B86-AA66-089DD4F73FC6}"/>
-              </a:ext>
-            </a:extLst>
-          </p:cNvPr>
-          <p:cNvSpPr>
-            <a:spLocks noGrp="1"/>
-          </p:cNvSpPr>
-          <p:nvPr>
-            <p:ph type="body" sz="quarter" idx="13"/>
-          </p:nvPr>
-        </p:nvSpPr>
-        <p:spPr/>
-        <p:txBody>
-          <a:bodyPr/>
-          <a:lstStyle/>
-          <a:p>
-            <a:r>
-              <a:rPr lang="zh-CN" altLang="en-US" dirty="0"/>
-              <a:t>传统</a:t>
-            </a:r>
-            <a:r>
-              <a:rPr lang="en-US" altLang="zh-CN" dirty="0"/>
-              <a:t>DFS</a:t>
-            </a:r>
-            <a:endParaRPr lang="zh-CN" altLang="en-US" dirty="0"/>
-          </a:p>
-        </p:txBody>
-      </p:sp>
-      <p:sp>
-        <p:nvSpPr>
-          <p:cNvPr id="5" name="文本占位符 4">
-            <a:extLst>
-              <a:ext uri="{FF2B5EF4-FFF2-40B4-BE49-F238E27FC236}">
-                <a16:creationId xmlns:a16="http://schemas.microsoft.com/office/drawing/2014/main" id="{B104D4A0-33CA-470E-858C-94CB91A435A0}"/>
-              </a:ext>
-            </a:extLst>
-          </p:cNvPr>
-          <p:cNvSpPr>
-            <a:spLocks noGrp="1"/>
-          </p:cNvSpPr>
-          <p:nvPr>
-            <p:ph type="body" sz="quarter" idx="14"/>
-          </p:nvPr>
-        </p:nvSpPr>
-        <p:spPr/>
-        <p:txBody>
-          <a:bodyPr/>
-          <a:lstStyle/>
-          <a:p>
+          <a:bodyPr rtlCol="0"/>
+          <a:lstStyle>
+            <a:defPPr>
+              <a:defRPr lang="zh-CN"/>
+            </a:defPPr>
+          </a:lstStyle>
+          <a:p>
+            <a:pPr rtl="0"/>
             <a:r>
               <a:rPr lang="en-US" altLang="zh-CN" dirty="0" err="1"/>
               <a:t>eBPF</a:t>
             </a:r>
             <a:r>
               <a:rPr lang="zh-CN" altLang="en-US" dirty="0"/>
-              <a:t>程序进行数据处理</a:t>
-            </a:r>
-          </a:p>
-        </p:txBody>
-      </p:sp>
-      <p:sp>
-        <p:nvSpPr>
-          <p:cNvPr id="6" name="文本占位符 5">
-            <a:extLst>
-              <a:ext uri="{FF2B5EF4-FFF2-40B4-BE49-F238E27FC236}">
-                <a16:creationId xmlns:a16="http://schemas.microsoft.com/office/drawing/2014/main" id="{6D721AFD-D184-4EB2-8E8E-E29FD9849277}"/>
+              <a:t>程序的编写与装载</a:t>
+            </a:r>
+            <a:endParaRPr lang="zh-CN" dirty="0"/>
+          </a:p>
+        </p:txBody>
+      </p:sp>
+      <p:sp>
+        <p:nvSpPr>
+          <p:cNvPr id="8" name="文本占位符 7">
+            <a:extLst>
+              <a:ext uri="{FF2B5EF4-FFF2-40B4-BE49-F238E27FC236}">
+                <a16:creationId xmlns:a16="http://schemas.microsoft.com/office/drawing/2014/main" id="{D89074EA-C6FF-2A59-04ED-55D899CA3454}"/>
               </a:ext>
             </a:extLst>
           </p:cNvPr>
@@ -13107,56 +13002,132 @@
             <a:spLocks noGrp="1"/>
           </p:cNvSpPr>
           <p:nvPr>
-            <p:ph type="body" sz="quarter" idx="15"/>
+            <p:ph type="body" sz="quarter" idx="16"/>
           </p:nvPr>
         </p:nvSpPr>
         <p:spPr>
           <a:xfrm>
-            <a:off x="365760" y="3471776"/>
-            <a:ext cx="5111496" cy="1418073"/>
+            <a:off x="4005072" y="3557522"/>
+            <a:ext cx="3468748" cy="2098211"/>
           </a:xfrm>
         </p:spPr>
         <p:txBody>
-          <a:bodyPr/>
-          <a:lstStyle/>
-          <a:p>
-            <a:r>
-              <a:rPr lang="zh-CN" altLang="en-US" dirty="0"/>
-              <a:t>传统</a:t>
-            </a:r>
-            <a:r>
-              <a:rPr lang="en-US" altLang="zh-CN" dirty="0"/>
-              <a:t>DFS</a:t>
-            </a:r>
-            <a:r>
-              <a:rPr lang="zh-CN" altLang="en-US" dirty="0"/>
-              <a:t>存储节点通常是通过</a:t>
-            </a:r>
-            <a:r>
-              <a:rPr lang="en-US" altLang="zh-CN" dirty="0"/>
-              <a:t>read</a:t>
-            </a:r>
-            <a:r>
-              <a:rPr lang="zh-CN" altLang="en-US" dirty="0"/>
-              <a:t>读取数据后经过数据处理再通过</a:t>
-            </a:r>
-            <a:r>
-              <a:rPr lang="en-US" altLang="zh-CN" dirty="0"/>
-              <a:t>write</a:t>
-            </a:r>
-            <a:r>
-              <a:rPr lang="zh-CN" altLang="en-US" dirty="0"/>
-              <a:t>发送给客户端，这样会涉及到多次的数据拷贝和上下文切换，可能导致性能瓶颈。</a:t>
-            </a:r>
-          </a:p>
-        </p:txBody>
-      </p:sp>
-      <p:sp>
-        <p:nvSpPr>
-          <p:cNvPr id="7" name="文本占位符 6">
-            <a:extLst>
-              <a:ext uri="{FF2B5EF4-FFF2-40B4-BE49-F238E27FC236}">
-                <a16:creationId xmlns:a16="http://schemas.microsoft.com/office/drawing/2014/main" id="{EAD6E01D-011A-4785-B72A-C0867F69364B}"/>
+          <a:bodyPr rtlCol="0"/>
+          <a:lstStyle>
+            <a:defPPr>
+              <a:defRPr lang="zh-CN"/>
+            </a:defPPr>
+          </a:lstStyle>
+          <a:p>
+            <a:pPr marL="342900" indent="-342900" rtl="0">
+              <a:lnSpc>
+                <a:spcPct val="150000"/>
+              </a:lnSpc>
+              <a:buFont typeface="Arial" panose="020B0604020202020204" pitchFamily="34" charset="0"/>
+              <a:buChar char="•"/>
+            </a:pPr>
+            <a:r>
+              <a:rPr lang="zh-CN" altLang="en-US" dirty="0">
+                <a:latin typeface="Microsoft YaHei UI" panose="020B0604020202020204" pitchFamily="34" charset="0"/>
+                <a:ea typeface="Microsoft YaHei UI"/>
+              </a:rPr>
+              <a:t>为文件系统提供</a:t>
+            </a:r>
+            <a:r>
+              <a:rPr lang="en-US" altLang="zh-CN" dirty="0" err="1">
+                <a:latin typeface="Microsoft YaHei UI" panose="020B0604020202020204" pitchFamily="34" charset="0"/>
+                <a:ea typeface="Microsoft YaHei UI"/>
+              </a:rPr>
+              <a:t>eBPF</a:t>
+            </a:r>
+            <a:r>
+              <a:rPr lang="zh-CN" altLang="en-US" dirty="0">
+                <a:latin typeface="Microsoft YaHei UI" panose="020B0604020202020204" pitchFamily="34" charset="0"/>
+                <a:ea typeface="Microsoft YaHei UI"/>
+              </a:rPr>
+              <a:t>支持</a:t>
+            </a:r>
+            <a:endParaRPr lang="en-US" altLang="zh-CN" dirty="0">
+              <a:latin typeface="Microsoft YaHei UI" panose="020B0604020202020204" pitchFamily="34" charset="0"/>
+              <a:ea typeface="Microsoft YaHei UI"/>
+            </a:endParaRPr>
+          </a:p>
+          <a:p>
+            <a:pPr marL="342900" indent="-342900" rtl="0">
+              <a:lnSpc>
+                <a:spcPct val="150000"/>
+              </a:lnSpc>
+              <a:buFont typeface="Arial" panose="020B0604020202020204" pitchFamily="34" charset="0"/>
+              <a:buChar char="•"/>
+            </a:pPr>
+            <a:r>
+              <a:rPr lang="zh-CN" altLang="en-US" sz="1600" dirty="0">
+                <a:solidFill>
+                  <a:schemeClr val="tx2"/>
+                </a:solidFill>
+                <a:latin typeface="Microsoft YaHei UI" panose="020B0604020202020204" pitchFamily="34" charset="0"/>
+                <a:ea typeface="Microsoft YaHei UI"/>
+              </a:rPr>
+              <a:t>设计新的映射类型以支持用户空间和内核的通信和高效</a:t>
+            </a:r>
+            <a:r>
+              <a:rPr lang="en-US" altLang="zh-CN" sz="1600" dirty="0">
+                <a:solidFill>
+                  <a:schemeClr val="tx2"/>
+                </a:solidFill>
+                <a:latin typeface="Microsoft YaHei UI" panose="020B0604020202020204" pitchFamily="34" charset="0"/>
+                <a:ea typeface="Microsoft YaHei UI"/>
+              </a:rPr>
+              <a:t>IO</a:t>
+            </a:r>
+          </a:p>
+          <a:p>
+            <a:pPr marL="342900" indent="-342900" rtl="0">
+              <a:lnSpc>
+                <a:spcPct val="150000"/>
+              </a:lnSpc>
+              <a:buFont typeface="Arial" panose="020B0604020202020204" pitchFamily="34" charset="0"/>
+              <a:buChar char="•"/>
+            </a:pPr>
+            <a:r>
+              <a:rPr lang="zh-CN" altLang="en-US" dirty="0">
+                <a:latin typeface="Microsoft YaHei UI" panose="020B0604020202020204" pitchFamily="34" charset="0"/>
+                <a:ea typeface="Microsoft YaHei UI"/>
+              </a:rPr>
+              <a:t>修改文件系统驱动程序调用写好的</a:t>
+            </a:r>
+            <a:r>
+              <a:rPr lang="en-US" altLang="zh-CN" dirty="0" err="1">
+                <a:latin typeface="Microsoft YaHei UI" panose="020B0604020202020204" pitchFamily="34" charset="0"/>
+                <a:ea typeface="Microsoft YaHei UI"/>
+              </a:rPr>
+              <a:t>eBPF</a:t>
+            </a:r>
+            <a:r>
+              <a:rPr lang="zh-CN" altLang="en-US" dirty="0">
+                <a:latin typeface="Microsoft YaHei UI" panose="020B0604020202020204" pitchFamily="34" charset="0"/>
+                <a:ea typeface="Microsoft YaHei UI"/>
+              </a:rPr>
+              <a:t>程序</a:t>
+            </a:r>
+            <a:endParaRPr lang="zh-CN" sz="1600" dirty="0">
+              <a:solidFill>
+                <a:schemeClr val="tx2"/>
+              </a:solidFill>
+            </a:endParaRPr>
+          </a:p>
+          <a:p>
+            <a:pPr rtl="0"/>
+            <a:endParaRPr lang="zh-CN" dirty="0"/>
+          </a:p>
+        </p:txBody>
+      </p:sp>
+      <p:sp>
+        <p:nvSpPr>
+          <p:cNvPr id="9" name="文本占位符 8">
+            <a:extLst>
+              <a:ext uri="{FF2B5EF4-FFF2-40B4-BE49-F238E27FC236}">
+                <a16:creationId xmlns:a16="http://schemas.microsoft.com/office/drawing/2014/main" id="{2F6D1492-6808-B064-1F4E-6B49A77CEAE9}"/>
               </a:ext>
             </a:extLst>
           </p:cNvPr>
@@ -13164,69 +13135,186 @@
             <a:spLocks noGrp="1"/>
           </p:cNvSpPr>
           <p:nvPr>
-            <p:ph type="body" sz="quarter" idx="16"/>
+            <p:ph type="body" sz="quarter" idx="17"/>
+          </p:nvPr>
+        </p:nvSpPr>
+        <p:spPr/>
+        <p:txBody>
+          <a:bodyPr rtlCol="0"/>
+          <a:lstStyle>
+            <a:defPPr>
+              <a:defRPr lang="zh-CN"/>
+            </a:defPPr>
+          </a:lstStyle>
+          <a:p>
+            <a:pPr rtl="0"/>
+            <a:r>
+              <a:rPr lang="en-US" altLang="zh-CN" sz="2200" b="1" dirty="0">
+                <a:solidFill>
+                  <a:schemeClr val="tx2"/>
+                </a:solidFill>
+                <a:latin typeface="Microsoft YaHei UI" panose="020B0604020202020204" pitchFamily="34" charset="0"/>
+                <a:ea typeface="Microsoft YaHei UI"/>
+                <a:cs typeface="Microsoft YaHei UI" panose="020B0604020202020204" pitchFamily="34" charset="0"/>
+              </a:rPr>
+              <a:t>IO</a:t>
+            </a:r>
+            <a:r>
+              <a:rPr lang="zh-CN" altLang="en-US" sz="2200" b="1" dirty="0">
+                <a:solidFill>
+                  <a:schemeClr val="tx2"/>
+                </a:solidFill>
+                <a:latin typeface="Microsoft YaHei UI" panose="020B0604020202020204" pitchFamily="34" charset="0"/>
+                <a:ea typeface="Microsoft YaHei UI"/>
+                <a:cs typeface="Microsoft YaHei UI" panose="020B0604020202020204" pitchFamily="34" charset="0"/>
+              </a:rPr>
+              <a:t>性能优化效果检测</a:t>
+            </a:r>
+            <a:endParaRPr lang="zh-CN" dirty="0"/>
+          </a:p>
+        </p:txBody>
+      </p:sp>
+      <p:sp>
+        <p:nvSpPr>
+          <p:cNvPr id="10" name="文本占位符 9">
+            <a:extLst>
+              <a:ext uri="{FF2B5EF4-FFF2-40B4-BE49-F238E27FC236}">
+                <a16:creationId xmlns:a16="http://schemas.microsoft.com/office/drawing/2014/main" id="{A4B14CB4-1193-ED18-7BAA-87DF524040D5}"/>
+              </a:ext>
+            </a:extLst>
+          </p:cNvPr>
+          <p:cNvSpPr>
+            <a:spLocks noGrp="1"/>
+          </p:cNvSpPr>
+          <p:nvPr>
+            <p:ph type="body" sz="quarter" idx="18"/>
           </p:nvPr>
         </p:nvSpPr>
         <p:spPr>
           <a:xfrm>
-            <a:off x="5943599" y="3401568"/>
-            <a:ext cx="6011333" cy="3154680"/>
+            <a:off x="7973568" y="3596739"/>
+            <a:ext cx="3282696" cy="2482328"/>
           </a:xfrm>
         </p:spPr>
         <p:txBody>
-          <a:bodyPr/>
-          <a:lstStyle/>
-          <a:p>
-            <a:r>
-              <a:rPr lang="zh-CN" altLang="en-US" dirty="0"/>
-              <a:t>使用</a:t>
-            </a:r>
-            <a:r>
-              <a:rPr lang="en-US" altLang="zh-CN" dirty="0" err="1"/>
-              <a:t>eBPF</a:t>
-            </a:r>
-            <a:r>
-              <a:rPr lang="zh-CN" altLang="en-US" dirty="0"/>
-              <a:t>来拦截系统调用，例如</a:t>
-            </a:r>
-            <a:r>
-              <a:rPr lang="en-US" altLang="zh-CN" dirty="0"/>
-              <a:t>read</a:t>
-            </a:r>
-            <a:r>
-              <a:rPr lang="zh-CN" altLang="en-US" dirty="0"/>
-              <a:t>和</a:t>
-            </a:r>
-            <a:r>
-              <a:rPr lang="en-US" altLang="zh-CN" dirty="0"/>
-              <a:t>write</a:t>
-            </a:r>
-            <a:r>
-              <a:rPr lang="zh-CN" altLang="en-US" dirty="0"/>
-              <a:t>系统调用，在内核态中直接完成数据传输和处理，并将处理好的结果返回给用户态程序，从而减少数据从内核态到用户态的拷贝。</a:t>
-            </a:r>
-            <a:endParaRPr lang="en-US" altLang="zh-CN" dirty="0"/>
-          </a:p>
-          <a:p>
-            <a:r>
-              <a:rPr lang="zh-CN" altLang="en-US" dirty="0"/>
-              <a:t>优化网络数据包的处理，例如在网络数据包接收时，可以使用</a:t>
-            </a:r>
-            <a:r>
-              <a:rPr lang="en-US" altLang="zh-CN" dirty="0" err="1"/>
-              <a:t>eBPF</a:t>
-            </a:r>
-            <a:r>
-              <a:rPr lang="zh-CN" altLang="en-US" dirty="0"/>
-              <a:t>来拦截网络数据包，并在内核态中直接进行数据处理和转发，从而减少数据在内核态和用户态之间的拷贝。</a:t>
-            </a:r>
+          <a:bodyPr rtlCol="0"/>
+          <a:lstStyle>
+            <a:defPPr>
+              <a:defRPr lang="zh-CN"/>
+            </a:defPPr>
+          </a:lstStyle>
+          <a:p>
+            <a:pPr rtl="0"/>
+            <a:r>
+              <a:rPr lang="zh-CN" sz="1600" noProof="1">
+                <a:solidFill>
+                  <a:schemeClr val="tx2"/>
+                </a:solidFill>
+                <a:latin typeface="Microsoft YaHei UI" panose="020B0604020202020204" pitchFamily="34" charset="0"/>
+                <a:ea typeface="Microsoft YaHei UI"/>
+                <a:cs typeface="Microsoft YaHei UI" panose="020B0604020202020204" pitchFamily="34" charset="0"/>
+              </a:rPr>
+              <a:t>用于运行</a:t>
+            </a:r>
+            <a:r>
+              <a:rPr lang="zh-CN" altLang="en-US" noProof="1">
+                <a:latin typeface="Microsoft YaHei UI" panose="020B0604020202020204" pitchFamily="34" charset="0"/>
+                <a:ea typeface="Microsoft YaHei UI"/>
+                <a:cs typeface="Microsoft YaHei UI" panose="020B0604020202020204" pitchFamily="34" charset="0"/>
+              </a:rPr>
+              <a:t>性能</a:t>
+            </a:r>
+            <a:r>
+              <a:rPr lang="zh-CN" sz="1600" noProof="1">
+                <a:solidFill>
+                  <a:schemeClr val="tx2"/>
+                </a:solidFill>
+                <a:latin typeface="Microsoft YaHei UI" panose="020B0604020202020204" pitchFamily="34" charset="0"/>
+                <a:ea typeface="Microsoft YaHei UI"/>
+                <a:cs typeface="Microsoft YaHei UI" panose="020B0604020202020204" pitchFamily="34" charset="0"/>
+              </a:rPr>
+              <a:t>测试的软件工具</a:t>
+            </a:r>
+            <a:endParaRPr lang="en-US" altLang="zh-CN" sz="1600" noProof="1">
+              <a:solidFill>
+                <a:schemeClr val="tx2"/>
+              </a:solidFill>
+              <a:latin typeface="Microsoft YaHei UI" panose="020B0604020202020204" pitchFamily="34" charset="0"/>
+              <a:ea typeface="Microsoft YaHei UI"/>
+              <a:cs typeface="Microsoft YaHei UI" panose="020B0604020202020204" pitchFamily="34" charset="0"/>
+            </a:endParaRPr>
+          </a:p>
+          <a:p>
+            <a:pPr rtl="0"/>
+            <a:r>
+              <a:rPr lang="en-US" altLang="zh-CN" sz="1600" noProof="1">
+                <a:solidFill>
+                  <a:schemeClr val="tx2"/>
+                </a:solidFill>
+                <a:latin typeface="Microsoft YaHei UI" panose="020B0604020202020204" pitchFamily="34" charset="0"/>
+                <a:ea typeface="Microsoft YaHei UI"/>
+                <a:cs typeface="Microsoft YaHei UI" panose="020B0604020202020204" pitchFamily="34" charset="0"/>
+              </a:rPr>
+              <a:t>Prometheus</a:t>
+            </a:r>
+          </a:p>
+          <a:p>
+            <a:pPr rtl="0"/>
+            <a:r>
+              <a:rPr lang="en-US" altLang="zh-CN" noProof="1">
+                <a:latin typeface="Microsoft YaHei UI" panose="020B0604020202020204" pitchFamily="34" charset="0"/>
+                <a:ea typeface="Microsoft YaHei UI"/>
+                <a:cs typeface="Microsoft YaHei UI" panose="020B0604020202020204" pitchFamily="34" charset="0"/>
+              </a:rPr>
+              <a:t>Grafana</a:t>
+            </a:r>
+          </a:p>
+          <a:p>
+            <a:pPr rtl="0"/>
+            <a:r>
+              <a:rPr lang="en-US" altLang="zh-CN" sz="1600" noProof="1">
+                <a:solidFill>
+                  <a:schemeClr val="tx2"/>
+                </a:solidFill>
+                <a:latin typeface="Microsoft YaHei UI" panose="020B0604020202020204" pitchFamily="34" charset="0"/>
+                <a:ea typeface="Microsoft YaHei UI"/>
+                <a:cs typeface="Microsoft YaHei UI" panose="020B0604020202020204" pitchFamily="34" charset="0"/>
+              </a:rPr>
+              <a:t>Iostat</a:t>
+            </a:r>
+          </a:p>
+          <a:p>
+            <a:pPr rtl="0"/>
+            <a:r>
+              <a:rPr lang="en-US" altLang="zh-CN" sz="1600" noProof="1">
+                <a:solidFill>
+                  <a:schemeClr val="tx2"/>
+                </a:solidFill>
+                <a:latin typeface="Microsoft YaHei UI" panose="020B0604020202020204" pitchFamily="34" charset="0"/>
+                <a:ea typeface="Microsoft YaHei UI"/>
+                <a:cs typeface="Microsoft YaHei UI" panose="020B0604020202020204" pitchFamily="34" charset="0"/>
+              </a:rPr>
+              <a:t>……</a:t>
+            </a:r>
+            <a:endParaRPr lang="zh-CN" sz="1600" noProof="1">
+              <a:solidFill>
+                <a:schemeClr val="tx2"/>
+              </a:solidFill>
+              <a:latin typeface="Microsoft YaHei UI" panose="020B0604020202020204" pitchFamily="34" charset="0"/>
+              <a:ea typeface="Microsoft YaHei UI"/>
+              <a:cs typeface="Microsoft YaHei UI" panose="020B0604020202020204" pitchFamily="34" charset="0"/>
+            </a:endParaRPr>
+          </a:p>
+          <a:p>
+            <a:pPr rtl="0"/>
+            <a:endParaRPr lang="zh-CN" dirty="0"/>
           </a:p>
         </p:txBody>
       </p:sp>
     </p:spTree>
     <p:extLst>
       <p:ext uri="{BB962C8B-B14F-4D97-AF65-F5344CB8AC3E}">
-        <p14:creationId xmlns:p14="http://schemas.microsoft.com/office/powerpoint/2010/main" val="4103794123"/>
+        <p14:creationId xmlns:p14="http://schemas.microsoft.com/office/powerpoint/2010/main" val="476614979"/>
       </p:ext>
     </p:extLst>
   </p:cSld>
@@ -13258,6 +13346,659 @@
           <p:cNvPr id="2" name="标题 1">
             <a:extLst>
               <a:ext uri="{FF2B5EF4-FFF2-40B4-BE49-F238E27FC236}">
+                <a16:creationId xmlns:a16="http://schemas.microsoft.com/office/drawing/2014/main" id="{A0A65C01-2837-2D71-254F-BAEEC669F389}"/>
+              </a:ext>
+            </a:extLst>
+          </p:cNvPr>
+          <p:cNvSpPr>
+            <a:spLocks noGrp="1"/>
+          </p:cNvSpPr>
+          <p:nvPr>
+            <p:ph type="title"/>
+          </p:nvPr>
+        </p:nvSpPr>
+        <p:spPr/>
+        <p:txBody>
+          <a:bodyPr rtlCol="0"/>
+          <a:lstStyle>
+            <a:defPPr>
+              <a:defRPr lang="zh-CN"/>
+            </a:defPPr>
+          </a:lstStyle>
+          <a:p>
+            <a:pPr rtl="0"/>
+            <a:r>
+              <a:rPr lang="zh-CN" altLang="en-US" dirty="0"/>
+              <a:t>技术依据</a:t>
+            </a:r>
+            <a:endParaRPr lang="zh-CN" dirty="0"/>
+          </a:p>
+        </p:txBody>
+      </p:sp>
+      <p:sp>
+        <p:nvSpPr>
+          <p:cNvPr id="13" name="灯片编号占位符 12">
+            <a:extLst>
+              <a:ext uri="{FF2B5EF4-FFF2-40B4-BE49-F238E27FC236}">
+                <a16:creationId xmlns:a16="http://schemas.microsoft.com/office/drawing/2014/main" id="{A783BE29-9226-E728-BAD0-B02DEADFB9C6}"/>
+              </a:ext>
+            </a:extLst>
+          </p:cNvPr>
+          <p:cNvSpPr>
+            <a:spLocks noGrp="1"/>
+          </p:cNvSpPr>
+          <p:nvPr>
+            <p:ph type="sldNum" sz="quarter" idx="12"/>
+          </p:nvPr>
+        </p:nvSpPr>
+        <p:spPr/>
+        <p:txBody>
+          <a:bodyPr rtlCol="0"/>
+          <a:lstStyle>
+            <a:defPPr>
+              <a:defRPr lang="zh-CN"/>
+            </a:defPPr>
+          </a:lstStyle>
+          <a:p>
+            <a:pPr rtl="0"/>
+            <a:fld id="{5BFCF61C-3B18-4C03-8326-CC3B32D710C9}" type="slidenum">
+              <a:rPr lang="en-US" altLang="zh-CN" smtClean="0"/>
+              <a:pPr rtl="0"/>
+              <a:t>14</a:t>
+            </a:fld>
+            <a:endParaRPr lang="zh-CN"/>
+          </a:p>
+        </p:txBody>
+      </p:sp>
+      <p:sp>
+        <p:nvSpPr>
+          <p:cNvPr id="3" name="文本占位符 2">
+            <a:extLst>
+              <a:ext uri="{FF2B5EF4-FFF2-40B4-BE49-F238E27FC236}">
+                <a16:creationId xmlns:a16="http://schemas.microsoft.com/office/drawing/2014/main" id="{3C23C4BE-E1DD-7EED-DB71-4D5F3B63E693}"/>
+              </a:ext>
+            </a:extLst>
+          </p:cNvPr>
+          <p:cNvSpPr>
+            <a:spLocks noGrp="1"/>
+          </p:cNvSpPr>
+          <p:nvPr>
+            <p:ph type="body" sz="quarter" idx="13"/>
+          </p:nvPr>
+        </p:nvSpPr>
+        <p:spPr>
+          <a:xfrm>
+            <a:off x="649224" y="2726531"/>
+            <a:ext cx="4828032" cy="490538"/>
+          </a:xfrm>
+        </p:spPr>
+        <p:txBody>
+          <a:bodyPr rtlCol="0"/>
+          <a:lstStyle>
+            <a:defPPr>
+              <a:defRPr lang="zh-CN"/>
+            </a:defPPr>
+          </a:lstStyle>
+          <a:p>
+            <a:pPr rtl="0"/>
+            <a:r>
+              <a:rPr lang="en-US" altLang="zh-CN" dirty="0"/>
+              <a:t>DMA</a:t>
+            </a:r>
+            <a:endParaRPr lang="zh-CN" dirty="0"/>
+          </a:p>
+        </p:txBody>
+      </p:sp>
+      <p:sp>
+        <p:nvSpPr>
+          <p:cNvPr id="5" name="文本占位符 4">
+            <a:extLst>
+              <a:ext uri="{FF2B5EF4-FFF2-40B4-BE49-F238E27FC236}">
+                <a16:creationId xmlns:a16="http://schemas.microsoft.com/office/drawing/2014/main" id="{43DF41ED-5729-1B31-0C04-21385523D7E1}"/>
+              </a:ext>
+            </a:extLst>
+          </p:cNvPr>
+          <p:cNvSpPr>
+            <a:spLocks noGrp="1"/>
+          </p:cNvSpPr>
+          <p:nvPr>
+            <p:ph type="body" sz="quarter" idx="15"/>
+          </p:nvPr>
+        </p:nvSpPr>
+        <p:spPr>
+          <a:xfrm>
+            <a:off x="365760" y="3212168"/>
+            <a:ext cx="5111496" cy="3744299"/>
+          </a:xfrm>
+        </p:spPr>
+        <p:txBody>
+          <a:bodyPr rtlCol="0"/>
+          <a:lstStyle>
+            <a:defPPr>
+              <a:defRPr lang="zh-CN"/>
+            </a:defPPr>
+          </a:lstStyle>
+          <a:p>
+            <a:pPr rtl="0"/>
+            <a:r>
+              <a:rPr lang="zh-CN" altLang="en-US" dirty="0"/>
+              <a:t>将数据直接从磁盘读到内核空间页缓冲中，或者将数据从内核空间页缓冲直接写回到磁盘上，但是不能直接在用户地址空间和磁盘之间进行数据传输。</a:t>
+            </a:r>
+            <a:endParaRPr lang="en-US" altLang="zh-CN" dirty="0"/>
+          </a:p>
+          <a:p>
+            <a:pPr rtl="0"/>
+            <a:r>
+              <a:rPr lang="zh-CN" altLang="en-US" dirty="0"/>
+              <a:t>数据在传输过程中需要在应用程序地址空间（用户空间）和内核缓冲（内核空间）之间进行多次数据拷贝操作。</a:t>
+            </a:r>
+            <a:endParaRPr lang="zh-CN" dirty="0"/>
+          </a:p>
+        </p:txBody>
+      </p:sp>
+      <p:sp>
+        <p:nvSpPr>
+          <p:cNvPr id="6" name="文本占位符 5">
+            <a:extLst>
+              <a:ext uri="{FF2B5EF4-FFF2-40B4-BE49-F238E27FC236}">
+                <a16:creationId xmlns:a16="http://schemas.microsoft.com/office/drawing/2014/main" id="{D180BD75-0796-C71E-07C4-224B63C0CEEF}"/>
+              </a:ext>
+            </a:extLst>
+          </p:cNvPr>
+          <p:cNvSpPr>
+            <a:spLocks noGrp="1"/>
+          </p:cNvSpPr>
+          <p:nvPr>
+            <p:ph type="body" sz="quarter" idx="16"/>
+          </p:nvPr>
+        </p:nvSpPr>
+        <p:spPr>
+          <a:xfrm>
+            <a:off x="5847588" y="3162290"/>
+            <a:ext cx="5271516" cy="2781310"/>
+          </a:xfrm>
+        </p:spPr>
+        <p:txBody>
+          <a:bodyPr rtlCol="0"/>
+          <a:lstStyle>
+            <a:defPPr>
+              <a:defRPr lang="zh-CN"/>
+            </a:defPPr>
+          </a:lstStyle>
+          <a:p>
+            <a:pPr rtl="0"/>
+            <a:r>
+              <a:rPr lang="en-US" altLang="zh-CN" dirty="0" err="1"/>
+              <a:t>eBPF</a:t>
+            </a:r>
+            <a:r>
+              <a:rPr lang="en-US" altLang="zh-CN" dirty="0"/>
+              <a:t> </a:t>
+            </a:r>
+            <a:r>
+              <a:rPr lang="zh-CN" altLang="en-US" dirty="0"/>
+              <a:t>和 </a:t>
+            </a:r>
+            <a:r>
+              <a:rPr lang="en-US" altLang="zh-CN" dirty="0"/>
+              <a:t>XDP </a:t>
+            </a:r>
+            <a:r>
+              <a:rPr lang="zh-CN" altLang="en-US" dirty="0"/>
+              <a:t>是基于 </a:t>
+            </a:r>
+            <a:r>
+              <a:rPr lang="en-US" altLang="zh-CN" dirty="0" err="1"/>
+              <a:t>eBPF</a:t>
+            </a:r>
+            <a:r>
+              <a:rPr lang="en-US" altLang="zh-CN" dirty="0"/>
+              <a:t> </a:t>
+            </a:r>
+            <a:r>
+              <a:rPr lang="zh-CN" altLang="en-US" dirty="0"/>
+              <a:t>实现的高性能、可编程的数据平面技术。</a:t>
+            </a:r>
+            <a:r>
+              <a:rPr lang="en-US" altLang="zh-CN" dirty="0"/>
+              <a:t>XDP </a:t>
+            </a:r>
+            <a:r>
+              <a:rPr lang="zh-CN" altLang="en-US" dirty="0"/>
+              <a:t>位于网卡驱动层，当数据包经过 </a:t>
+            </a:r>
+            <a:r>
+              <a:rPr lang="en-US" altLang="zh-CN" dirty="0"/>
+              <a:t>DMA </a:t>
+            </a:r>
+            <a:r>
+              <a:rPr lang="zh-CN" altLang="en-US" dirty="0"/>
+              <a:t>存放到 </a:t>
+            </a:r>
+            <a:r>
+              <a:rPr lang="en-US" altLang="zh-CN" dirty="0"/>
+              <a:t>ring buffer </a:t>
+            </a:r>
+            <a:r>
+              <a:rPr lang="zh-CN" altLang="en-US" dirty="0"/>
+              <a:t>之后，分配 </a:t>
+            </a:r>
+            <a:r>
+              <a:rPr lang="en-US" altLang="zh-CN" dirty="0" err="1"/>
+              <a:t>skb</a:t>
+            </a:r>
+            <a:r>
+              <a:rPr lang="en-US" altLang="zh-CN" dirty="0"/>
+              <a:t> </a:t>
+            </a:r>
+            <a:r>
+              <a:rPr lang="zh-CN" altLang="en-US" dirty="0"/>
+              <a:t>之前，即可被 </a:t>
+            </a:r>
+            <a:r>
+              <a:rPr lang="en-US" altLang="zh-CN" dirty="0"/>
+              <a:t>XDP </a:t>
+            </a:r>
+            <a:r>
+              <a:rPr lang="zh-CN" altLang="en-US" dirty="0"/>
+              <a:t>处理。这样，可以通过使用 </a:t>
+            </a:r>
+            <a:r>
+              <a:rPr lang="en-US" altLang="zh-CN" dirty="0" err="1"/>
+              <a:t>eBPF</a:t>
+            </a:r>
+            <a:r>
+              <a:rPr lang="en-US" altLang="zh-CN" dirty="0"/>
+              <a:t> </a:t>
+            </a:r>
+            <a:r>
+              <a:rPr lang="zh-CN" altLang="en-US" dirty="0"/>
+              <a:t>和 </a:t>
+            </a:r>
+            <a:r>
+              <a:rPr lang="en-US" altLang="zh-CN" dirty="0"/>
+              <a:t>XDP </a:t>
+            </a:r>
+            <a:r>
+              <a:rPr lang="zh-CN" altLang="en-US" dirty="0"/>
+              <a:t>来减少数据拷贝次数，并直接将 </a:t>
+            </a:r>
+            <a:r>
+              <a:rPr lang="en-US" altLang="zh-CN" dirty="0"/>
+              <a:t>DMA </a:t>
+            </a:r>
+            <a:r>
+              <a:rPr lang="zh-CN" altLang="en-US" dirty="0"/>
+              <a:t>读取到内核空间页缓冲中的数据通过 </a:t>
+            </a:r>
+            <a:r>
+              <a:rPr lang="en-US" altLang="zh-CN" dirty="0" err="1"/>
+              <a:t>xdp</a:t>
+            </a:r>
+            <a:r>
+              <a:rPr lang="en-US" altLang="zh-CN" dirty="0"/>
+              <a:t> </a:t>
+            </a:r>
+            <a:r>
+              <a:rPr lang="zh-CN" altLang="en-US" dirty="0"/>
+              <a:t>进行网络数据传输来提高数据传输效率</a:t>
+            </a:r>
+            <a:endParaRPr lang="zh-CN" dirty="0"/>
+          </a:p>
+        </p:txBody>
+      </p:sp>
+      <p:sp>
+        <p:nvSpPr>
+          <p:cNvPr id="8" name="文本占位符 7">
+            <a:extLst>
+              <a:ext uri="{FF2B5EF4-FFF2-40B4-BE49-F238E27FC236}">
+                <a16:creationId xmlns:a16="http://schemas.microsoft.com/office/drawing/2014/main" id="{445DAFB0-F33E-416D-B08B-31C9AF50A42B}"/>
+              </a:ext>
+            </a:extLst>
+          </p:cNvPr>
+          <p:cNvSpPr>
+            <a:spLocks noGrp="1"/>
+          </p:cNvSpPr>
+          <p:nvPr>
+            <p:ph type="body" sz="quarter" idx="14"/>
+          </p:nvPr>
+        </p:nvSpPr>
+        <p:spPr>
+          <a:xfrm>
+            <a:off x="6131052" y="2726531"/>
+            <a:ext cx="4828032" cy="490538"/>
+          </a:xfrm>
+        </p:spPr>
+        <p:txBody>
+          <a:bodyPr/>
+          <a:lstStyle/>
+          <a:p>
+            <a:r>
+              <a:rPr lang="en-US" altLang="zh-CN" dirty="0"/>
+              <a:t>XDP</a:t>
+            </a:r>
+            <a:endParaRPr lang="zh-CN" altLang="en-US" dirty="0"/>
+          </a:p>
+        </p:txBody>
+      </p:sp>
+    </p:spTree>
+    <p:extLst>
+      <p:ext uri="{BB962C8B-B14F-4D97-AF65-F5344CB8AC3E}">
+        <p14:creationId xmlns:p14="http://schemas.microsoft.com/office/powerpoint/2010/main" val="3274647172"/>
+      </p:ext>
+    </p:extLst>
+  </p:cSld>
+  <p:clrMapOvr>
+    <a:masterClrMapping/>
+  </p:clrMapOvr>
+</p:sld>
+</file>
+
+<file path=ppt/slides/slide15.xml><?xml version="1.0" encoding="utf-8"?>
+<p:sld xmlns:a="http://schemas.openxmlformats.org/drawingml/2006/main" xmlns:r="http://schemas.openxmlformats.org/officeDocument/2006/relationships" xmlns:p="http://schemas.openxmlformats.org/presentationml/2006/main">
+  <p:cSld>
+    <p:spTree>
+      <p:nvGrpSpPr>
+        <p:cNvPr id="1" name=""/>
+        <p:cNvGrpSpPr/>
+        <p:nvPr/>
+      </p:nvGrpSpPr>
+      <p:grpSpPr>
+        <a:xfrm>
+          <a:off x="0" y="0"/>
+          <a:ext cx="0" cy="0"/>
+          <a:chOff x="0" y="0"/>
+          <a:chExt cx="0" cy="0"/>
+        </a:xfrm>
+      </p:grpSpPr>
+      <p:sp>
+        <p:nvSpPr>
+          <p:cNvPr id="2" name="灯片编号占位符 1">
+            <a:extLst>
+              <a:ext uri="{FF2B5EF4-FFF2-40B4-BE49-F238E27FC236}">
+                <a16:creationId xmlns:a16="http://schemas.microsoft.com/office/drawing/2014/main" id="{6E354072-709A-4E85-87A3-B92FCE09B9C6}"/>
+              </a:ext>
+            </a:extLst>
+          </p:cNvPr>
+          <p:cNvSpPr>
+            <a:spLocks noGrp="1"/>
+          </p:cNvSpPr>
+          <p:nvPr>
+            <p:ph type="sldNum" sz="quarter" idx="12"/>
+          </p:nvPr>
+        </p:nvSpPr>
+        <p:spPr/>
+        <p:txBody>
+          <a:bodyPr/>
+          <a:lstStyle/>
+          <a:p>
+            <a:pPr rtl="0"/>
+            <a:fld id="{5BFCF61C-3B18-4C03-8326-CC3B32D710C9}" type="slidenum">
+              <a:rPr lang="en-US" altLang="zh-CN" noProof="0" smtClean="0"/>
+              <a:pPr rtl="0"/>
+              <a:t>15</a:t>
+            </a:fld>
+            <a:endParaRPr lang="zh-CN" noProof="0"/>
+          </a:p>
+        </p:txBody>
+      </p:sp>
+      <p:sp>
+        <p:nvSpPr>
+          <p:cNvPr id="3" name="标题 2">
+            <a:extLst>
+              <a:ext uri="{FF2B5EF4-FFF2-40B4-BE49-F238E27FC236}">
+                <a16:creationId xmlns:a16="http://schemas.microsoft.com/office/drawing/2014/main" id="{EE91B452-EFC3-4B04-9056-B1AE8649782F}"/>
+              </a:ext>
+            </a:extLst>
+          </p:cNvPr>
+          <p:cNvSpPr>
+            <a:spLocks noGrp="1"/>
+          </p:cNvSpPr>
+          <p:nvPr>
+            <p:ph type="title"/>
+          </p:nvPr>
+        </p:nvSpPr>
+        <p:spPr/>
+        <p:txBody>
+          <a:bodyPr/>
+          <a:lstStyle/>
+          <a:p>
+            <a:r>
+              <a:rPr lang="zh-CN" altLang="en-US" dirty="0"/>
+              <a:t>实现思路</a:t>
+            </a:r>
+          </a:p>
+        </p:txBody>
+      </p:sp>
+      <p:sp>
+        <p:nvSpPr>
+          <p:cNvPr id="4" name="文本占位符 3">
+            <a:extLst>
+              <a:ext uri="{FF2B5EF4-FFF2-40B4-BE49-F238E27FC236}">
+                <a16:creationId xmlns:a16="http://schemas.microsoft.com/office/drawing/2014/main" id="{7C66DED1-6BD8-4B86-AA66-089DD4F73FC6}"/>
+              </a:ext>
+            </a:extLst>
+          </p:cNvPr>
+          <p:cNvSpPr>
+            <a:spLocks noGrp="1"/>
+          </p:cNvSpPr>
+          <p:nvPr>
+            <p:ph type="body" sz="quarter" idx="13"/>
+          </p:nvPr>
+        </p:nvSpPr>
+        <p:spPr/>
+        <p:txBody>
+          <a:bodyPr/>
+          <a:lstStyle/>
+          <a:p>
+            <a:r>
+              <a:rPr lang="zh-CN" altLang="en-US" dirty="0"/>
+              <a:t>传统</a:t>
+            </a:r>
+            <a:r>
+              <a:rPr lang="en-US" altLang="zh-CN" dirty="0"/>
+              <a:t>DFS</a:t>
+            </a:r>
+            <a:endParaRPr lang="zh-CN" altLang="en-US" dirty="0"/>
+          </a:p>
+        </p:txBody>
+      </p:sp>
+      <p:sp>
+        <p:nvSpPr>
+          <p:cNvPr id="5" name="文本占位符 4">
+            <a:extLst>
+              <a:ext uri="{FF2B5EF4-FFF2-40B4-BE49-F238E27FC236}">
+                <a16:creationId xmlns:a16="http://schemas.microsoft.com/office/drawing/2014/main" id="{B104D4A0-33CA-470E-858C-94CB91A435A0}"/>
+              </a:ext>
+            </a:extLst>
+          </p:cNvPr>
+          <p:cNvSpPr>
+            <a:spLocks noGrp="1"/>
+          </p:cNvSpPr>
+          <p:nvPr>
+            <p:ph type="body" sz="quarter" idx="14"/>
+          </p:nvPr>
+        </p:nvSpPr>
+        <p:spPr/>
+        <p:txBody>
+          <a:bodyPr/>
+          <a:lstStyle/>
+          <a:p>
+            <a:r>
+              <a:rPr lang="en-US" altLang="zh-CN" dirty="0" err="1"/>
+              <a:t>eBPF</a:t>
+            </a:r>
+            <a:r>
+              <a:rPr lang="zh-CN" altLang="en-US" dirty="0"/>
+              <a:t>程序进行数据处理</a:t>
+            </a:r>
+          </a:p>
+        </p:txBody>
+      </p:sp>
+      <p:sp>
+        <p:nvSpPr>
+          <p:cNvPr id="6" name="文本占位符 5">
+            <a:extLst>
+              <a:ext uri="{FF2B5EF4-FFF2-40B4-BE49-F238E27FC236}">
+                <a16:creationId xmlns:a16="http://schemas.microsoft.com/office/drawing/2014/main" id="{6D721AFD-D184-4EB2-8E8E-E29FD9849277}"/>
+              </a:ext>
+            </a:extLst>
+          </p:cNvPr>
+          <p:cNvSpPr>
+            <a:spLocks noGrp="1"/>
+          </p:cNvSpPr>
+          <p:nvPr>
+            <p:ph type="body" sz="quarter" idx="15"/>
+          </p:nvPr>
+        </p:nvSpPr>
+        <p:spPr>
+          <a:xfrm>
+            <a:off x="365760" y="3471776"/>
+            <a:ext cx="5111496" cy="1418073"/>
+          </a:xfrm>
+        </p:spPr>
+        <p:txBody>
+          <a:bodyPr/>
+          <a:lstStyle/>
+          <a:p>
+            <a:r>
+              <a:rPr lang="zh-CN" altLang="en-US" dirty="0"/>
+              <a:t>传统</a:t>
+            </a:r>
+            <a:r>
+              <a:rPr lang="en-US" altLang="zh-CN" dirty="0"/>
+              <a:t>DFS</a:t>
+            </a:r>
+            <a:r>
+              <a:rPr lang="zh-CN" altLang="en-US" dirty="0"/>
+              <a:t>存储节点通常是通过</a:t>
+            </a:r>
+            <a:r>
+              <a:rPr lang="en-US" altLang="zh-CN" dirty="0"/>
+              <a:t>read</a:t>
+            </a:r>
+            <a:r>
+              <a:rPr lang="zh-CN" altLang="en-US" dirty="0"/>
+              <a:t>读取数据后经过数据处理再通过</a:t>
+            </a:r>
+            <a:r>
+              <a:rPr lang="en-US" altLang="zh-CN" dirty="0"/>
+              <a:t>write</a:t>
+            </a:r>
+            <a:r>
+              <a:rPr lang="zh-CN" altLang="en-US" dirty="0"/>
+              <a:t>发送给客户端，这样会涉及到多次的数据拷贝和上下文切换，可能导致性能瓶颈。</a:t>
+            </a:r>
+          </a:p>
+        </p:txBody>
+      </p:sp>
+      <p:sp>
+        <p:nvSpPr>
+          <p:cNvPr id="7" name="文本占位符 6">
+            <a:extLst>
+              <a:ext uri="{FF2B5EF4-FFF2-40B4-BE49-F238E27FC236}">
+                <a16:creationId xmlns:a16="http://schemas.microsoft.com/office/drawing/2014/main" id="{EAD6E01D-011A-4785-B72A-C0867F69364B}"/>
+              </a:ext>
+            </a:extLst>
+          </p:cNvPr>
+          <p:cNvSpPr>
+            <a:spLocks noGrp="1"/>
+          </p:cNvSpPr>
+          <p:nvPr>
+            <p:ph type="body" sz="quarter" idx="16"/>
+          </p:nvPr>
+        </p:nvSpPr>
+        <p:spPr>
+          <a:xfrm>
+            <a:off x="5943599" y="3401568"/>
+            <a:ext cx="6011333" cy="3154680"/>
+          </a:xfrm>
+        </p:spPr>
+        <p:txBody>
+          <a:bodyPr/>
+          <a:lstStyle/>
+          <a:p>
+            <a:r>
+              <a:rPr lang="zh-CN" altLang="en-US" dirty="0"/>
+              <a:t>使用</a:t>
+            </a:r>
+            <a:r>
+              <a:rPr lang="en-US" altLang="zh-CN" dirty="0" err="1"/>
+              <a:t>eBPF</a:t>
+            </a:r>
+            <a:r>
+              <a:rPr lang="zh-CN" altLang="en-US" dirty="0"/>
+              <a:t>来拦截系统调用，例如</a:t>
+            </a:r>
+            <a:r>
+              <a:rPr lang="en-US" altLang="zh-CN" dirty="0"/>
+              <a:t>read</a:t>
+            </a:r>
+            <a:r>
+              <a:rPr lang="zh-CN" altLang="en-US" dirty="0"/>
+              <a:t>和</a:t>
+            </a:r>
+            <a:r>
+              <a:rPr lang="en-US" altLang="zh-CN" dirty="0"/>
+              <a:t>write</a:t>
+            </a:r>
+            <a:r>
+              <a:rPr lang="zh-CN" altLang="en-US" dirty="0"/>
+              <a:t>系统调用，在内核态中直接完成数据传输和处理，并将处理好的结果返回给用户态程序，从而减少数据从内核态到用户态的拷贝。</a:t>
+            </a:r>
+            <a:endParaRPr lang="en-US" altLang="zh-CN" dirty="0"/>
+          </a:p>
+          <a:p>
+            <a:r>
+              <a:rPr lang="zh-CN" altLang="en-US" dirty="0"/>
+              <a:t>优化网络数据包的处理，例如在网络数据包接收时，可以使用</a:t>
+            </a:r>
+            <a:r>
+              <a:rPr lang="en-US" altLang="zh-CN" dirty="0" err="1"/>
+              <a:t>eBPF</a:t>
+            </a:r>
+            <a:r>
+              <a:rPr lang="zh-CN" altLang="en-US" dirty="0"/>
+              <a:t>来拦截网络数据包，并在内核态中直接进行数据处理和转发，从而减少数据在内核态和用户态之间的拷贝。</a:t>
+            </a:r>
+          </a:p>
+        </p:txBody>
+      </p:sp>
+    </p:spTree>
+    <p:extLst>
+      <p:ext uri="{BB962C8B-B14F-4D97-AF65-F5344CB8AC3E}">
+        <p14:creationId xmlns:p14="http://schemas.microsoft.com/office/powerpoint/2010/main" val="4103794123"/>
+      </p:ext>
+    </p:extLst>
+  </p:cSld>
+  <p:clrMapOvr>
+    <a:masterClrMapping/>
+  </p:clrMapOvr>
+</p:sld>
+</file>
+
+<file path=ppt/slides/slide16.xml><?xml version="1.0" encoding="utf-8"?>
+<p:sld xmlns:a="http://schemas.openxmlformats.org/drawingml/2006/main" xmlns:r="http://schemas.openxmlformats.org/officeDocument/2006/relationships" xmlns:p="http://schemas.openxmlformats.org/presentationml/2006/main">
+  <p:cSld>
+    <p:spTree>
+      <p:nvGrpSpPr>
+        <p:cNvPr id="1" name=""/>
+        <p:cNvGrpSpPr/>
+        <p:nvPr/>
+      </p:nvGrpSpPr>
+      <p:grpSpPr>
+        <a:xfrm>
+          <a:off x="0" y="0"/>
+          <a:ext cx="0" cy="0"/>
+          <a:chOff x="0" y="0"/>
+          <a:chExt cx="0" cy="0"/>
+        </a:xfrm>
+      </p:grpSpPr>
+      <p:sp>
+        <p:nvSpPr>
+          <p:cNvPr id="2" name="标题 1">
+            <a:extLst>
+              <a:ext uri="{FF2B5EF4-FFF2-40B4-BE49-F238E27FC236}">
                 <a16:creationId xmlns:a16="http://schemas.microsoft.com/office/drawing/2014/main" id="{A052E563-D2B2-A0AD-3574-E8C8FDCE3DAC}"/>
               </a:ext>
             </a:extLst>
@@ -13469,7 +14210,7 @@
             <a:fld id="{5BFCF61C-3B18-4C03-8326-CC3B32D710C9}" type="slidenum">
               <a:rPr lang="en-US" altLang="zh-CN" smtClean="0"/>
               <a:pPr rtl="0"/>
-              <a:t>14</a:t>
+              <a:t>16</a:t>
             </a:fld>
             <a:endParaRPr lang="zh-CN"/>
           </a:p>
@@ -13968,7 +14709,7 @@
 </p:sld>
 </file>
 
-<file path=ppt/slides/slide15.xml><?xml version="1.0" encoding="utf-8"?>
+<file path=ppt/slides/slide17.xml><?xml version="1.0" encoding="utf-8"?>
 <p:sld xmlns:a="http://schemas.openxmlformats.org/drawingml/2006/main" xmlns:r="http://schemas.openxmlformats.org/officeDocument/2006/relationships" xmlns:p="http://schemas.openxmlformats.org/presentationml/2006/main">
   <p:cSld>
     <p:spTree>
@@ -14413,10 +15154,10 @@
       </p:sp>
       <p:sp>
         <p:nvSpPr>
-          <p:cNvPr id="3" name="文本占位符 2">
-            <a:extLst>
-              <a:ext uri="{FF2B5EF4-FFF2-40B4-BE49-F238E27FC236}">
-                <a16:creationId xmlns:a16="http://schemas.microsoft.com/office/drawing/2014/main" id="{F02F894F-23A1-85D4-2713-57D743F8086A}"/>
+          <p:cNvPr id="13" name="灯片编号占位符 12">
+            <a:extLst>
+              <a:ext uri="{FF2B5EF4-FFF2-40B4-BE49-F238E27FC236}">
+                <a16:creationId xmlns:a16="http://schemas.microsoft.com/office/drawing/2014/main" id="{941D71DF-7225-6C66-9D2B-FAACEFF20849}"/>
               </a:ext>
             </a:extLst>
           </p:cNvPr>
@@ -14424,7 +15165,7 @@
             <a:spLocks noGrp="1"/>
           </p:cNvSpPr>
           <p:nvPr>
-            <p:ph type="body" sz="quarter" idx="13"/>
+            <p:ph type="sldNum" sz="quarter" idx="12"/>
           </p:nvPr>
         </p:nvSpPr>
         <p:spPr/>
@@ -14436,193 +15177,140 @@
             </a:defPPr>
           </a:lstStyle>
           <a:p>
-            <a:r>
-              <a:rPr lang="zh-CN" altLang="en-US" dirty="0"/>
-              <a:t>什么是分布式文件系统</a:t>
-            </a:r>
-            <a:endParaRPr lang="en-US" altLang="zh-CN" dirty="0"/>
-          </a:p>
-        </p:txBody>
-      </p:sp>
-      <p:sp>
-        <p:nvSpPr>
-          <p:cNvPr id="4" name="文本占位符 3">
-            <a:extLst>
-              <a:ext uri="{FF2B5EF4-FFF2-40B4-BE49-F238E27FC236}">
-                <a16:creationId xmlns:a16="http://schemas.microsoft.com/office/drawing/2014/main" id="{C0EF4D35-9BD6-00FC-A23D-DCE50F2F200E}"/>
-              </a:ext>
-            </a:extLst>
-          </p:cNvPr>
-          <p:cNvSpPr>
-            <a:spLocks noGrp="1"/>
-          </p:cNvSpPr>
-          <p:nvPr>
-            <p:ph type="body" sz="quarter" idx="14"/>
-          </p:nvPr>
-        </p:nvSpPr>
-        <p:spPr/>
-        <p:txBody>
-          <a:bodyPr rtlCol="0"/>
-          <a:lstStyle>
-            <a:defPPr>
-              <a:defRPr lang="zh-CN"/>
-            </a:defPPr>
-          </a:lstStyle>
-          <a:p>
-            <a:r>
-              <a:rPr lang="zh-CN" altLang="en-US" dirty="0"/>
-              <a:t>什么是</a:t>
-            </a:r>
-            <a:r>
-              <a:rPr lang="en-US" altLang="zh-CN" dirty="0" err="1"/>
-              <a:t>eBPF</a:t>
-            </a:r>
-            <a:endParaRPr lang="en-US" altLang="zh-CN" dirty="0"/>
-          </a:p>
-        </p:txBody>
-      </p:sp>
-      <p:sp>
-        <p:nvSpPr>
-          <p:cNvPr id="5" name="文本占位符 4">
-            <a:extLst>
-              <a:ext uri="{FF2B5EF4-FFF2-40B4-BE49-F238E27FC236}">
-                <a16:creationId xmlns:a16="http://schemas.microsoft.com/office/drawing/2014/main" id="{51683C73-2637-AC0E-5A6B-47B6C6CB9E2A}"/>
-              </a:ext>
-            </a:extLst>
-          </p:cNvPr>
-          <p:cNvSpPr>
-            <a:spLocks noGrp="1"/>
-          </p:cNvSpPr>
-          <p:nvPr>
-            <p:ph type="body" sz="quarter" idx="15"/>
-          </p:nvPr>
-        </p:nvSpPr>
-        <p:spPr/>
-        <p:txBody>
-          <a:bodyPr rtlCol="0"/>
-          <a:lstStyle>
-            <a:defPPr>
-              <a:defRPr lang="zh-CN"/>
-            </a:defPPr>
-          </a:lstStyle>
-          <a:p>
-            <a:r>
-              <a:rPr kumimoji="0" lang="zh-CN" altLang="zh-CN" sz="1600" b="0" i="0" u="none" strike="noStrike" cap="none" normalizeH="0" baseline="0" dirty="0">
+            <a:pPr rtl="0"/>
+            <a:fld id="{5BFCF61C-3B18-4C03-8326-CC3B32D710C9}" type="slidenum">
+              <a:rPr lang="en-US" altLang="zh-CN" smtClean="0"/>
+              <a:pPr rtl="0"/>
+              <a:t>3</a:t>
+            </a:fld>
+            <a:endParaRPr lang="zh-CN"/>
+          </a:p>
+        </p:txBody>
+      </p:sp>
+      <p:sp>
+        <p:nvSpPr>
+          <p:cNvPr id="16" name="Rectangle 1">
+            <a:extLst>
+              <a:ext uri="{FF2B5EF4-FFF2-40B4-BE49-F238E27FC236}">
+                <a16:creationId xmlns:a16="http://schemas.microsoft.com/office/drawing/2014/main" id="{55D12F3D-1F2E-339E-DA87-88FD42184235}"/>
+              </a:ext>
+            </a:extLst>
+          </p:cNvPr>
+          <p:cNvSpPr>
+            <a:spLocks noGrp="1" noChangeArrowheads="1"/>
+          </p:cNvSpPr>
+          <p:nvPr>
+            <p:ph type="body" sz="quarter" idx="13"/>
+          </p:nvPr>
+        </p:nvSpPr>
+        <p:spPr bwMode="auto">
+          <a:xfrm>
+            <a:off x="2402357" y="3068601"/>
+            <a:ext cx="8172878" cy="1956561"/>
+          </a:xfrm>
+          <a:prstGeom prst="rect">
+            <a:avLst/>
+          </a:prstGeom>
+          <a:noFill/>
+          <a:ln>
+            <a:noFill/>
+          </a:ln>
+          <a:effectLst/>
+          <a:extLst>
+            <a:ext uri="{909E8E84-426E-40DD-AFC4-6F175D3DCCD1}">
+              <a14:hiddenFill xmlns:a14="http://schemas.microsoft.com/office/drawing/2010/main">
+                <a:solidFill>
+                  <a:schemeClr val="accent1"/>
+                </a:solidFill>
+              </a14:hiddenFill>
+            </a:ext>
+            <a:ext uri="{91240B29-F687-4F45-9708-019B960494DF}">
+              <a14:hiddenLine xmlns:a14="http://schemas.microsoft.com/office/drawing/2010/main" w="9525">
+                <a:solidFill>
+                  <a:schemeClr val="tx1"/>
+                </a:solidFill>
+                <a:miter lim="800000"/>
+                <a:headEnd/>
+                <a:tailEnd/>
+              </a14:hiddenLine>
+            </a:ext>
+            <a:ext uri="{AF507438-7753-43E0-B8FC-AC1667EBCBE1}">
+              <a14:hiddenEffects xmlns:a14="http://schemas.microsoft.com/office/drawing/2010/main">
+                <a:effectLst>
+                  <a:outerShdw dist="35921" dir="2700000" algn="ctr" rotWithShape="0">
+                    <a:schemeClr val="bg2"/>
+                  </a:outerShdw>
+                </a:effectLst>
+              </a14:hiddenEffects>
+            </a:ext>
+          </a:extLst>
+        </p:spPr>
+        <p:txBody>
+          <a:bodyPr vert="horz" wrap="square" lIns="91440" tIns="45720" rIns="91440" bIns="45720" numCol="1" anchor="ctr" anchorCtr="0" compatLnSpc="1">
+            <a:prstTxWarp prst="textNoShape">
+              <a:avLst/>
+            </a:prstTxWarp>
+            <a:spAutoFit/>
+          </a:bodyPr>
+          <a:lstStyle/>
+          <a:p>
+            <a:pPr marL="0" marR="0" lvl="0" indent="0" algn="l" defTabSz="914400" rtl="0" eaLnBrk="0" fontAlgn="base" latinLnBrk="0" hangingPunct="0">
+              <a:lnSpc>
+                <a:spcPct val="150000"/>
+              </a:lnSpc>
+              <a:spcBef>
+                <a:spcPct val="0"/>
+              </a:spcBef>
+              <a:spcAft>
+                <a:spcPct val="0"/>
+              </a:spcAft>
+              <a:buClrTx/>
+              <a:buSzTx/>
+              <a:buFontTx/>
+              <a:buNone/>
+              <a:tabLst/>
+            </a:pPr>
+            <a:r>
+              <a:rPr kumimoji="0" lang="zh-CN" altLang="zh-CN" sz="2800" b="0" i="0" u="none" strike="noStrike" cap="none" normalizeH="0" baseline="0" dirty="0">
                 <a:ln>
                   <a:noFill/>
                 </a:ln>
                 <a:solidFill>
-                  <a:srgbClr val="333333"/>
+                  <a:schemeClr val="tx1"/>
                 </a:solidFill>
                 <a:effectLst/>
-                <a:latin typeface="Arial" panose="020B0604020202020204" pitchFamily="34" charset="0"/>
-                <a:ea typeface="Lexend"/>
+                <a:latin typeface="华光黑体_CNKI" panose="02000500000000000000" pitchFamily="2" charset="-122"/>
+                <a:ea typeface="华光黑体_CNKI" panose="02000500000000000000" pitchFamily="2" charset="-122"/>
               </a:rPr>
-              <a:t>管理的物理存储资源不直接连接在本地节点上</a:t>
-            </a:r>
-            <a:endParaRPr kumimoji="0" lang="en-US" altLang="zh-CN" sz="1600" b="0" i="0" u="none" strike="noStrike" cap="none" normalizeH="0" baseline="0" dirty="0">
-              <a:ln>
-                <a:noFill/>
-              </a:ln>
-              <a:solidFill>
-                <a:srgbClr val="333333"/>
-              </a:solidFill>
-              <a:effectLst/>
-              <a:latin typeface="Arial" panose="020B0604020202020204" pitchFamily="34" charset="0"/>
-              <a:ea typeface="Lexend"/>
-            </a:endParaRPr>
-          </a:p>
-          <a:p>
-            <a:r>
-              <a:rPr lang="zh-CN" altLang="en-US" dirty="0">
-                <a:solidFill>
-                  <a:srgbClr val="333333"/>
-                </a:solidFill>
-                <a:latin typeface="Arial" panose="020B0604020202020204" pitchFamily="34" charset="0"/>
-                <a:ea typeface="Lexend"/>
-              </a:rPr>
-              <a:t>物理资源</a:t>
-            </a:r>
-            <a:r>
-              <a:rPr kumimoji="0" lang="zh-CN" altLang="zh-CN" sz="1600" b="0" i="0" u="none" strike="noStrike" cap="none" normalizeH="0" baseline="0" dirty="0">
+              <a:t>基于ebpf优化分布式文件系统的存储访问性能</a:t>
+            </a:r>
+            <a:r>
+              <a:rPr kumimoji="0" lang="en-US" altLang="zh-CN" sz="2800" b="0" i="0" u="none" strike="noStrike" cap="none" normalizeH="0" baseline="0" dirty="0">
                 <a:ln>
                   <a:noFill/>
                 </a:ln>
                 <a:solidFill>
-                  <a:srgbClr val="333333"/>
+                  <a:schemeClr val="tx1"/>
                 </a:solidFill>
                 <a:effectLst/>
-                <a:latin typeface="Arial" panose="020B0604020202020204" pitchFamily="34" charset="0"/>
-                <a:ea typeface="Lexend"/>
+                <a:latin typeface="华光黑体_CNKI" panose="02000500000000000000" pitchFamily="2" charset="-122"/>
+                <a:ea typeface="华光黑体_CNKI" panose="02000500000000000000" pitchFamily="2" charset="-122"/>
               </a:rPr>
-              <a:t>通过计算机网络与离散的不同节点相连</a:t>
-            </a:r>
-            <a:endParaRPr lang="en-US" altLang="zh-CN" dirty="0">
-              <a:solidFill>
-                <a:srgbClr val="333333"/>
-              </a:solidFill>
-              <a:latin typeface="Arial" panose="020B0604020202020204" pitchFamily="34" charset="0"/>
-              <a:ea typeface="Lexend"/>
-            </a:endParaRPr>
-          </a:p>
-          <a:p>
-            <a:r>
-              <a:rPr kumimoji="0" lang="zh-CN" altLang="zh-CN" sz="1600" b="0" i="0" u="none" strike="noStrike" cap="none" normalizeH="0" baseline="0" dirty="0">
-                <a:ln>
-                  <a:noFill/>
-                </a:ln>
-                <a:solidFill>
-                  <a:srgbClr val="333333"/>
+              <a:t>,</a:t>
+            </a:r>
+            <a:r>
+              <a:rPr lang="zh-CN" altLang="zh-CN" sz="2800" b="0" dirty="0">
+                <a:solidFill>
+                  <a:schemeClr val="tx1"/>
                 </a:solidFill>
                 <a:effectLst/>
-                <a:latin typeface="Arial" panose="020B0604020202020204" pitchFamily="34" charset="0"/>
-                <a:ea typeface="Lexend"/>
+                <a:latin typeface="华光黑体_CNKI" panose="02000500000000000000" pitchFamily="2" charset="-122"/>
+                <a:ea typeface="华光黑体_CNKI" panose="02000500000000000000" pitchFamily="2" charset="-122"/>
+                <a:cs typeface="Times New Roman" panose="02020603050405020304" pitchFamily="18" charset="0"/>
               </a:rPr>
-              <a:t>用户公开</a:t>
-            </a:r>
-            <a:r>
-              <a:rPr kumimoji="0" lang="zh-CN" altLang="en-US" sz="1600" b="0" i="0" u="none" strike="noStrike" cap="none" normalizeH="0" baseline="0" dirty="0">
-                <a:ln>
-                  <a:noFill/>
-                </a:ln>
-                <a:solidFill>
-                  <a:srgbClr val="333333"/>
-                </a:solidFill>
-                <a:effectLst/>
-                <a:latin typeface="Arial" panose="020B0604020202020204" pitchFamily="34" charset="0"/>
-                <a:ea typeface="Lexend"/>
-              </a:rPr>
-              <a:t>的</a:t>
-            </a:r>
-            <a:r>
-              <a:rPr kumimoji="0" lang="zh-CN" altLang="zh-CN" sz="1600" b="0" i="0" u="none" strike="noStrike" cap="none" normalizeH="0" baseline="0" dirty="0">
-                <a:ln>
-                  <a:noFill/>
-                </a:ln>
-                <a:solidFill>
-                  <a:srgbClr val="333333"/>
-                </a:solidFill>
-                <a:effectLst/>
-                <a:latin typeface="Arial" panose="020B0604020202020204" pitchFamily="34" charset="0"/>
-                <a:ea typeface="Lexend"/>
-              </a:rPr>
-              <a:t>公共目录</a:t>
-            </a:r>
-            <a:r>
-              <a:rPr kumimoji="0" lang="zh-CN" altLang="en-US" sz="1600" b="0" i="0" u="none" strike="noStrike" cap="none" normalizeH="0" baseline="0" dirty="0">
-                <a:ln>
-                  <a:noFill/>
-                </a:ln>
-                <a:solidFill>
-                  <a:srgbClr val="333333"/>
-                </a:solidFill>
-                <a:effectLst/>
-                <a:latin typeface="Arial" panose="020B0604020202020204" pitchFamily="34" charset="0"/>
-                <a:ea typeface="Lexend"/>
-              </a:rPr>
-              <a:t>可以被其他客户机访问</a:t>
-            </a:r>
-            <a:endParaRPr kumimoji="0" lang="zh-CN" altLang="zh-CN" sz="1600" b="0" i="0" u="none" strike="noStrike" cap="none" normalizeH="0" baseline="0" dirty="0">
+              <a:t>减少内核态和用户态之间的数据拷贝，提高文件吞吐效率和处理能力</a:t>
+            </a:r>
+            <a:endParaRPr kumimoji="0" lang="zh-CN" altLang="zh-CN" sz="2800" b="0" i="0" u="none" strike="noStrike" cap="none" normalizeH="0" baseline="0" dirty="0">
               <a:ln>
                 <a:noFill/>
               </a:ln>
@@ -14630,97 +15318,9 @@
                 <a:schemeClr val="tx1"/>
               </a:solidFill>
               <a:effectLst/>
-              <a:latin typeface="Arial" panose="020B0604020202020204" pitchFamily="34" charset="0"/>
+              <a:latin typeface="华光黑体_CNKI" panose="02000500000000000000" pitchFamily="2" charset="-122"/>
+              <a:ea typeface="华光黑体_CNKI" panose="02000500000000000000" pitchFamily="2" charset="-122"/>
             </a:endParaRPr>
-          </a:p>
-        </p:txBody>
-      </p:sp>
-      <p:sp>
-        <p:nvSpPr>
-          <p:cNvPr id="6" name="文本占位符 5">
-            <a:extLst>
-              <a:ext uri="{FF2B5EF4-FFF2-40B4-BE49-F238E27FC236}">
-                <a16:creationId xmlns:a16="http://schemas.microsoft.com/office/drawing/2014/main" id="{846865D3-E9E5-FDDD-B091-FE6F9039C6EA}"/>
-              </a:ext>
-            </a:extLst>
-          </p:cNvPr>
-          <p:cNvSpPr>
-            <a:spLocks noGrp="1"/>
-          </p:cNvSpPr>
-          <p:nvPr>
-            <p:ph type="body" sz="quarter" idx="16"/>
-          </p:nvPr>
-        </p:nvSpPr>
-        <p:spPr>
-          <a:xfrm>
-            <a:off x="5943600" y="3401568"/>
-            <a:ext cx="5599176" cy="1682750"/>
-          </a:xfrm>
-        </p:spPr>
-        <p:txBody>
-          <a:bodyPr rtlCol="0"/>
-          <a:lstStyle>
-            <a:defPPr>
-              <a:defRPr lang="zh-CN"/>
-            </a:defPPr>
-          </a:lstStyle>
-          <a:p>
-            <a:r>
-              <a:rPr lang="en-US" altLang="zh-CN" dirty="0"/>
-              <a:t>Extended Berkeley Packet Filter</a:t>
-            </a:r>
-          </a:p>
-          <a:p>
-            <a:r>
-              <a:rPr lang="zh-CN" altLang="en-US" dirty="0"/>
-              <a:t>可编程的内核技术</a:t>
-            </a:r>
-            <a:endParaRPr lang="en-US" altLang="zh-CN" dirty="0"/>
-          </a:p>
-          <a:p>
-            <a:r>
-              <a:rPr lang="zh-CN" altLang="en-US" dirty="0"/>
-              <a:t>优点：高效、灵活、安全的内核编程能力，不需修改内核源码动态改变内核行为</a:t>
-            </a:r>
-            <a:endParaRPr lang="en-US" altLang="zh-CN" dirty="0"/>
-          </a:p>
-          <a:p>
-            <a:endParaRPr lang="zh-CN" altLang="en-US" dirty="0"/>
-          </a:p>
-        </p:txBody>
-      </p:sp>
-      <p:sp>
-        <p:nvSpPr>
-          <p:cNvPr id="13" name="灯片编号占位符 12">
-            <a:extLst>
-              <a:ext uri="{FF2B5EF4-FFF2-40B4-BE49-F238E27FC236}">
-                <a16:creationId xmlns:a16="http://schemas.microsoft.com/office/drawing/2014/main" id="{941D71DF-7225-6C66-9D2B-FAACEFF20849}"/>
-              </a:ext>
-            </a:extLst>
-          </p:cNvPr>
-          <p:cNvSpPr>
-            <a:spLocks noGrp="1"/>
-          </p:cNvSpPr>
-          <p:nvPr>
-            <p:ph type="sldNum" sz="quarter" idx="12"/>
-          </p:nvPr>
-        </p:nvSpPr>
-        <p:spPr/>
-        <p:txBody>
-          <a:bodyPr rtlCol="0"/>
-          <a:lstStyle>
-            <a:defPPr>
-              <a:defRPr lang="zh-CN"/>
-            </a:defPPr>
-          </a:lstStyle>
-          <a:p>
-            <a:pPr rtl="0"/>
-            <a:fld id="{5BFCF61C-3B18-4C03-8326-CC3B32D710C9}" type="slidenum">
-              <a:rPr lang="en-US" altLang="zh-CN" smtClean="0"/>
-              <a:pPr rtl="0"/>
-              <a:t>3</a:t>
-            </a:fld>
-            <a:endParaRPr lang="zh-CN"/>
           </a:p>
         </p:txBody>
       </p:sp>
@@ -14754,42 +15354,12 @@
           <a:chExt cx="0" cy="0"/>
         </a:xfrm>
       </p:grpSpPr>
-      <p:pic>
-        <p:nvPicPr>
-          <p:cNvPr id="15" name="图片 14">
-            <a:extLst>
-              <a:ext uri="{FF2B5EF4-FFF2-40B4-BE49-F238E27FC236}">
-                <a16:creationId xmlns:a16="http://schemas.microsoft.com/office/drawing/2014/main" id="{A5D1EA71-7B60-4F74-B6FA-5698A7289775}"/>
-              </a:ext>
-            </a:extLst>
-          </p:cNvPr>
-          <p:cNvPicPr>
-            <a:picLocks noChangeAspect="1"/>
-          </p:cNvPicPr>
-          <p:nvPr/>
-        </p:nvPicPr>
-        <p:blipFill>
-          <a:blip r:embed="rId3"/>
-          <a:stretch>
-            <a:fillRect/>
-          </a:stretch>
-        </p:blipFill>
-        <p:spPr>
-          <a:xfrm>
-            <a:off x="3215302" y="1282173"/>
-            <a:ext cx="8976698" cy="4443240"/>
-          </a:xfrm>
-          <a:prstGeom prst="rect">
-            <a:avLst/>
-          </a:prstGeom>
-        </p:spPr>
-      </p:pic>
       <p:sp>
         <p:nvSpPr>
           <p:cNvPr id="2" name="标题 1">
             <a:extLst>
               <a:ext uri="{FF2B5EF4-FFF2-40B4-BE49-F238E27FC236}">
-                <a16:creationId xmlns:a16="http://schemas.microsoft.com/office/drawing/2014/main" id="{D53393CE-9363-72CB-FD40-73A65C0DCC57}"/>
+                <a16:creationId xmlns:a16="http://schemas.microsoft.com/office/drawing/2014/main" id="{A98BDE3D-CB39-03D2-545F-5283024761BD}"/>
               </a:ext>
             </a:extLst>
           </p:cNvPr>
@@ -14800,12 +15370,7 @@
             <p:ph type="title"/>
           </p:nvPr>
         </p:nvSpPr>
-        <p:spPr>
-          <a:xfrm>
-            <a:off x="323258" y="1132587"/>
-            <a:ext cx="2892044" cy="1682749"/>
-          </a:xfrm>
-        </p:spPr>
+        <p:spPr/>
         <p:txBody>
           <a:bodyPr rtlCol="0"/>
           <a:lstStyle>
@@ -14814,27 +15379,20 @@
             </a:defPPr>
           </a:lstStyle>
           <a:p>
-            <a:pPr rtl="0"/>
-            <a:r>
-              <a:rPr lang="en-US" altLang="zh-CN" dirty="0" err="1">
-                <a:latin typeface="+mn-lt"/>
-              </a:rPr>
-              <a:t>ebpf</a:t>
-            </a:r>
             <a:r>
               <a:rPr lang="zh-CN" altLang="en-US" dirty="0"/>
-              <a:t>的特点</a:t>
-            </a:r>
-            <a:endParaRPr lang="zh-CN" dirty="0"/>
-          </a:p>
-        </p:txBody>
-      </p:sp>
-      <p:sp>
-        <p:nvSpPr>
-          <p:cNvPr id="4" name="文本占位符 3">
-            <a:extLst>
-              <a:ext uri="{FF2B5EF4-FFF2-40B4-BE49-F238E27FC236}">
-                <a16:creationId xmlns:a16="http://schemas.microsoft.com/office/drawing/2014/main" id="{59013870-8786-7090-C9CF-E1E30DC7B922}"/>
+              <a:t>什么是分布式文件系统？</a:t>
+            </a:r>
+            <a:endParaRPr lang="en-US" altLang="zh-CN" dirty="0"/>
+          </a:p>
+        </p:txBody>
+      </p:sp>
+      <p:sp>
+        <p:nvSpPr>
+          <p:cNvPr id="5" name="文本占位符 4">
+            <a:extLst>
+              <a:ext uri="{FF2B5EF4-FFF2-40B4-BE49-F238E27FC236}">
+                <a16:creationId xmlns:a16="http://schemas.microsoft.com/office/drawing/2014/main" id="{51683C73-2637-AC0E-5A6B-47B6C6CB9E2A}"/>
               </a:ext>
             </a:extLst>
           </p:cNvPr>
@@ -14842,13 +15400,13 @@
             <a:spLocks noGrp="1"/>
           </p:cNvSpPr>
           <p:nvPr>
-            <p:ph type="body" sz="quarter" idx="14"/>
+            <p:ph type="body" sz="quarter" idx="15"/>
           </p:nvPr>
         </p:nvSpPr>
         <p:spPr>
           <a:xfrm>
-            <a:off x="5019208" y="3941064"/>
-            <a:ext cx="4828032" cy="490538"/>
+            <a:off x="603504" y="3097608"/>
+            <a:ext cx="8235696" cy="2097245"/>
           </a:xfrm>
         </p:spPr>
         <p:txBody>
@@ -14859,59 +15417,132 @@
             </a:defPPr>
           </a:lstStyle>
           <a:p>
-            <a:pPr rtl="0"/>
-            <a:r>
-              <a:rPr lang="en-US" altLang="zh-CN" dirty="0"/>
-              <a:t>Maps</a:t>
-            </a:r>
-            <a:endParaRPr lang="zh-CN" dirty="0"/>
-          </a:p>
-        </p:txBody>
-      </p:sp>
-      <p:sp>
-        <p:nvSpPr>
-          <p:cNvPr id="6" name="文本占位符 5">
-            <a:extLst>
-              <a:ext uri="{FF2B5EF4-FFF2-40B4-BE49-F238E27FC236}">
-                <a16:creationId xmlns:a16="http://schemas.microsoft.com/office/drawing/2014/main" id="{FC51C3F1-54D5-8F63-473C-F7876B8CE120}"/>
-              </a:ext>
-            </a:extLst>
-          </p:cNvPr>
-          <p:cNvSpPr>
-            <a:spLocks noGrp="1"/>
-          </p:cNvSpPr>
-          <p:nvPr>
-            <p:ph type="body" sz="quarter" idx="16"/>
-          </p:nvPr>
-        </p:nvSpPr>
-        <p:spPr>
-          <a:xfrm>
-            <a:off x="0" y="3429000"/>
-            <a:ext cx="2892043" cy="3208242"/>
-          </a:xfrm>
-        </p:spPr>
-        <p:txBody>
-          <a:bodyPr rtlCol="0"/>
-          <a:lstStyle>
-            <a:defPPr>
-              <a:defRPr lang="zh-CN"/>
-            </a:defPPr>
-          </a:lstStyle>
-          <a:p>
-            <a:pPr rtl="0"/>
-            <a:r>
-              <a:rPr lang="zh-CN" altLang="en-US" dirty="0"/>
-              <a:t>可以在不修改内核源代码的情况下，动态地改变内核的行为</a:t>
-            </a:r>
-            <a:endParaRPr lang="en-US" altLang="zh-CN" dirty="0"/>
-          </a:p>
-          <a:p>
-            <a:pPr rtl="0"/>
-            <a:r>
-              <a:rPr lang="zh-CN" altLang="en-US" dirty="0"/>
-              <a:t>提供高效、灵活、安全的内核编程能力，而不需要重新编译或重启内核。</a:t>
-            </a:r>
-            <a:endParaRPr lang="zh-CN" dirty="0"/>
+            <a:r>
+              <a:rPr kumimoji="0" lang="zh-CN" altLang="zh-CN" sz="2400" b="0" i="0" u="none" strike="noStrike" cap="none" normalizeH="0" baseline="0" dirty="0">
+                <a:ln>
+                  <a:noFill/>
+                </a:ln>
+                <a:solidFill>
+                  <a:srgbClr val="333333"/>
+                </a:solidFill>
+                <a:effectLst/>
+                <a:latin typeface="Arial" panose="020B0604020202020204" pitchFamily="34" charset="0"/>
+                <a:ea typeface="Lexend"/>
+              </a:rPr>
+              <a:t>管理的物理存储资源不直接连接在本地节点上</a:t>
+            </a:r>
+            <a:endParaRPr kumimoji="0" lang="en-US" altLang="zh-CN" sz="2400" b="0" i="0" u="none" strike="noStrike" cap="none" normalizeH="0" baseline="0" dirty="0">
+              <a:ln>
+                <a:noFill/>
+              </a:ln>
+              <a:solidFill>
+                <a:srgbClr val="333333"/>
+              </a:solidFill>
+              <a:effectLst/>
+              <a:latin typeface="Arial" panose="020B0604020202020204" pitchFamily="34" charset="0"/>
+              <a:ea typeface="Lexend"/>
+            </a:endParaRPr>
+          </a:p>
+          <a:p>
+            <a:r>
+              <a:rPr lang="zh-CN" altLang="en-US" sz="2400" dirty="0">
+                <a:solidFill>
+                  <a:srgbClr val="333333"/>
+                </a:solidFill>
+                <a:latin typeface="Arial" panose="020B0604020202020204" pitchFamily="34" charset="0"/>
+                <a:ea typeface="Lexend"/>
+              </a:rPr>
+              <a:t>物理资源</a:t>
+            </a:r>
+            <a:r>
+              <a:rPr kumimoji="0" lang="zh-CN" altLang="zh-CN" sz="2400" b="0" i="0" u="none" strike="noStrike" cap="none" normalizeH="0" baseline="0" dirty="0">
+                <a:ln>
+                  <a:noFill/>
+                </a:ln>
+                <a:solidFill>
+                  <a:srgbClr val="333333"/>
+                </a:solidFill>
+                <a:effectLst/>
+                <a:latin typeface="Arial" panose="020B0604020202020204" pitchFamily="34" charset="0"/>
+                <a:ea typeface="Lexend"/>
+              </a:rPr>
+              <a:t>通过计算机网络与离散的不同节点相连</a:t>
+            </a:r>
+            <a:endParaRPr lang="en-US" altLang="zh-CN" sz="2400" dirty="0">
+              <a:solidFill>
+                <a:srgbClr val="333333"/>
+              </a:solidFill>
+              <a:latin typeface="Arial" panose="020B0604020202020204" pitchFamily="34" charset="0"/>
+              <a:ea typeface="Lexend"/>
+            </a:endParaRPr>
+          </a:p>
+          <a:p>
+            <a:r>
+              <a:rPr kumimoji="0" lang="zh-CN" altLang="zh-CN" sz="2400" b="0" i="0" u="none" strike="noStrike" cap="none" normalizeH="0" baseline="0" dirty="0">
+                <a:ln>
+                  <a:noFill/>
+                </a:ln>
+                <a:solidFill>
+                  <a:srgbClr val="333333"/>
+                </a:solidFill>
+                <a:effectLst/>
+                <a:latin typeface="Arial" panose="020B0604020202020204" pitchFamily="34" charset="0"/>
+                <a:ea typeface="Lexend"/>
+              </a:rPr>
+              <a:t>用户公开</a:t>
+            </a:r>
+            <a:r>
+              <a:rPr kumimoji="0" lang="zh-CN" altLang="en-US" sz="2400" b="0" i="0" u="none" strike="noStrike" cap="none" normalizeH="0" baseline="0" dirty="0">
+                <a:ln>
+                  <a:noFill/>
+                </a:ln>
+                <a:solidFill>
+                  <a:srgbClr val="333333"/>
+                </a:solidFill>
+                <a:effectLst/>
+                <a:latin typeface="Arial" panose="020B0604020202020204" pitchFamily="34" charset="0"/>
+                <a:ea typeface="Lexend"/>
+              </a:rPr>
+              <a:t>的</a:t>
+            </a:r>
+            <a:r>
+              <a:rPr kumimoji="0" lang="zh-CN" altLang="zh-CN" sz="2400" b="0" i="0" u="none" strike="noStrike" cap="none" normalizeH="0" baseline="0" dirty="0">
+                <a:ln>
+                  <a:noFill/>
+                </a:ln>
+                <a:solidFill>
+                  <a:srgbClr val="333333"/>
+                </a:solidFill>
+                <a:effectLst/>
+                <a:latin typeface="Arial" panose="020B0604020202020204" pitchFamily="34" charset="0"/>
+                <a:ea typeface="Lexend"/>
+              </a:rPr>
+              <a:t>公共目录</a:t>
+            </a:r>
+            <a:r>
+              <a:rPr kumimoji="0" lang="zh-CN" altLang="en-US" sz="2400" b="0" i="0" u="none" strike="noStrike" cap="none" normalizeH="0" baseline="0" dirty="0">
+                <a:ln>
+                  <a:noFill/>
+                </a:ln>
+                <a:solidFill>
+                  <a:srgbClr val="333333"/>
+                </a:solidFill>
+                <a:effectLst/>
+                <a:latin typeface="Arial" panose="020B0604020202020204" pitchFamily="34" charset="0"/>
+                <a:ea typeface="Lexend"/>
+              </a:rPr>
+              <a:t>可以被其他客户机访问</a:t>
+            </a:r>
+            <a:endParaRPr kumimoji="0" lang="zh-CN" altLang="zh-CN" sz="2400" b="0" i="0" u="none" strike="noStrike" cap="none" normalizeH="0" baseline="0" dirty="0">
+              <a:ln>
+                <a:noFill/>
+              </a:ln>
+              <a:solidFill>
+                <a:schemeClr val="tx1"/>
+              </a:solidFill>
+              <a:effectLst/>
+              <a:latin typeface="Arial" panose="020B0604020202020204" pitchFamily="34" charset="0"/>
+            </a:endParaRPr>
           </a:p>
         </p:txBody>
       </p:sp>
@@ -14920,7 +15551,7 @@
           <p:cNvPr id="13" name="灯片编号占位符 12">
             <a:extLst>
               <a:ext uri="{FF2B5EF4-FFF2-40B4-BE49-F238E27FC236}">
-                <a16:creationId xmlns:a16="http://schemas.microsoft.com/office/drawing/2014/main" id="{CB0BAE21-4E4A-BE6E-EE84-D535446B94CD}"/>
+                <a16:creationId xmlns:a16="http://schemas.microsoft.com/office/drawing/2014/main" id="{941D71DF-7225-6C66-9D2B-FAACEFF20849}"/>
               </a:ext>
             </a:extLst>
           </p:cNvPr>
@@ -14953,7 +15584,7 @@
     </p:spTree>
     <p:extLst>
       <p:ext uri="{BB962C8B-B14F-4D97-AF65-F5344CB8AC3E}">
-        <p14:creationId xmlns:p14="http://schemas.microsoft.com/office/powerpoint/2010/main" val="4122396240"/>
+        <p14:creationId xmlns:p14="http://schemas.microsoft.com/office/powerpoint/2010/main" val="3311614243"/>
       </p:ext>
     </p:extLst>
   </p:cSld>
@@ -14982,10 +15613,10 @@
       </p:grpSpPr>
       <p:sp>
         <p:nvSpPr>
-          <p:cNvPr id="2" name="灯片编号占位符 1">
-            <a:extLst>
-              <a:ext uri="{FF2B5EF4-FFF2-40B4-BE49-F238E27FC236}">
-                <a16:creationId xmlns:a16="http://schemas.microsoft.com/office/drawing/2014/main" id="{067D3E93-045B-440D-A2B0-64F3DCB97112}"/>
+          <p:cNvPr id="2" name="标题 1">
+            <a:extLst>
+              <a:ext uri="{FF2B5EF4-FFF2-40B4-BE49-F238E27FC236}">
+                <a16:creationId xmlns:a16="http://schemas.microsoft.com/office/drawing/2014/main" id="{A98BDE3D-CB39-03D2-545F-5283024761BD}"/>
               </a:ext>
             </a:extLst>
           </p:cNvPr>
@@ -14993,214 +15624,130 @@
             <a:spLocks noGrp="1"/>
           </p:cNvSpPr>
           <p:nvPr>
+            <p:ph type="title"/>
+          </p:nvPr>
+        </p:nvSpPr>
+        <p:spPr/>
+        <p:txBody>
+          <a:bodyPr rtlCol="0"/>
+          <a:lstStyle>
+            <a:defPPr>
+              <a:defRPr lang="zh-CN"/>
+            </a:defPPr>
+          </a:lstStyle>
+          <a:p>
+            <a:r>
+              <a:rPr lang="zh-CN" altLang="en-US" dirty="0"/>
+              <a:t>什么是</a:t>
+            </a:r>
+            <a:r>
+              <a:rPr lang="en-US" altLang="zh-CN" dirty="0" err="1"/>
+              <a:t>eBPF</a:t>
+            </a:r>
+            <a:r>
+              <a:rPr lang="zh-CN" altLang="en-US" dirty="0"/>
+              <a:t>？</a:t>
+            </a:r>
+            <a:br>
+              <a:rPr lang="en-US" altLang="zh-CN" dirty="0"/>
+            </a:br>
+            <a:endParaRPr lang="zh-CN" dirty="0"/>
+          </a:p>
+        </p:txBody>
+      </p:sp>
+      <p:sp>
+        <p:nvSpPr>
+          <p:cNvPr id="6" name="文本占位符 5">
+            <a:extLst>
+              <a:ext uri="{FF2B5EF4-FFF2-40B4-BE49-F238E27FC236}">
+                <a16:creationId xmlns:a16="http://schemas.microsoft.com/office/drawing/2014/main" id="{846865D3-E9E5-FDDD-B091-FE6F9039C6EA}"/>
+              </a:ext>
+            </a:extLst>
+          </p:cNvPr>
+          <p:cNvSpPr>
+            <a:spLocks noGrp="1"/>
+          </p:cNvSpPr>
+          <p:nvPr>
+            <p:ph type="body" sz="quarter" idx="16"/>
+          </p:nvPr>
+        </p:nvSpPr>
+        <p:spPr>
+          <a:xfrm>
+            <a:off x="603504" y="2925329"/>
+            <a:ext cx="10183766" cy="2258070"/>
+          </a:xfrm>
+        </p:spPr>
+        <p:txBody>
+          <a:bodyPr rtlCol="0"/>
+          <a:lstStyle>
+            <a:defPPr>
+              <a:defRPr lang="zh-CN"/>
+            </a:defPPr>
+          </a:lstStyle>
+          <a:p>
+            <a:r>
+              <a:rPr lang="en-US" altLang="zh-CN" sz="2400" dirty="0"/>
+              <a:t>Extended Berkeley Packet Filter</a:t>
+            </a:r>
+          </a:p>
+          <a:p>
+            <a:r>
+              <a:rPr lang="zh-CN" altLang="en-US" sz="2400" dirty="0"/>
+              <a:t>可编程的内核技术</a:t>
+            </a:r>
+            <a:endParaRPr lang="en-US" altLang="zh-CN" sz="2400" dirty="0"/>
+          </a:p>
+          <a:p>
+            <a:r>
+              <a:rPr lang="zh-CN" altLang="en-US" sz="2400" dirty="0"/>
+              <a:t>优点：高效、灵活、安全的内核编程能力，不需修改内核源码动态改变内核行为</a:t>
+            </a:r>
+            <a:endParaRPr lang="en-US" altLang="zh-CN" sz="2400" dirty="0"/>
+          </a:p>
+          <a:p>
+            <a:endParaRPr lang="zh-CN" altLang="en-US" dirty="0"/>
+          </a:p>
+        </p:txBody>
+      </p:sp>
+      <p:sp>
+        <p:nvSpPr>
+          <p:cNvPr id="13" name="灯片编号占位符 12">
+            <a:extLst>
+              <a:ext uri="{FF2B5EF4-FFF2-40B4-BE49-F238E27FC236}">
+                <a16:creationId xmlns:a16="http://schemas.microsoft.com/office/drawing/2014/main" id="{941D71DF-7225-6C66-9D2B-FAACEFF20849}"/>
+              </a:ext>
+            </a:extLst>
+          </p:cNvPr>
+          <p:cNvSpPr>
+            <a:spLocks noGrp="1"/>
+          </p:cNvSpPr>
+          <p:nvPr>
             <p:ph type="sldNum" sz="quarter" idx="12"/>
           </p:nvPr>
         </p:nvSpPr>
         <p:spPr/>
         <p:txBody>
-          <a:bodyPr/>
-          <a:lstStyle/>
+          <a:bodyPr rtlCol="0"/>
+          <a:lstStyle>
+            <a:defPPr>
+              <a:defRPr lang="zh-CN"/>
+            </a:defPPr>
+          </a:lstStyle>
           <a:p>
             <a:pPr rtl="0"/>
             <a:fld id="{5BFCF61C-3B18-4C03-8326-CC3B32D710C9}" type="slidenum">
-              <a:rPr lang="en-US" altLang="zh-CN" noProof="0" smtClean="0"/>
+              <a:rPr lang="en-US" altLang="zh-CN" smtClean="0"/>
               <a:pPr rtl="0"/>
               <a:t>5</a:t>
             </a:fld>
-            <a:endParaRPr lang="zh-CN" noProof="0"/>
-          </a:p>
-        </p:txBody>
-      </p:sp>
-      <p:sp>
-        <p:nvSpPr>
-          <p:cNvPr id="3" name="标题 2">
-            <a:extLst>
-              <a:ext uri="{FF2B5EF4-FFF2-40B4-BE49-F238E27FC236}">
-                <a16:creationId xmlns:a16="http://schemas.microsoft.com/office/drawing/2014/main" id="{51706A7D-C4D6-4B39-99CA-762300C35E0A}"/>
-              </a:ext>
-            </a:extLst>
-          </p:cNvPr>
-          <p:cNvSpPr>
-            <a:spLocks noGrp="1"/>
-          </p:cNvSpPr>
-          <p:nvPr>
-            <p:ph type="title"/>
-          </p:nvPr>
-        </p:nvSpPr>
-        <p:spPr>
-          <a:xfrm>
-            <a:off x="227245" y="1252728"/>
-            <a:ext cx="3599688" cy="1682749"/>
-          </a:xfrm>
-        </p:spPr>
-        <p:txBody>
-          <a:bodyPr/>
-          <a:lstStyle/>
-          <a:p>
-            <a:r>
-              <a:rPr lang="zh-CN" altLang="en-US" dirty="0"/>
-              <a:t>开发工具链：</a:t>
-            </a:r>
-            <a:r>
-              <a:rPr lang="en-US" altLang="zh-CN" dirty="0"/>
-              <a:t>BCC</a:t>
-            </a:r>
-            <a:endParaRPr lang="zh-CN" altLang="en-US" dirty="0"/>
-          </a:p>
-        </p:txBody>
-      </p:sp>
-      <p:sp>
-        <p:nvSpPr>
-          <p:cNvPr id="5" name="文本占位符 4">
-            <a:extLst>
-              <a:ext uri="{FF2B5EF4-FFF2-40B4-BE49-F238E27FC236}">
-                <a16:creationId xmlns:a16="http://schemas.microsoft.com/office/drawing/2014/main" id="{E631B236-D9F0-4352-B3AF-C1DFAA6D1D0F}"/>
-              </a:ext>
-            </a:extLst>
-          </p:cNvPr>
-          <p:cNvSpPr>
-            <a:spLocks noGrp="1"/>
-          </p:cNvSpPr>
-          <p:nvPr>
-            <p:ph type="body" sz="quarter" idx="14"/>
-          </p:nvPr>
-        </p:nvSpPr>
-        <p:spPr/>
-        <p:txBody>
-          <a:bodyPr/>
-          <a:lstStyle/>
-          <a:p>
-            <a:endParaRPr lang="zh-CN" altLang="en-US"/>
-          </a:p>
-        </p:txBody>
-      </p:sp>
-      <p:sp>
-        <p:nvSpPr>
-          <p:cNvPr id="6" name="文本占位符 5">
-            <a:extLst>
-              <a:ext uri="{FF2B5EF4-FFF2-40B4-BE49-F238E27FC236}">
-                <a16:creationId xmlns:a16="http://schemas.microsoft.com/office/drawing/2014/main" id="{BE8B1081-D98D-4173-84B0-66AE82AB350B}"/>
-              </a:ext>
-            </a:extLst>
-          </p:cNvPr>
-          <p:cNvSpPr>
-            <a:spLocks noGrp="1"/>
-          </p:cNvSpPr>
-          <p:nvPr>
-            <p:ph type="body" sz="quarter" idx="15"/>
-          </p:nvPr>
-        </p:nvSpPr>
-        <p:spPr>
-          <a:xfrm>
-            <a:off x="227245" y="3760452"/>
-            <a:ext cx="2871555" cy="1682750"/>
-          </a:xfrm>
-        </p:spPr>
-        <p:txBody>
-          <a:bodyPr/>
-          <a:lstStyle/>
-          <a:p>
-            <a:r>
-              <a:rPr lang="zh-CN" altLang="en-US" dirty="0"/>
-              <a:t>大部分基于</a:t>
-            </a:r>
-            <a:r>
-              <a:rPr lang="en-US" altLang="zh-CN" dirty="0"/>
-              <a:t>C</a:t>
-            </a:r>
-            <a:r>
-              <a:rPr lang="zh-CN" altLang="en-US" dirty="0"/>
-              <a:t>和</a:t>
-            </a:r>
-            <a:r>
-              <a:rPr lang="en-US" altLang="zh-CN" dirty="0"/>
-              <a:t>C++</a:t>
-            </a:r>
-            <a:r>
-              <a:rPr lang="zh-CN" altLang="en-US" dirty="0"/>
-              <a:t>实现</a:t>
-            </a:r>
-            <a:endParaRPr lang="en-US" altLang="zh-CN" dirty="0"/>
-          </a:p>
-          <a:p>
-            <a:r>
-              <a:rPr lang="en-US" altLang="zh-CN" dirty="0"/>
-              <a:t>Python</a:t>
-            </a:r>
-            <a:r>
-              <a:rPr lang="zh-CN" altLang="en-US" dirty="0"/>
-              <a:t>实现对</a:t>
-            </a:r>
-            <a:r>
-              <a:rPr lang="en-US" altLang="zh-CN" dirty="0"/>
-              <a:t>BCC</a:t>
-            </a:r>
-            <a:r>
-              <a:rPr lang="zh-CN" altLang="en-US" dirty="0"/>
-              <a:t>应用层的接口封装</a:t>
-            </a:r>
-          </a:p>
-        </p:txBody>
-      </p:sp>
-      <p:sp>
-        <p:nvSpPr>
-          <p:cNvPr id="7" name="文本占位符 6">
-            <a:extLst>
-              <a:ext uri="{FF2B5EF4-FFF2-40B4-BE49-F238E27FC236}">
-                <a16:creationId xmlns:a16="http://schemas.microsoft.com/office/drawing/2014/main" id="{A99B3C8E-6CD5-488A-B68E-4DA034AEEBF5}"/>
-              </a:ext>
-            </a:extLst>
-          </p:cNvPr>
-          <p:cNvSpPr>
-            <a:spLocks noGrp="1"/>
-          </p:cNvSpPr>
-          <p:nvPr>
-            <p:ph type="body" sz="quarter" idx="16"/>
-          </p:nvPr>
-        </p:nvSpPr>
-        <p:spPr/>
-        <p:txBody>
-          <a:bodyPr/>
-          <a:lstStyle/>
-          <a:p>
-            <a:endParaRPr lang="zh-CN" altLang="en-US"/>
-          </a:p>
-        </p:txBody>
-      </p:sp>
-      <p:pic>
-        <p:nvPicPr>
-          <p:cNvPr id="8" name="图片 7">
-            <a:extLst>
-              <a:ext uri="{FF2B5EF4-FFF2-40B4-BE49-F238E27FC236}">
-                <a16:creationId xmlns:a16="http://schemas.microsoft.com/office/drawing/2014/main" id="{8BA50361-4FC7-47EF-BB9F-7EA9FD2D4557}"/>
-              </a:ext>
-            </a:extLst>
-          </p:cNvPr>
-          <p:cNvPicPr>
-            <a:picLocks noChangeAspect="1"/>
-          </p:cNvPicPr>
-          <p:nvPr/>
-        </p:nvPicPr>
-        <p:blipFill>
-          <a:blip r:embed="rId2"/>
-          <a:stretch>
-            <a:fillRect/>
-          </a:stretch>
-        </p:blipFill>
-        <p:spPr>
-          <a:xfrm>
-            <a:off x="3393352" y="1984975"/>
-            <a:ext cx="8402408" cy="3638839"/>
-          </a:xfrm>
-          <a:prstGeom prst="rect">
-            <a:avLst/>
-          </a:prstGeom>
-        </p:spPr>
-      </p:pic>
+            <a:endParaRPr lang="zh-CN"/>
+          </a:p>
+        </p:txBody>
+      </p:sp>
     </p:spTree>
     <p:extLst>
       <p:ext uri="{BB962C8B-B14F-4D97-AF65-F5344CB8AC3E}">
-        <p14:creationId xmlns:p14="http://schemas.microsoft.com/office/powerpoint/2010/main" val="279943366"/>
+        <p14:creationId xmlns:p14="http://schemas.microsoft.com/office/powerpoint/2010/main" val="3304409813"/>
       </p:ext>
     </p:extLst>
   </p:cSld>
@@ -15227,12 +15774,42 @@
           <a:chExt cx="0" cy="0"/>
         </a:xfrm>
       </p:grpSpPr>
+      <p:pic>
+        <p:nvPicPr>
+          <p:cNvPr id="15" name="图片 14">
+            <a:extLst>
+              <a:ext uri="{FF2B5EF4-FFF2-40B4-BE49-F238E27FC236}">
+                <a16:creationId xmlns:a16="http://schemas.microsoft.com/office/drawing/2014/main" id="{A5D1EA71-7B60-4F74-B6FA-5698A7289775}"/>
+              </a:ext>
+            </a:extLst>
+          </p:cNvPr>
+          <p:cNvPicPr>
+            <a:picLocks noChangeAspect="1"/>
+          </p:cNvPicPr>
+          <p:nvPr/>
+        </p:nvPicPr>
+        <p:blipFill>
+          <a:blip r:embed="rId3"/>
+          <a:stretch>
+            <a:fillRect/>
+          </a:stretch>
+        </p:blipFill>
+        <p:spPr>
+          <a:xfrm>
+            <a:off x="3215302" y="1282173"/>
+            <a:ext cx="8976698" cy="4443240"/>
+          </a:xfrm>
+          <a:prstGeom prst="rect">
+            <a:avLst/>
+          </a:prstGeom>
+        </p:spPr>
+      </p:pic>
       <p:sp>
         <p:nvSpPr>
           <p:cNvPr id="2" name="标题 1">
             <a:extLst>
               <a:ext uri="{FF2B5EF4-FFF2-40B4-BE49-F238E27FC236}">
-                <a16:creationId xmlns:a16="http://schemas.microsoft.com/office/drawing/2014/main" id="{F7291133-2B2D-CB5C-25A3-A6BBC6AC48F6}"/>
+                <a16:creationId xmlns:a16="http://schemas.microsoft.com/office/drawing/2014/main" id="{D53393CE-9363-72CB-FD40-73A65C0DCC57}"/>
               </a:ext>
             </a:extLst>
           </p:cNvPr>
@@ -15243,7 +15820,12 @@
             <p:ph type="title"/>
           </p:nvPr>
         </p:nvSpPr>
-        <p:spPr/>
+        <p:spPr>
+          <a:xfrm>
+            <a:off x="161629" y="1132587"/>
+            <a:ext cx="2892044" cy="1682749"/>
+          </a:xfrm>
+        </p:spPr>
         <p:txBody>
           <a:bodyPr rtlCol="0"/>
           <a:lstStyle>
@@ -15254,23 +15836,23 @@
           <a:p>
             <a:pPr rtl="0"/>
             <a:r>
-              <a:rPr lang="en-US" altLang="zh-CN" dirty="0"/>
-              <a:t>Why</a:t>
-            </a:r>
-            <a:r>
-              <a:rPr lang="zh-CN" altLang="en-US" dirty="0"/>
-              <a:t>？</a:t>
-            </a:r>
-            <a:endParaRPr lang="zh-CN" dirty="0"/>
-          </a:p>
-        </p:txBody>
-      </p:sp>
-      <p:sp>
-        <p:nvSpPr>
-          <p:cNvPr id="3" name="文本占位符 2">
-            <a:extLst>
-              <a:ext uri="{FF2B5EF4-FFF2-40B4-BE49-F238E27FC236}">
-                <a16:creationId xmlns:a16="http://schemas.microsoft.com/office/drawing/2014/main" id="{330480BD-3EF5-7A7E-9E81-E73191A1D49D}"/>
+              <a:rPr lang="en-US" altLang="zh-CN" sz="4400" dirty="0"/>
+              <a:t>EBPF</a:t>
+            </a:r>
+            <a:r>
+              <a:rPr lang="zh-CN" altLang="en-US" sz="4400" dirty="0"/>
+              <a:t>特点</a:t>
+            </a:r>
+            <a:endParaRPr lang="zh-CN" sz="4400" dirty="0"/>
+          </a:p>
+        </p:txBody>
+      </p:sp>
+      <p:sp>
+        <p:nvSpPr>
+          <p:cNvPr id="4" name="文本占位符 3">
+            <a:extLst>
+              <a:ext uri="{FF2B5EF4-FFF2-40B4-BE49-F238E27FC236}">
+                <a16:creationId xmlns:a16="http://schemas.microsoft.com/office/drawing/2014/main" id="{59013870-8786-7090-C9CF-E1E30DC7B922}"/>
               </a:ext>
             </a:extLst>
           </p:cNvPr>
@@ -15278,10 +15860,15 @@
             <a:spLocks noGrp="1"/>
           </p:cNvSpPr>
           <p:nvPr>
-            <p:ph type="body" sz="quarter" idx="13"/>
-          </p:nvPr>
-        </p:nvSpPr>
-        <p:spPr/>
+            <p:ph type="body" sz="quarter" idx="14"/>
+          </p:nvPr>
+        </p:nvSpPr>
+        <p:spPr>
+          <a:xfrm>
+            <a:off x="5085469" y="4179603"/>
+            <a:ext cx="4828032" cy="490538"/>
+          </a:xfrm>
+        </p:spPr>
         <p:txBody>
           <a:bodyPr rtlCol="0"/>
           <a:lstStyle>
@@ -15292,16 +15879,8 @@
           <a:p>
             <a:pPr rtl="0"/>
             <a:r>
-              <a:rPr lang="zh-CN" altLang="en-US" dirty="0"/>
-              <a:t>提高分布式文件系统</a:t>
-            </a:r>
-            <a:r>
               <a:rPr lang="en-US" altLang="zh-CN" dirty="0"/>
-              <a:t>IO</a:t>
-            </a:r>
-            <a:r>
-              <a:rPr lang="zh-CN" altLang="en-US" dirty="0"/>
-              <a:t>性能的思路</a:t>
+              <a:t>Maps</a:t>
             </a:r>
             <a:endParaRPr lang="zh-CN" dirty="0"/>
           </a:p>
@@ -15309,10 +15888,10 @@
       </p:sp>
       <p:sp>
         <p:nvSpPr>
-          <p:cNvPr id="4" name="文本占位符 3">
-            <a:extLst>
-              <a:ext uri="{FF2B5EF4-FFF2-40B4-BE49-F238E27FC236}">
-                <a16:creationId xmlns:a16="http://schemas.microsoft.com/office/drawing/2014/main" id="{C86737C8-4322-77C9-4E34-94E5EE136DBC}"/>
+          <p:cNvPr id="6" name="文本占位符 5">
+            <a:extLst>
+              <a:ext uri="{FF2B5EF4-FFF2-40B4-BE49-F238E27FC236}">
+                <a16:creationId xmlns:a16="http://schemas.microsoft.com/office/drawing/2014/main" id="{FC51C3F1-54D5-8F63-473C-F7876B8CE120}"/>
               </a:ext>
             </a:extLst>
           </p:cNvPr>
@@ -15320,13 +15899,13 @@
             <a:spLocks noGrp="1"/>
           </p:cNvSpPr>
           <p:nvPr>
-            <p:ph type="body" sz="quarter" idx="15"/>
+            <p:ph type="body" sz="quarter" idx="16"/>
           </p:nvPr>
         </p:nvSpPr>
         <p:spPr>
           <a:xfrm>
-            <a:off x="917787" y="3974402"/>
-            <a:ext cx="10877973" cy="5229013"/>
+            <a:off x="0" y="3429000"/>
+            <a:ext cx="2892043" cy="3208242"/>
           </a:xfrm>
         </p:spPr>
         <p:txBody>
@@ -15340,83 +15919,35 @@
             <a:pPr rtl="0"/>
             <a:r>
               <a:rPr lang="zh-CN" altLang="en-US" dirty="0"/>
-              <a:t>网络</a:t>
+              <a:t>不修改内核源代码动态地改变内核的行为</a:t>
+            </a:r>
+            <a:endParaRPr lang="en-US" altLang="zh-CN" dirty="0"/>
+          </a:p>
+          <a:p>
+            <a:pPr rtl="0"/>
+            <a:r>
+              <a:rPr lang="zh-CN" altLang="en-US" dirty="0"/>
+              <a:t>事件驱动，在内核或应用程序通过钩点（</a:t>
             </a:r>
             <a:r>
               <a:rPr lang="en-US" altLang="zh-CN" dirty="0"/>
-              <a:t>IO</a:t>
+              <a:t>hook</a:t>
             </a:r>
             <a:r>
               <a:rPr lang="zh-CN" altLang="en-US" dirty="0"/>
-              <a:t>优化：如使用高性能网络设备、采用分布式存储技术、使用协议优化</a:t>
-            </a:r>
+              <a:t>）时运行</a:t>
+            </a:r>
+            <a:endParaRPr lang="en-US" altLang="zh-CN" dirty="0"/>
           </a:p>
           <a:p>
             <a:pPr rtl="0"/>
             <a:r>
+              <a:rPr lang="en-US" altLang="zh-CN" dirty="0"/>
+              <a:t>BPF maps</a:t>
+            </a:r>
+            <a:r>
               <a:rPr lang="zh-CN" altLang="en-US" dirty="0"/>
-              <a:t>存储设备优化：如使用高速</a:t>
-            </a:r>
-            <a:r>
-              <a:rPr lang="en-US" altLang="zh-CN" dirty="0"/>
-              <a:t>SSD</a:t>
-            </a:r>
-            <a:r>
-              <a:rPr lang="zh-CN" altLang="en-US" dirty="0"/>
-              <a:t>设备、用数据分布技术、使用</a:t>
-            </a:r>
-            <a:r>
-              <a:rPr lang="en-US" altLang="zh-CN" dirty="0"/>
-              <a:t>RAID</a:t>
-            </a:r>
-            <a:r>
-              <a:rPr lang="zh-CN" altLang="en-US" dirty="0"/>
-              <a:t>技术</a:t>
-            </a:r>
-          </a:p>
-          <a:p>
-            <a:pPr rtl="0"/>
-            <a:r>
-              <a:rPr lang="zh-CN" altLang="en-US" dirty="0"/>
-              <a:t>数据访问优化：如采用数据预读技术、进行缓存优化、使用数据分区存储技术</a:t>
-            </a:r>
-          </a:p>
-          <a:p>
-            <a:pPr rtl="0"/>
-            <a:r>
-              <a:rPr lang="zh-CN" altLang="en-US" dirty="0"/>
-              <a:t>内存管理优化：如优化系统内存参数、整理内存碎片</a:t>
-            </a:r>
-          </a:p>
-          <a:p>
-            <a:pPr rtl="0"/>
-            <a:r>
-              <a:rPr lang="zh-CN" altLang="en-US" dirty="0"/>
-              <a:t>引入新技术：如</a:t>
-            </a:r>
-            <a:r>
-              <a:rPr lang="en-US" altLang="zh-CN" dirty="0" err="1"/>
-              <a:t>eBPF</a:t>
-            </a:r>
-            <a:r>
-              <a:rPr lang="zh-CN" altLang="en-US" dirty="0"/>
-              <a:t>和</a:t>
-            </a:r>
-            <a:r>
-              <a:rPr lang="en-US" altLang="zh-CN" dirty="0"/>
-              <a:t>XDP</a:t>
-            </a:r>
-            <a:r>
-              <a:rPr lang="zh-CN" altLang="en-US" dirty="0"/>
-              <a:t>技术，可以在内核中优化文件系统的</a:t>
-            </a:r>
-            <a:r>
-              <a:rPr lang="en-US" altLang="zh-CN" dirty="0"/>
-              <a:t>IO</a:t>
-            </a:r>
-            <a:r>
-              <a:rPr lang="zh-CN" altLang="en-US" dirty="0"/>
-              <a:t>操作</a:t>
+              <a:t>实现用户空间和内核空间数据交换</a:t>
             </a:r>
             <a:endParaRPr lang="zh-CN" dirty="0"/>
           </a:p>
@@ -15424,10 +15955,10 @@
       </p:sp>
       <p:sp>
         <p:nvSpPr>
-          <p:cNvPr id="11" name="灯片编号占位符 10">
-            <a:extLst>
-              <a:ext uri="{FF2B5EF4-FFF2-40B4-BE49-F238E27FC236}">
-                <a16:creationId xmlns:a16="http://schemas.microsoft.com/office/drawing/2014/main" id="{F8FC4DAD-8F22-40DC-8133-22BF52217FB8}"/>
+          <p:cNvPr id="13" name="灯片编号占位符 12">
+            <a:extLst>
+              <a:ext uri="{FF2B5EF4-FFF2-40B4-BE49-F238E27FC236}">
+                <a16:creationId xmlns:a16="http://schemas.microsoft.com/office/drawing/2014/main" id="{CB0BAE21-4E4A-BE6E-EE84-D535446B94CD}"/>
               </a:ext>
             </a:extLst>
           </p:cNvPr>
@@ -15453,14 +15984,14 @@
               <a:pPr rtl="0"/>
               <a:t>6</a:t>
             </a:fld>
-            <a:endParaRPr lang="zh-CN"/>
+            <a:endParaRPr lang="zh-CN" dirty="0"/>
           </a:p>
         </p:txBody>
       </p:sp>
     </p:spTree>
     <p:extLst>
       <p:ext uri="{BB962C8B-B14F-4D97-AF65-F5344CB8AC3E}">
-        <p14:creationId xmlns:p14="http://schemas.microsoft.com/office/powerpoint/2010/main" val="901526237"/>
+        <p14:creationId xmlns:p14="http://schemas.microsoft.com/office/powerpoint/2010/main" val="4122396240"/>
       </p:ext>
     </p:extLst>
   </p:cSld>
@@ -15489,10 +16020,10 @@
       </p:grpSpPr>
       <p:sp>
         <p:nvSpPr>
-          <p:cNvPr id="2" name="标题 1">
-            <a:extLst>
-              <a:ext uri="{FF2B5EF4-FFF2-40B4-BE49-F238E27FC236}">
-                <a16:creationId xmlns:a16="http://schemas.microsoft.com/office/drawing/2014/main" id="{DB262C4D-3F97-1652-3A4A-C989986D9B65}"/>
+          <p:cNvPr id="2" name="灯片编号占位符 1">
+            <a:extLst>
+              <a:ext uri="{FF2B5EF4-FFF2-40B4-BE49-F238E27FC236}">
+                <a16:creationId xmlns:a16="http://schemas.microsoft.com/office/drawing/2014/main" id="{067D3E93-045B-440D-A2B0-64F3DCB97112}"/>
               </a:ext>
             </a:extLst>
           </p:cNvPr>
@@ -15500,182 +16031,172 @@
             <a:spLocks noGrp="1"/>
           </p:cNvSpPr>
           <p:nvPr>
-            <p:ph type="title"/>
-          </p:nvPr>
-        </p:nvSpPr>
-        <p:spPr>
-          <a:xfrm>
-            <a:off x="362712" y="1335024"/>
-            <a:ext cx="4846320" cy="1682749"/>
-          </a:xfrm>
-        </p:spPr>
-        <p:txBody>
-          <a:bodyPr rtlCol="0"/>
-          <a:lstStyle>
-            <a:defPPr>
-              <a:defRPr lang="zh-CN"/>
-            </a:defPPr>
-          </a:lstStyle>
-          <a:p>
-            <a:pPr rtl="0"/>
-            <a:r>
-              <a:rPr lang="zh-CN" altLang="en-US" dirty="0"/>
-              <a:t>传统</a:t>
-            </a:r>
-            <a:r>
-              <a:rPr lang="en-US" altLang="zh-CN" dirty="0"/>
-              <a:t>IO</a:t>
-            </a:r>
-            <a:r>
-              <a:rPr lang="zh-CN" altLang="en-US" dirty="0"/>
-              <a:t>模型</a:t>
-            </a:r>
-            <a:endParaRPr lang="zh-CN" dirty="0"/>
-          </a:p>
-        </p:txBody>
-      </p:sp>
-      <p:sp>
-        <p:nvSpPr>
-          <p:cNvPr id="3" name="文本占位符 2">
-            <a:extLst>
-              <a:ext uri="{FF2B5EF4-FFF2-40B4-BE49-F238E27FC236}">
-                <a16:creationId xmlns:a16="http://schemas.microsoft.com/office/drawing/2014/main" id="{B9136911-B582-CB5C-914D-58A0AE6AB75A}"/>
-              </a:ext>
-            </a:extLst>
-          </p:cNvPr>
-          <p:cNvSpPr>
-            <a:spLocks noGrp="1"/>
-          </p:cNvSpPr>
-          <p:nvPr>
-            <p:ph type="body" sz="quarter" idx="13"/>
-          </p:nvPr>
-        </p:nvSpPr>
-        <p:spPr>
-          <a:xfrm>
-            <a:off x="538000" y="3048529"/>
-            <a:ext cx="4828032" cy="490538"/>
-          </a:xfrm>
-        </p:spPr>
-        <p:txBody>
-          <a:bodyPr rtlCol="0"/>
-          <a:lstStyle>
-            <a:defPPr>
-              <a:defRPr lang="zh-CN"/>
-            </a:defPPr>
-          </a:lstStyle>
-          <a:p>
-            <a:pPr rtl="0"/>
-            <a:r>
-              <a:rPr lang="zh-CN" altLang="en-US" dirty="0">
-                <a:solidFill>
-                  <a:srgbClr val="333B3C"/>
-                </a:solidFill>
-              </a:rPr>
-              <a:t>传统数据传输</a:t>
-            </a:r>
-            <a:endParaRPr lang="zh-CN" dirty="0">
-              <a:solidFill>
-                <a:srgbClr val="333B3C"/>
-              </a:solidFill>
-            </a:endParaRPr>
-          </a:p>
-        </p:txBody>
-      </p:sp>
-      <p:sp>
-        <p:nvSpPr>
-          <p:cNvPr id="5" name="文本占位符 4">
-            <a:extLst>
-              <a:ext uri="{FF2B5EF4-FFF2-40B4-BE49-F238E27FC236}">
-                <a16:creationId xmlns:a16="http://schemas.microsoft.com/office/drawing/2014/main" id="{E194D589-C330-607E-B446-0DA52AACC4E4}"/>
-              </a:ext>
-            </a:extLst>
-          </p:cNvPr>
-          <p:cNvSpPr>
-            <a:spLocks noGrp="1"/>
-          </p:cNvSpPr>
-          <p:nvPr>
-            <p:ph type="body" sz="quarter" idx="15"/>
-          </p:nvPr>
-        </p:nvSpPr>
-        <p:spPr>
-          <a:xfrm>
-            <a:off x="362712" y="3569823"/>
-            <a:ext cx="3661695" cy="916186"/>
-          </a:xfrm>
-        </p:spPr>
-        <p:txBody>
-          <a:bodyPr rtlCol="0"/>
-          <a:lstStyle>
-            <a:defPPr>
-              <a:defRPr lang="zh-CN"/>
-            </a:defPPr>
-          </a:lstStyle>
-          <a:p>
-            <a:pPr rtl="0"/>
-            <a:r>
-              <a:rPr lang="zh-CN" altLang="en-US" dirty="0">
-                <a:solidFill>
-                  <a:srgbClr val="333B3C"/>
-                </a:solidFill>
-              </a:rPr>
-              <a:t>多次的数据拷贝</a:t>
-            </a:r>
-            <a:endParaRPr lang="en-US" altLang="zh-CN" dirty="0">
-              <a:solidFill>
-                <a:srgbClr val="333B3C"/>
-              </a:solidFill>
-            </a:endParaRPr>
-          </a:p>
-          <a:p>
-            <a:pPr rtl="0"/>
-            <a:r>
-              <a:rPr lang="zh-CN" altLang="en-US" dirty="0">
-                <a:solidFill>
-                  <a:srgbClr val="333B3C"/>
-                </a:solidFill>
-              </a:rPr>
-              <a:t>频繁的上下文切换</a:t>
-            </a:r>
-            <a:endParaRPr lang="en-US" altLang="zh-CN" dirty="0">
-              <a:solidFill>
-                <a:srgbClr val="333B3C"/>
-              </a:solidFill>
-            </a:endParaRPr>
-          </a:p>
-        </p:txBody>
-      </p:sp>
-      <p:sp>
-        <p:nvSpPr>
-          <p:cNvPr id="13" name="灯片编号占位符 12">
-            <a:extLst>
-              <a:ext uri="{FF2B5EF4-FFF2-40B4-BE49-F238E27FC236}">
-                <a16:creationId xmlns:a16="http://schemas.microsoft.com/office/drawing/2014/main" id="{208378E4-1369-B8BE-D097-D0A68C992F75}"/>
-              </a:ext>
-            </a:extLst>
-          </p:cNvPr>
-          <p:cNvSpPr>
-            <a:spLocks noGrp="1"/>
-          </p:cNvSpPr>
-          <p:nvPr>
             <p:ph type="sldNum" sz="quarter" idx="12"/>
           </p:nvPr>
         </p:nvSpPr>
         <p:spPr/>
         <p:txBody>
-          <a:bodyPr rtlCol="0"/>
-          <a:lstStyle>
-            <a:defPPr>
-              <a:defRPr lang="zh-CN"/>
-            </a:defPPr>
-          </a:lstStyle>
+          <a:bodyPr/>
+          <a:lstStyle/>
           <a:p>
             <a:pPr rtl="0"/>
             <a:fld id="{5BFCF61C-3B18-4C03-8326-CC3B32D710C9}" type="slidenum">
-              <a:rPr lang="en-US" altLang="zh-CN" smtClean="0"/>
+              <a:rPr lang="en-US" altLang="zh-CN" noProof="0" smtClean="0"/>
               <a:pPr rtl="0"/>
               <a:t>7</a:t>
             </a:fld>
-            <a:endParaRPr lang="zh-CN"/>
+            <a:endParaRPr lang="zh-CN" noProof="0"/>
+          </a:p>
+        </p:txBody>
+      </p:sp>
+      <p:sp>
+        <p:nvSpPr>
+          <p:cNvPr id="3" name="标题 2">
+            <a:extLst>
+              <a:ext uri="{FF2B5EF4-FFF2-40B4-BE49-F238E27FC236}">
+                <a16:creationId xmlns:a16="http://schemas.microsoft.com/office/drawing/2014/main" id="{51706A7D-C4D6-4B39-99CA-762300C35E0A}"/>
+              </a:ext>
+            </a:extLst>
+          </p:cNvPr>
+          <p:cNvSpPr>
+            <a:spLocks noGrp="1"/>
+          </p:cNvSpPr>
+          <p:nvPr>
+            <p:ph type="title"/>
+          </p:nvPr>
+        </p:nvSpPr>
+        <p:spPr>
+          <a:xfrm>
+            <a:off x="0" y="1029548"/>
+            <a:ext cx="3599688" cy="1682749"/>
+          </a:xfrm>
+        </p:spPr>
+        <p:txBody>
+          <a:bodyPr/>
+          <a:lstStyle/>
+          <a:p>
+            <a:r>
+              <a:rPr lang="zh-CN" altLang="en-US" sz="4400" dirty="0"/>
+              <a:t>开发工具链</a:t>
+            </a:r>
+            <a:r>
+              <a:rPr lang="en-US" altLang="zh-CN" sz="4400" dirty="0"/>
+              <a:t>BCC</a:t>
+            </a:r>
+            <a:endParaRPr lang="zh-CN" altLang="en-US" sz="4400" dirty="0"/>
+          </a:p>
+        </p:txBody>
+      </p:sp>
+      <p:sp>
+        <p:nvSpPr>
+          <p:cNvPr id="5" name="文本占位符 4">
+            <a:extLst>
+              <a:ext uri="{FF2B5EF4-FFF2-40B4-BE49-F238E27FC236}">
+                <a16:creationId xmlns:a16="http://schemas.microsoft.com/office/drawing/2014/main" id="{E631B236-D9F0-4352-B3AF-C1DFAA6D1D0F}"/>
+              </a:ext>
+            </a:extLst>
+          </p:cNvPr>
+          <p:cNvSpPr>
+            <a:spLocks noGrp="1"/>
+          </p:cNvSpPr>
+          <p:nvPr>
+            <p:ph type="body" sz="quarter" idx="14"/>
+          </p:nvPr>
+        </p:nvSpPr>
+        <p:spPr/>
+        <p:txBody>
+          <a:bodyPr/>
+          <a:lstStyle/>
+          <a:p>
+            <a:endParaRPr lang="zh-CN" altLang="en-US"/>
+          </a:p>
+        </p:txBody>
+      </p:sp>
+      <p:sp>
+        <p:nvSpPr>
+          <p:cNvPr id="6" name="文本占位符 5">
+            <a:extLst>
+              <a:ext uri="{FF2B5EF4-FFF2-40B4-BE49-F238E27FC236}">
+                <a16:creationId xmlns:a16="http://schemas.microsoft.com/office/drawing/2014/main" id="{BE8B1081-D98D-4173-84B0-66AE82AB350B}"/>
+              </a:ext>
+            </a:extLst>
+          </p:cNvPr>
+          <p:cNvSpPr>
+            <a:spLocks noGrp="1"/>
+          </p:cNvSpPr>
+          <p:nvPr>
+            <p:ph type="body" sz="quarter" idx="15"/>
+          </p:nvPr>
+        </p:nvSpPr>
+        <p:spPr>
+          <a:xfrm>
+            <a:off x="227245" y="3760452"/>
+            <a:ext cx="2871555" cy="1682750"/>
+          </a:xfrm>
+        </p:spPr>
+        <p:txBody>
+          <a:bodyPr/>
+          <a:lstStyle/>
+          <a:p>
+            <a:r>
+              <a:rPr lang="zh-CN" altLang="en-US" dirty="0"/>
+              <a:t>依赖：</a:t>
+            </a:r>
+            <a:r>
+              <a:rPr lang="en-US" altLang="zh-CN" dirty="0"/>
+              <a:t>LLVM</a:t>
+            </a:r>
+            <a:r>
+              <a:rPr lang="zh-CN" altLang="en-US" dirty="0"/>
+              <a:t>、</a:t>
+            </a:r>
+            <a:r>
+              <a:rPr lang="en-US" altLang="zh-CN" dirty="0"/>
+              <a:t>clang</a:t>
+            </a:r>
+          </a:p>
+          <a:p>
+            <a:r>
+              <a:rPr lang="en-US" altLang="zh-CN" dirty="0"/>
+              <a:t>Python</a:t>
+            </a:r>
+            <a:r>
+              <a:rPr lang="zh-CN" altLang="en-US" dirty="0"/>
+              <a:t>实现对</a:t>
+            </a:r>
+            <a:r>
+              <a:rPr lang="en-US" altLang="zh-CN" dirty="0"/>
+              <a:t>BCC</a:t>
+            </a:r>
+            <a:r>
+              <a:rPr lang="zh-CN" altLang="en-US" dirty="0"/>
+              <a:t>应用层的接口封装</a:t>
+            </a:r>
+          </a:p>
+        </p:txBody>
+      </p:sp>
+      <p:sp>
+        <p:nvSpPr>
+          <p:cNvPr id="7" name="文本占位符 6">
+            <a:extLst>
+              <a:ext uri="{FF2B5EF4-FFF2-40B4-BE49-F238E27FC236}">
+                <a16:creationId xmlns:a16="http://schemas.microsoft.com/office/drawing/2014/main" id="{A99B3C8E-6CD5-488A-B68E-4DA034AEEBF5}"/>
+              </a:ext>
+            </a:extLst>
+          </p:cNvPr>
+          <p:cNvSpPr>
+            <a:spLocks noGrp="1"/>
+          </p:cNvSpPr>
+          <p:nvPr>
+            <p:ph type="body" sz="quarter" idx="16"/>
+          </p:nvPr>
+        </p:nvSpPr>
+        <p:spPr/>
+        <p:txBody>
+          <a:bodyPr/>
+          <a:lstStyle/>
+          <a:p>
+            <a:endParaRPr lang="zh-CN" altLang="en-US"/>
           </a:p>
         </p:txBody>
       </p:sp>
@@ -15684,7 +16205,7 @@
           <p:cNvPr id="8" name="图片 7">
             <a:extLst>
               <a:ext uri="{FF2B5EF4-FFF2-40B4-BE49-F238E27FC236}">
-                <a16:creationId xmlns:a16="http://schemas.microsoft.com/office/drawing/2014/main" id="{3A5110D9-812A-43CD-8CF4-2D1916BBD35D}"/>
+                <a16:creationId xmlns:a16="http://schemas.microsoft.com/office/drawing/2014/main" id="{8BA50361-4FC7-47EF-BB9F-7EA9FD2D4557}"/>
               </a:ext>
             </a:extLst>
           </p:cNvPr>
@@ -15694,483 +16215,25 @@
           <p:nvPr/>
         </p:nvPicPr>
         <p:blipFill>
-          <a:blip r:embed="rId3"/>
+          <a:blip r:embed="rId2"/>
           <a:stretch>
             <a:fillRect/>
           </a:stretch>
         </p:blipFill>
         <p:spPr>
           <a:xfrm>
-            <a:off x="4772715" y="1141645"/>
-            <a:ext cx="6881285" cy="4574709"/>
+            <a:off x="3197957" y="1719743"/>
+            <a:ext cx="8597803" cy="3723459"/>
           </a:xfrm>
           <a:prstGeom prst="rect">
             <a:avLst/>
           </a:prstGeom>
         </p:spPr>
       </p:pic>
-      <p:sp>
-        <p:nvSpPr>
-          <p:cNvPr id="14" name="文本占位符 2">
-            <a:extLst>
-              <a:ext uri="{FF2B5EF4-FFF2-40B4-BE49-F238E27FC236}">
-                <a16:creationId xmlns:a16="http://schemas.microsoft.com/office/drawing/2014/main" id="{A44334FC-7A22-4E23-889D-DBB8F01C8464}"/>
-              </a:ext>
-            </a:extLst>
-          </p:cNvPr>
-          <p:cNvSpPr txBox="1">
-            <a:spLocks/>
-          </p:cNvSpPr>
-          <p:nvPr/>
-        </p:nvSpPr>
-        <p:spPr>
-          <a:xfrm>
-            <a:off x="538000" y="4486009"/>
-            <a:ext cx="4828032" cy="490538"/>
-          </a:xfrm>
-          <a:prstGeom prst="rect">
-            <a:avLst/>
-          </a:prstGeom>
-        </p:spPr>
-        <p:txBody>
-          <a:bodyPr vert="horz" lIns="91440" tIns="45720" rIns="91440" bIns="45720" rtlCol="0">
-            <a:noAutofit/>
-          </a:bodyPr>
-          <a:lstStyle>
-            <a:defPPr>
-              <a:defRPr lang="zh-CN"/>
-            </a:defPPr>
-            <a:lvl1pPr marL="0" indent="0" algn="l" defTabSz="914400" rtl="0" eaLnBrk="1" latinLnBrk="0" hangingPunct="1">
-              <a:lnSpc>
-                <a:spcPct val="100000"/>
-              </a:lnSpc>
-              <a:spcBef>
-                <a:spcPts val="0"/>
-              </a:spcBef>
-              <a:buFont typeface="Arial" panose="020B0604020202020204" pitchFamily="34" charset="0"/>
-              <a:buNone/>
-              <a:defRPr lang="zh-CN" sz="2200" b="1" kern="1200">
-                <a:solidFill>
-                  <a:schemeClr val="accent5"/>
-                </a:solidFill>
-                <a:latin typeface="+mn-ea"/>
-                <a:ea typeface="+mn-ea"/>
-                <a:cs typeface="+mn-cs"/>
-              </a:defRPr>
-            </a:lvl1pPr>
-            <a:lvl2pPr marL="685800" indent="-228600" algn="l" defTabSz="914400" rtl="0" eaLnBrk="1" latinLnBrk="0" hangingPunct="1">
-              <a:lnSpc>
-                <a:spcPct val="90000"/>
-              </a:lnSpc>
-              <a:spcBef>
-                <a:spcPts val="500"/>
-              </a:spcBef>
-              <a:buFont typeface="Arial" panose="020B0604020202020204" pitchFamily="34" charset="0"/>
-              <a:buChar char="•"/>
-              <a:defRPr lang="zh-CN" sz="2400" kern="1200">
-                <a:solidFill>
-                  <a:schemeClr val="bg1"/>
-                </a:solidFill>
-                <a:latin typeface="+mn-ea"/>
-                <a:ea typeface="+mn-ea"/>
-                <a:cs typeface="+mn-cs"/>
-              </a:defRPr>
-            </a:lvl2pPr>
-            <a:lvl3pPr marL="1143000" indent="-228600" algn="l" defTabSz="914400" rtl="0" eaLnBrk="1" latinLnBrk="0" hangingPunct="1">
-              <a:lnSpc>
-                <a:spcPct val="90000"/>
-              </a:lnSpc>
-              <a:spcBef>
-                <a:spcPts val="500"/>
-              </a:spcBef>
-              <a:buFont typeface="Arial" panose="020B0604020202020204" pitchFamily="34" charset="0"/>
-              <a:buChar char="•"/>
-              <a:defRPr lang="zh-CN" sz="2000" kern="1200">
-                <a:solidFill>
-                  <a:schemeClr val="bg1"/>
-                </a:solidFill>
-                <a:latin typeface="+mn-ea"/>
-                <a:ea typeface="+mn-ea"/>
-                <a:cs typeface="+mn-cs"/>
-              </a:defRPr>
-            </a:lvl3pPr>
-            <a:lvl4pPr marL="1600200" indent="-228600" algn="l" defTabSz="914400" rtl="0" eaLnBrk="1" latinLnBrk="0" hangingPunct="1">
-              <a:lnSpc>
-                <a:spcPct val="90000"/>
-              </a:lnSpc>
-              <a:spcBef>
-                <a:spcPts val="500"/>
-              </a:spcBef>
-              <a:buFont typeface="Arial" panose="020B0604020202020204" pitchFamily="34" charset="0"/>
-              <a:buChar char="•"/>
-              <a:defRPr lang="zh-CN" sz="1800" kern="1200">
-                <a:solidFill>
-                  <a:schemeClr val="bg1"/>
-                </a:solidFill>
-                <a:latin typeface="+mn-ea"/>
-                <a:ea typeface="+mn-ea"/>
-                <a:cs typeface="+mn-cs"/>
-              </a:defRPr>
-            </a:lvl4pPr>
-            <a:lvl5pPr marL="2057400" indent="-228600" algn="l" defTabSz="914400" rtl="0" eaLnBrk="1" latinLnBrk="0" hangingPunct="1">
-              <a:lnSpc>
-                <a:spcPct val="90000"/>
-              </a:lnSpc>
-              <a:spcBef>
-                <a:spcPts val="500"/>
-              </a:spcBef>
-              <a:buFont typeface="Arial" panose="020B0604020202020204" pitchFamily="34" charset="0"/>
-              <a:buChar char="•"/>
-              <a:defRPr lang="zh-CN" sz="1600" kern="1200">
-                <a:solidFill>
-                  <a:schemeClr val="bg1"/>
-                </a:solidFill>
-                <a:latin typeface="+mn-ea"/>
-                <a:ea typeface="+mn-ea"/>
-                <a:cs typeface="+mn-cs"/>
-              </a:defRPr>
-            </a:lvl5pPr>
-            <a:lvl6pPr marL="2514600" indent="-228600" algn="l" defTabSz="914400" rtl="0" eaLnBrk="1" latinLnBrk="0" hangingPunct="1">
-              <a:lnSpc>
-                <a:spcPct val="90000"/>
-              </a:lnSpc>
-              <a:spcBef>
-                <a:spcPts val="500"/>
-              </a:spcBef>
-              <a:buFont typeface="Arial" panose="020B0604020202020204" pitchFamily="34" charset="0"/>
-              <a:buChar char="•"/>
-              <a:defRPr lang="zh-CN" sz="1800" kern="1200">
-                <a:solidFill>
-                  <a:schemeClr val="tx1"/>
-                </a:solidFill>
-                <a:latin typeface="+mn-ea"/>
-                <a:ea typeface="+mn-ea"/>
-                <a:cs typeface="+mn-cs"/>
-              </a:defRPr>
-            </a:lvl6pPr>
-            <a:lvl7pPr marL="2971800" indent="-228600" algn="l" defTabSz="914400" rtl="0" eaLnBrk="1" latinLnBrk="0" hangingPunct="1">
-              <a:lnSpc>
-                <a:spcPct val="90000"/>
-              </a:lnSpc>
-              <a:spcBef>
-                <a:spcPts val="500"/>
-              </a:spcBef>
-              <a:buFont typeface="Arial" panose="020B0604020202020204" pitchFamily="34" charset="0"/>
-              <a:buChar char="•"/>
-              <a:defRPr lang="zh-CN" sz="1800" kern="1200">
-                <a:solidFill>
-                  <a:schemeClr val="tx1"/>
-                </a:solidFill>
-                <a:latin typeface="+mn-ea"/>
-                <a:ea typeface="+mn-ea"/>
-                <a:cs typeface="+mn-cs"/>
-              </a:defRPr>
-            </a:lvl7pPr>
-            <a:lvl8pPr marL="3429000" indent="-228600" algn="l" defTabSz="914400" rtl="0" eaLnBrk="1" latinLnBrk="0" hangingPunct="1">
-              <a:lnSpc>
-                <a:spcPct val="90000"/>
-              </a:lnSpc>
-              <a:spcBef>
-                <a:spcPts val="500"/>
-              </a:spcBef>
-              <a:buFont typeface="Arial" panose="020B0604020202020204" pitchFamily="34" charset="0"/>
-              <a:buChar char="•"/>
-              <a:defRPr lang="zh-CN" sz="1800" kern="1200">
-                <a:solidFill>
-                  <a:schemeClr val="tx1"/>
-                </a:solidFill>
-                <a:latin typeface="+mn-ea"/>
-                <a:ea typeface="+mn-ea"/>
-                <a:cs typeface="+mn-cs"/>
-              </a:defRPr>
-            </a:lvl8pPr>
-            <a:lvl9pPr marL="3886200" indent="-228600" algn="l" defTabSz="914400" rtl="0" eaLnBrk="1" latinLnBrk="0" hangingPunct="1">
-              <a:lnSpc>
-                <a:spcPct val="90000"/>
-              </a:lnSpc>
-              <a:spcBef>
-                <a:spcPts val="500"/>
-              </a:spcBef>
-              <a:buFont typeface="Arial" panose="020B0604020202020204" pitchFamily="34" charset="0"/>
-              <a:buChar char="•"/>
-              <a:defRPr lang="zh-CN" sz="1800" kern="1200">
-                <a:solidFill>
-                  <a:schemeClr val="tx1"/>
-                </a:solidFill>
-                <a:latin typeface="+mn-ea"/>
-                <a:ea typeface="+mn-ea"/>
-                <a:cs typeface="+mn-cs"/>
-              </a:defRPr>
-            </a:lvl9pPr>
-          </a:lstStyle>
-          <a:p>
-            <a:r>
-              <a:rPr lang="zh-CN" altLang="en-US" dirty="0">
-                <a:solidFill>
-                  <a:srgbClr val="333B3C"/>
-                </a:solidFill>
-              </a:rPr>
-              <a:t>性能瓶颈</a:t>
-            </a:r>
-          </a:p>
-        </p:txBody>
-      </p:sp>
-      <p:sp>
-        <p:nvSpPr>
-          <p:cNvPr id="15" name="文本占位符 4">
-            <a:extLst>
-              <a:ext uri="{FF2B5EF4-FFF2-40B4-BE49-F238E27FC236}">
-                <a16:creationId xmlns:a16="http://schemas.microsoft.com/office/drawing/2014/main" id="{37E8AA91-BB83-4E5D-BEF0-B519949DF05B}"/>
-              </a:ext>
-            </a:extLst>
-          </p:cNvPr>
-          <p:cNvSpPr txBox="1">
-            <a:spLocks/>
-          </p:cNvSpPr>
-          <p:nvPr/>
-        </p:nvSpPr>
-        <p:spPr>
-          <a:xfrm>
-            <a:off x="362711" y="4944102"/>
-            <a:ext cx="3661695" cy="1405898"/>
-          </a:xfrm>
-          <a:prstGeom prst="rect">
-            <a:avLst/>
-          </a:prstGeom>
-        </p:spPr>
-        <p:txBody>
-          <a:bodyPr vert="horz" lIns="91440" tIns="45720" rIns="91440" bIns="45720" rtlCol="0">
-            <a:noAutofit/>
-          </a:bodyPr>
-          <a:lstStyle>
-            <a:defPPr>
-              <a:defRPr lang="zh-CN"/>
-            </a:defPPr>
-            <a:lvl1pPr marL="283464" indent="-283464" algn="l" defTabSz="914400" rtl="0" eaLnBrk="1" latinLnBrk="0" hangingPunct="1">
-              <a:lnSpc>
-                <a:spcPct val="150000"/>
-              </a:lnSpc>
-              <a:spcBef>
-                <a:spcPts val="0"/>
-              </a:spcBef>
-              <a:buFont typeface="Arial" panose="020B0604020202020204" pitchFamily="34" charset="0"/>
-              <a:buChar char="•"/>
-              <a:defRPr lang="zh-CN" sz="1600" kern="1200">
-                <a:solidFill>
-                  <a:schemeClr val="accent5"/>
-                </a:solidFill>
-                <a:latin typeface="+mn-ea"/>
-                <a:ea typeface="+mn-ea"/>
-                <a:cs typeface="+mn-cs"/>
-              </a:defRPr>
-            </a:lvl1pPr>
-            <a:lvl2pPr marL="685800" indent="-283464" algn="l" defTabSz="914400" rtl="0" eaLnBrk="1" latinLnBrk="0" hangingPunct="1">
-              <a:lnSpc>
-                <a:spcPct val="150000"/>
-              </a:lnSpc>
-              <a:spcBef>
-                <a:spcPts val="0"/>
-              </a:spcBef>
-              <a:buFont typeface="Arial" panose="020B0604020202020204" pitchFamily="34" charset="0"/>
-              <a:buChar char="•"/>
-              <a:defRPr lang="zh-CN" sz="1600" kern="1200">
-                <a:solidFill>
-                  <a:schemeClr val="accent5"/>
-                </a:solidFill>
-                <a:latin typeface="+mn-ea"/>
-                <a:ea typeface="+mn-ea"/>
-                <a:cs typeface="+mn-cs"/>
-              </a:defRPr>
-            </a:lvl2pPr>
-            <a:lvl3pPr marL="1143000" indent="-283464" algn="l" defTabSz="914400" rtl="0" eaLnBrk="1" latinLnBrk="0" hangingPunct="1">
-              <a:lnSpc>
-                <a:spcPct val="150000"/>
-              </a:lnSpc>
-              <a:spcBef>
-                <a:spcPts val="0"/>
-              </a:spcBef>
-              <a:buFont typeface="Arial" panose="020B0604020202020204" pitchFamily="34" charset="0"/>
-              <a:buChar char="•"/>
-              <a:defRPr lang="zh-CN" sz="1600" kern="1200">
-                <a:solidFill>
-                  <a:schemeClr val="accent5"/>
-                </a:solidFill>
-                <a:latin typeface="+mn-ea"/>
-                <a:ea typeface="+mn-ea"/>
-                <a:cs typeface="+mn-cs"/>
-              </a:defRPr>
-            </a:lvl3pPr>
-            <a:lvl4pPr marL="1600200" indent="-283464" algn="l" defTabSz="914400" rtl="0" eaLnBrk="1" latinLnBrk="0" hangingPunct="1">
-              <a:lnSpc>
-                <a:spcPct val="150000"/>
-              </a:lnSpc>
-              <a:spcBef>
-                <a:spcPts val="0"/>
-              </a:spcBef>
-              <a:buFont typeface="Arial" panose="020B0604020202020204" pitchFamily="34" charset="0"/>
-              <a:buChar char="•"/>
-              <a:defRPr lang="zh-CN" sz="1600" kern="1200">
-                <a:solidFill>
-                  <a:schemeClr val="accent5"/>
-                </a:solidFill>
-                <a:latin typeface="+mn-ea"/>
-                <a:ea typeface="+mn-ea"/>
-                <a:cs typeface="+mn-cs"/>
-              </a:defRPr>
-            </a:lvl4pPr>
-            <a:lvl5pPr marL="2057400" indent="-283464" algn="l" defTabSz="914400" rtl="0" eaLnBrk="1" latinLnBrk="0" hangingPunct="1">
-              <a:lnSpc>
-                <a:spcPct val="150000"/>
-              </a:lnSpc>
-              <a:spcBef>
-                <a:spcPts val="0"/>
-              </a:spcBef>
-              <a:buFont typeface="Arial" panose="020B0604020202020204" pitchFamily="34" charset="0"/>
-              <a:buChar char="•"/>
-              <a:defRPr lang="zh-CN" sz="1600" kern="1200">
-                <a:solidFill>
-                  <a:schemeClr val="tx2"/>
-                </a:solidFill>
-                <a:latin typeface="+mn-ea"/>
-                <a:ea typeface="+mn-ea"/>
-                <a:cs typeface="+mn-cs"/>
-              </a:defRPr>
-            </a:lvl5pPr>
-            <a:lvl6pPr marL="2514600" indent="-228600" algn="l" defTabSz="914400" rtl="0" eaLnBrk="1" latinLnBrk="0" hangingPunct="1">
-              <a:lnSpc>
-                <a:spcPct val="90000"/>
-              </a:lnSpc>
-              <a:spcBef>
-                <a:spcPts val="500"/>
-              </a:spcBef>
-              <a:buFont typeface="Arial" panose="020B0604020202020204" pitchFamily="34" charset="0"/>
-              <a:buChar char="•"/>
-              <a:defRPr lang="zh-CN" sz="1800" kern="1200">
-                <a:solidFill>
-                  <a:schemeClr val="tx1"/>
-                </a:solidFill>
-                <a:latin typeface="+mn-ea"/>
-                <a:ea typeface="+mn-ea"/>
-                <a:cs typeface="+mn-cs"/>
-              </a:defRPr>
-            </a:lvl6pPr>
-            <a:lvl7pPr marL="2971800" indent="-228600" algn="l" defTabSz="914400" rtl="0" eaLnBrk="1" latinLnBrk="0" hangingPunct="1">
-              <a:lnSpc>
-                <a:spcPct val="90000"/>
-              </a:lnSpc>
-              <a:spcBef>
-                <a:spcPts val="500"/>
-              </a:spcBef>
-              <a:buFont typeface="Arial" panose="020B0604020202020204" pitchFamily="34" charset="0"/>
-              <a:buChar char="•"/>
-              <a:defRPr lang="zh-CN" sz="1800" kern="1200">
-                <a:solidFill>
-                  <a:schemeClr val="tx1"/>
-                </a:solidFill>
-                <a:latin typeface="+mn-ea"/>
-                <a:ea typeface="+mn-ea"/>
-                <a:cs typeface="+mn-cs"/>
-              </a:defRPr>
-            </a:lvl7pPr>
-            <a:lvl8pPr marL="3429000" indent="-228600" algn="l" defTabSz="914400" rtl="0" eaLnBrk="1" latinLnBrk="0" hangingPunct="1">
-              <a:lnSpc>
-                <a:spcPct val="90000"/>
-              </a:lnSpc>
-              <a:spcBef>
-                <a:spcPts val="500"/>
-              </a:spcBef>
-              <a:buFont typeface="Arial" panose="020B0604020202020204" pitchFamily="34" charset="0"/>
-              <a:buChar char="•"/>
-              <a:defRPr lang="zh-CN" sz="1800" kern="1200">
-                <a:solidFill>
-                  <a:schemeClr val="tx1"/>
-                </a:solidFill>
-                <a:latin typeface="+mn-ea"/>
-                <a:ea typeface="+mn-ea"/>
-                <a:cs typeface="+mn-cs"/>
-              </a:defRPr>
-            </a:lvl8pPr>
-            <a:lvl9pPr marL="3886200" indent="-228600" algn="l" defTabSz="914400" rtl="0" eaLnBrk="1" latinLnBrk="0" hangingPunct="1">
-              <a:lnSpc>
-                <a:spcPct val="90000"/>
-              </a:lnSpc>
-              <a:spcBef>
-                <a:spcPts val="500"/>
-              </a:spcBef>
-              <a:buFont typeface="Arial" panose="020B0604020202020204" pitchFamily="34" charset="0"/>
-              <a:buChar char="•"/>
-              <a:defRPr lang="zh-CN" sz="1800" kern="1200">
-                <a:solidFill>
-                  <a:schemeClr val="tx1"/>
-                </a:solidFill>
-                <a:latin typeface="+mn-ea"/>
-                <a:ea typeface="+mn-ea"/>
-                <a:cs typeface="+mn-cs"/>
-              </a:defRPr>
-            </a:lvl9pPr>
-          </a:lstStyle>
-          <a:p>
-            <a:r>
-              <a:rPr lang="zh-CN" altLang="en-US" dirty="0">
-                <a:solidFill>
-                  <a:srgbClr val="333B3C"/>
-                </a:solidFill>
-              </a:rPr>
-              <a:t>额外的</a:t>
-            </a:r>
-            <a:r>
-              <a:rPr lang="en-US" altLang="zh-CN" dirty="0">
-                <a:solidFill>
-                  <a:srgbClr val="333B3C"/>
-                </a:solidFill>
-              </a:rPr>
-              <a:t>CPU</a:t>
-            </a:r>
-            <a:r>
-              <a:rPr lang="zh-CN" altLang="en-US" dirty="0">
-                <a:solidFill>
-                  <a:srgbClr val="333B3C"/>
-                </a:solidFill>
-              </a:rPr>
-              <a:t>开销</a:t>
-            </a:r>
-            <a:endParaRPr lang="en-US" altLang="zh-CN" dirty="0">
-              <a:solidFill>
-                <a:srgbClr val="333B3C"/>
-              </a:solidFill>
-            </a:endParaRPr>
-          </a:p>
-          <a:p>
-            <a:r>
-              <a:rPr lang="zh-CN" altLang="en-US" dirty="0">
-                <a:solidFill>
-                  <a:srgbClr val="333B3C"/>
-                </a:solidFill>
-              </a:rPr>
-              <a:t>额外的系统调用开销</a:t>
-            </a:r>
-            <a:endParaRPr lang="en-US" altLang="zh-CN" dirty="0">
-              <a:solidFill>
-                <a:srgbClr val="333B3C"/>
-              </a:solidFill>
-            </a:endParaRPr>
-          </a:p>
-          <a:p>
-            <a:r>
-              <a:rPr lang="zh-CN" altLang="en-US" dirty="0">
-                <a:solidFill>
-                  <a:srgbClr val="333B3C"/>
-                </a:solidFill>
-              </a:rPr>
-              <a:t>增加内存带宽的消耗</a:t>
-            </a:r>
-          </a:p>
-        </p:txBody>
-      </p:sp>
     </p:spTree>
     <p:extLst>
       <p:ext uri="{BB962C8B-B14F-4D97-AF65-F5344CB8AC3E}">
-        <p14:creationId xmlns:p14="http://schemas.microsoft.com/office/powerpoint/2010/main" val="616355143"/>
+        <p14:creationId xmlns:p14="http://schemas.microsoft.com/office/powerpoint/2010/main" val="279943366"/>
       </p:ext>
     </p:extLst>
   </p:cSld>
@@ -16199,10 +16262,10 @@
       </p:grpSpPr>
       <p:sp>
         <p:nvSpPr>
-          <p:cNvPr id="2" name="灯片编号占位符 1">
-            <a:extLst>
-              <a:ext uri="{FF2B5EF4-FFF2-40B4-BE49-F238E27FC236}">
-                <a16:creationId xmlns:a16="http://schemas.microsoft.com/office/drawing/2014/main" id="{C45AA9E9-0F49-4805-A1B3-52554DF1ECC9}"/>
+          <p:cNvPr id="2" name="标题 1">
+            <a:extLst>
+              <a:ext uri="{FF2B5EF4-FFF2-40B4-BE49-F238E27FC236}">
+                <a16:creationId xmlns:a16="http://schemas.microsoft.com/office/drawing/2014/main" id="{F7291133-2B2D-CB5C-25A3-A6BBC6AC48F6}"/>
               </a:ext>
             </a:extLst>
           </p:cNvPr>
@@ -16210,246 +16273,227 @@
             <a:spLocks noGrp="1"/>
           </p:cNvSpPr>
           <p:nvPr>
+            <p:ph type="title"/>
+          </p:nvPr>
+        </p:nvSpPr>
+        <p:spPr/>
+        <p:txBody>
+          <a:bodyPr rtlCol="0"/>
+          <a:lstStyle>
+            <a:defPPr>
+              <a:defRPr lang="zh-CN"/>
+            </a:defPPr>
+          </a:lstStyle>
+          <a:p>
+            <a:pPr rtl="0"/>
+            <a:r>
+              <a:rPr lang="en-US" altLang="zh-CN" dirty="0"/>
+              <a:t>Why</a:t>
+            </a:r>
+            <a:r>
+              <a:rPr lang="zh-CN" altLang="en-US" dirty="0"/>
+              <a:t>？</a:t>
+            </a:r>
+            <a:endParaRPr lang="zh-CN" dirty="0"/>
+          </a:p>
+        </p:txBody>
+      </p:sp>
+      <p:sp>
+        <p:nvSpPr>
+          <p:cNvPr id="3" name="文本占位符 2">
+            <a:extLst>
+              <a:ext uri="{FF2B5EF4-FFF2-40B4-BE49-F238E27FC236}">
+                <a16:creationId xmlns:a16="http://schemas.microsoft.com/office/drawing/2014/main" id="{330480BD-3EF5-7A7E-9E81-E73191A1D49D}"/>
+              </a:ext>
+            </a:extLst>
+          </p:cNvPr>
+          <p:cNvSpPr>
+            <a:spLocks noGrp="1"/>
+          </p:cNvSpPr>
+          <p:nvPr>
+            <p:ph type="body" sz="quarter" idx="13"/>
+          </p:nvPr>
+        </p:nvSpPr>
+        <p:spPr/>
+        <p:txBody>
+          <a:bodyPr rtlCol="0"/>
+          <a:lstStyle>
+            <a:defPPr>
+              <a:defRPr lang="zh-CN"/>
+            </a:defPPr>
+          </a:lstStyle>
+          <a:p>
+            <a:pPr rtl="0"/>
+            <a:r>
+              <a:rPr lang="zh-CN" altLang="en-US" dirty="0"/>
+              <a:t>提高分布式文件系统</a:t>
+            </a:r>
+            <a:r>
+              <a:rPr lang="en-US" altLang="zh-CN" dirty="0"/>
+              <a:t>IO</a:t>
+            </a:r>
+            <a:r>
+              <a:rPr lang="zh-CN" altLang="en-US" dirty="0"/>
+              <a:t>性能的思路</a:t>
+            </a:r>
+            <a:endParaRPr lang="zh-CN" dirty="0"/>
+          </a:p>
+        </p:txBody>
+      </p:sp>
+      <p:sp>
+        <p:nvSpPr>
+          <p:cNvPr id="4" name="文本占位符 3">
+            <a:extLst>
+              <a:ext uri="{FF2B5EF4-FFF2-40B4-BE49-F238E27FC236}">
+                <a16:creationId xmlns:a16="http://schemas.microsoft.com/office/drawing/2014/main" id="{C86737C8-4322-77C9-4E34-94E5EE136DBC}"/>
+              </a:ext>
+            </a:extLst>
+          </p:cNvPr>
+          <p:cNvSpPr>
+            <a:spLocks noGrp="1"/>
+          </p:cNvSpPr>
+          <p:nvPr>
+            <p:ph type="body" sz="quarter" idx="15"/>
+          </p:nvPr>
+        </p:nvSpPr>
+        <p:spPr>
+          <a:xfrm>
+            <a:off x="917787" y="3974402"/>
+            <a:ext cx="10877973" cy="5229013"/>
+          </a:xfrm>
+        </p:spPr>
+        <p:txBody>
+          <a:bodyPr rtlCol="0"/>
+          <a:lstStyle>
+            <a:defPPr>
+              <a:defRPr lang="zh-CN"/>
+            </a:defPPr>
+          </a:lstStyle>
+          <a:p>
+            <a:pPr rtl="0"/>
+            <a:r>
+              <a:rPr lang="zh-CN" altLang="en-US" dirty="0"/>
+              <a:t>网络</a:t>
+            </a:r>
+            <a:r>
+              <a:rPr lang="en-US" altLang="zh-CN" dirty="0"/>
+              <a:t>IO</a:t>
+            </a:r>
+            <a:r>
+              <a:rPr lang="zh-CN" altLang="en-US" dirty="0"/>
+              <a:t>优化：如使用高性能网络设备、采用分布式存储技术、使用协议优化</a:t>
+            </a:r>
+          </a:p>
+          <a:p>
+            <a:pPr rtl="0"/>
+            <a:r>
+              <a:rPr lang="zh-CN" altLang="en-US" dirty="0"/>
+              <a:t>存储设备优化：如使用高速</a:t>
+            </a:r>
+            <a:r>
+              <a:rPr lang="en-US" altLang="zh-CN" dirty="0"/>
+              <a:t>SSD</a:t>
+            </a:r>
+            <a:r>
+              <a:rPr lang="zh-CN" altLang="en-US" dirty="0"/>
+              <a:t>设备、用数据分布技术、使用</a:t>
+            </a:r>
+            <a:r>
+              <a:rPr lang="en-US" altLang="zh-CN" dirty="0"/>
+              <a:t>RAID</a:t>
+            </a:r>
+            <a:r>
+              <a:rPr lang="zh-CN" altLang="en-US" dirty="0"/>
+              <a:t>技术</a:t>
+            </a:r>
+          </a:p>
+          <a:p>
+            <a:pPr rtl="0"/>
+            <a:r>
+              <a:rPr lang="zh-CN" altLang="en-US" dirty="0"/>
+              <a:t>数据访问优化：如采用数据预读技术、进行缓存优化、使用数据分区存储技术</a:t>
+            </a:r>
+          </a:p>
+          <a:p>
+            <a:pPr rtl="0"/>
+            <a:r>
+              <a:rPr lang="zh-CN" altLang="en-US" dirty="0"/>
+              <a:t>内存管理优化：如优化系统内存参数、整理内存碎片</a:t>
+            </a:r>
+          </a:p>
+          <a:p>
+            <a:pPr rtl="0"/>
+            <a:r>
+              <a:rPr lang="zh-CN" altLang="en-US" dirty="0"/>
+              <a:t>引入新技术：如</a:t>
+            </a:r>
+            <a:r>
+              <a:rPr lang="en-US" altLang="zh-CN" dirty="0" err="1"/>
+              <a:t>eBPF</a:t>
+            </a:r>
+            <a:r>
+              <a:rPr lang="zh-CN" altLang="en-US" dirty="0"/>
+              <a:t>和</a:t>
+            </a:r>
+            <a:r>
+              <a:rPr lang="en-US" altLang="zh-CN" dirty="0"/>
+              <a:t>XDP</a:t>
+            </a:r>
+            <a:r>
+              <a:rPr lang="zh-CN" altLang="en-US" dirty="0"/>
+              <a:t>技术，可以在内核中优化文件系统的</a:t>
+            </a:r>
+            <a:r>
+              <a:rPr lang="en-US" altLang="zh-CN" dirty="0"/>
+              <a:t>IO</a:t>
+            </a:r>
+            <a:r>
+              <a:rPr lang="zh-CN" altLang="en-US" dirty="0"/>
+              <a:t>操作</a:t>
+            </a:r>
+            <a:endParaRPr lang="zh-CN" dirty="0"/>
+          </a:p>
+        </p:txBody>
+      </p:sp>
+      <p:sp>
+        <p:nvSpPr>
+          <p:cNvPr id="11" name="灯片编号占位符 10">
+            <a:extLst>
+              <a:ext uri="{FF2B5EF4-FFF2-40B4-BE49-F238E27FC236}">
+                <a16:creationId xmlns:a16="http://schemas.microsoft.com/office/drawing/2014/main" id="{F8FC4DAD-8F22-40DC-8133-22BF52217FB8}"/>
+              </a:ext>
+            </a:extLst>
+          </p:cNvPr>
+          <p:cNvSpPr>
+            <a:spLocks noGrp="1"/>
+          </p:cNvSpPr>
+          <p:nvPr>
             <p:ph type="sldNum" sz="quarter" idx="12"/>
           </p:nvPr>
         </p:nvSpPr>
         <p:spPr/>
         <p:txBody>
-          <a:bodyPr/>
-          <a:lstStyle/>
+          <a:bodyPr rtlCol="0"/>
+          <a:lstStyle>
+            <a:defPPr>
+              <a:defRPr lang="zh-CN"/>
+            </a:defPPr>
+          </a:lstStyle>
           <a:p>
             <a:pPr rtl="0"/>
             <a:fld id="{5BFCF61C-3B18-4C03-8326-CC3B32D710C9}" type="slidenum">
-              <a:rPr lang="en-US" altLang="zh-CN" noProof="0" smtClean="0"/>
+              <a:rPr lang="en-US" altLang="zh-CN" smtClean="0"/>
               <a:pPr rtl="0"/>
               <a:t>8</a:t>
             </a:fld>
-            <a:endParaRPr lang="zh-CN" noProof="0"/>
-          </a:p>
-        </p:txBody>
-      </p:sp>
-      <p:sp>
-        <p:nvSpPr>
-          <p:cNvPr id="3" name="标题 2">
-            <a:extLst>
-              <a:ext uri="{FF2B5EF4-FFF2-40B4-BE49-F238E27FC236}">
-                <a16:creationId xmlns:a16="http://schemas.microsoft.com/office/drawing/2014/main" id="{BC2E3E5F-D913-4CAF-9811-A0654FC88820}"/>
-              </a:ext>
-            </a:extLst>
-          </p:cNvPr>
-          <p:cNvSpPr>
-            <a:spLocks noGrp="1"/>
-          </p:cNvSpPr>
-          <p:nvPr>
-            <p:ph type="title"/>
-          </p:nvPr>
-        </p:nvSpPr>
-        <p:spPr>
-          <a:xfrm>
-            <a:off x="430444" y="1002475"/>
-            <a:ext cx="4175421" cy="1682749"/>
-          </a:xfrm>
-        </p:spPr>
-        <p:txBody>
-          <a:bodyPr/>
-          <a:lstStyle/>
-          <a:p>
-            <a:r>
-              <a:rPr lang="zh-CN" altLang="en-US" dirty="0"/>
-              <a:t>现有的</a:t>
-            </a:r>
-            <a:br>
-              <a:rPr lang="en-US" altLang="zh-CN" dirty="0"/>
-            </a:br>
-            <a:r>
-              <a:rPr lang="zh-CN" altLang="en-US" dirty="0"/>
-              <a:t>优化思路：</a:t>
-            </a:r>
-          </a:p>
-        </p:txBody>
-      </p:sp>
-      <p:sp>
-        <p:nvSpPr>
-          <p:cNvPr id="4" name="文本占位符 3">
-            <a:extLst>
-              <a:ext uri="{FF2B5EF4-FFF2-40B4-BE49-F238E27FC236}">
-                <a16:creationId xmlns:a16="http://schemas.microsoft.com/office/drawing/2014/main" id="{1CA0EAEE-6270-4392-8C1C-9579332321E1}"/>
-              </a:ext>
-            </a:extLst>
-          </p:cNvPr>
-          <p:cNvSpPr>
-            <a:spLocks noGrp="1"/>
-          </p:cNvSpPr>
-          <p:nvPr>
-            <p:ph type="body" sz="quarter" idx="13"/>
-          </p:nvPr>
-        </p:nvSpPr>
-        <p:spPr>
-          <a:xfrm>
-            <a:off x="430444" y="2920808"/>
-            <a:ext cx="4828032" cy="490538"/>
-          </a:xfrm>
-        </p:spPr>
-        <p:txBody>
-          <a:bodyPr/>
-          <a:lstStyle/>
-          <a:p>
-            <a:r>
-              <a:rPr lang="en-US" altLang="zh-CN" dirty="0" err="1">
-                <a:solidFill>
-                  <a:srgbClr val="333B3C"/>
-                </a:solidFill>
-              </a:rPr>
-              <a:t>Mmap</a:t>
-            </a:r>
-            <a:r>
-              <a:rPr lang="en-US" altLang="zh-CN" dirty="0">
-                <a:solidFill>
-                  <a:srgbClr val="333B3C"/>
-                </a:solidFill>
-              </a:rPr>
-              <a:t>:</a:t>
-            </a:r>
-            <a:endParaRPr lang="zh-CN" altLang="en-US" dirty="0">
-              <a:solidFill>
-                <a:srgbClr val="333B3C"/>
-              </a:solidFill>
-            </a:endParaRPr>
-          </a:p>
-        </p:txBody>
-      </p:sp>
-      <p:sp>
-        <p:nvSpPr>
-          <p:cNvPr id="6" name="文本占位符 5">
-            <a:extLst>
-              <a:ext uri="{FF2B5EF4-FFF2-40B4-BE49-F238E27FC236}">
-                <a16:creationId xmlns:a16="http://schemas.microsoft.com/office/drawing/2014/main" id="{0EAA66DE-1ACE-49D6-8AE6-09E95E8F67E7}"/>
-              </a:ext>
-            </a:extLst>
-          </p:cNvPr>
-          <p:cNvSpPr>
-            <a:spLocks noGrp="1"/>
-          </p:cNvSpPr>
-          <p:nvPr>
-            <p:ph type="body" sz="quarter" idx="15"/>
-          </p:nvPr>
-        </p:nvSpPr>
-        <p:spPr>
-          <a:xfrm>
-            <a:off x="242314" y="3429000"/>
-            <a:ext cx="3601553" cy="1682750"/>
-          </a:xfrm>
-        </p:spPr>
-        <p:txBody>
-          <a:bodyPr/>
-          <a:lstStyle/>
-          <a:p>
-            <a:r>
-              <a:rPr lang="zh-CN" altLang="en-US" dirty="0">
-                <a:solidFill>
-                  <a:srgbClr val="333B3C"/>
-                </a:solidFill>
-              </a:rPr>
-              <a:t>建立内核读缓冲区与用户空间缓冲区的虚拟内存映射</a:t>
-            </a:r>
-            <a:endParaRPr lang="en-US" altLang="zh-CN" dirty="0">
-              <a:solidFill>
-                <a:srgbClr val="333B3C"/>
-              </a:solidFill>
-            </a:endParaRPr>
-          </a:p>
-          <a:p>
-            <a:r>
-              <a:rPr lang="zh-CN" altLang="en-US" dirty="0">
-                <a:solidFill>
-                  <a:srgbClr val="333B3C"/>
-                </a:solidFill>
-              </a:rPr>
-              <a:t>优化读性能，无法优化写性能</a:t>
-            </a:r>
-            <a:endParaRPr lang="en-US" altLang="zh-CN" dirty="0">
-              <a:solidFill>
-                <a:srgbClr val="333B3C"/>
-              </a:solidFill>
-            </a:endParaRPr>
-          </a:p>
-          <a:p>
-            <a:r>
-              <a:rPr lang="zh-CN" altLang="en-US" dirty="0">
-                <a:solidFill>
-                  <a:srgbClr val="333B3C"/>
-                </a:solidFill>
-              </a:rPr>
-              <a:t>节省一次用户缓冲区与内核缓冲区间</a:t>
-            </a:r>
-            <a:r>
-              <a:rPr lang="en-US" altLang="zh-CN" dirty="0">
-                <a:solidFill>
-                  <a:srgbClr val="333B3C"/>
-                </a:solidFill>
-              </a:rPr>
-              <a:t>CPU</a:t>
-            </a:r>
-            <a:r>
-              <a:rPr lang="zh-CN" altLang="en-US" dirty="0">
-                <a:solidFill>
-                  <a:srgbClr val="333B3C"/>
-                </a:solidFill>
-              </a:rPr>
-              <a:t>拷贝</a:t>
-            </a:r>
-            <a:endParaRPr lang="en-US" altLang="zh-CN" dirty="0">
-              <a:solidFill>
-                <a:srgbClr val="333B3C"/>
-              </a:solidFill>
-            </a:endParaRPr>
-          </a:p>
-          <a:p>
-            <a:r>
-              <a:rPr lang="zh-CN" altLang="en-US" dirty="0">
-                <a:solidFill>
-                  <a:srgbClr val="333B3C"/>
-                </a:solidFill>
-              </a:rPr>
-              <a:t>内存映射可能导致内存不足或内存浪费</a:t>
-            </a:r>
-          </a:p>
-        </p:txBody>
-      </p:sp>
-      <p:pic>
-        <p:nvPicPr>
-          <p:cNvPr id="9" name="图片 8">
-            <a:extLst>
-              <a:ext uri="{FF2B5EF4-FFF2-40B4-BE49-F238E27FC236}">
-                <a16:creationId xmlns:a16="http://schemas.microsoft.com/office/drawing/2014/main" id="{F034915D-E3DA-4D6C-A01E-9C9BC8E7BB1C}"/>
-              </a:ext>
-            </a:extLst>
-          </p:cNvPr>
-          <p:cNvPicPr>
-            <a:picLocks noChangeAspect="1"/>
-          </p:cNvPicPr>
-          <p:nvPr/>
-        </p:nvPicPr>
-        <p:blipFill>
-          <a:blip r:embed="rId2"/>
-          <a:stretch>
-            <a:fillRect/>
-          </a:stretch>
-        </p:blipFill>
-        <p:spPr>
-          <a:xfrm>
-            <a:off x="4602140" y="1002475"/>
-            <a:ext cx="7145128" cy="4945392"/>
-          </a:xfrm>
-          <a:prstGeom prst="rect">
-            <a:avLst/>
-          </a:prstGeom>
-        </p:spPr>
-      </p:pic>
+            <a:endParaRPr lang="zh-CN"/>
+          </a:p>
+        </p:txBody>
+      </p:sp>
     </p:spTree>
     <p:extLst>
       <p:ext uri="{BB962C8B-B14F-4D97-AF65-F5344CB8AC3E}">
-        <p14:creationId xmlns:p14="http://schemas.microsoft.com/office/powerpoint/2010/main" val="2964365641"/>
+        <p14:creationId xmlns:p14="http://schemas.microsoft.com/office/powerpoint/2010/main" val="901526237"/>
       </p:ext>
     </p:extLst>
   </p:cSld>
@@ -16478,41 +16522,10 @@
       </p:grpSpPr>
       <p:sp>
         <p:nvSpPr>
-          <p:cNvPr id="2" name="灯片编号占位符 1">
-            <a:extLst>
-              <a:ext uri="{FF2B5EF4-FFF2-40B4-BE49-F238E27FC236}">
-                <a16:creationId xmlns:a16="http://schemas.microsoft.com/office/drawing/2014/main" id="{C45AA9E9-0F49-4805-A1B3-52554DF1ECC9}"/>
-              </a:ext>
-            </a:extLst>
-          </p:cNvPr>
-          <p:cNvSpPr>
-            <a:spLocks noGrp="1"/>
-          </p:cNvSpPr>
-          <p:nvPr>
-            <p:ph type="sldNum" sz="quarter" idx="12"/>
-          </p:nvPr>
-        </p:nvSpPr>
-        <p:spPr/>
-        <p:txBody>
-          <a:bodyPr/>
-          <a:lstStyle/>
-          <a:p>
-            <a:pPr rtl="0"/>
-            <a:fld id="{5BFCF61C-3B18-4C03-8326-CC3B32D710C9}" type="slidenum">
-              <a:rPr lang="en-US" altLang="zh-CN" noProof="0" smtClean="0"/>
-              <a:pPr rtl="0"/>
-              <a:t>9</a:t>
-            </a:fld>
-            <a:endParaRPr lang="zh-CN" noProof="0"/>
-          </a:p>
-        </p:txBody>
-      </p:sp>
-      <p:sp>
-        <p:nvSpPr>
-          <p:cNvPr id="3" name="标题 2">
-            <a:extLst>
-              <a:ext uri="{FF2B5EF4-FFF2-40B4-BE49-F238E27FC236}">
-                <a16:creationId xmlns:a16="http://schemas.microsoft.com/office/drawing/2014/main" id="{BC2E3E5F-D913-4CAF-9811-A0654FC88820}"/>
+          <p:cNvPr id="2" name="标题 1">
+            <a:extLst>
+              <a:ext uri="{FF2B5EF4-FFF2-40B4-BE49-F238E27FC236}">
+                <a16:creationId xmlns:a16="http://schemas.microsoft.com/office/drawing/2014/main" id="{DB262C4D-3F97-1652-3A4A-C989986D9B65}"/>
               </a:ext>
             </a:extLst>
           </p:cNvPr>
@@ -16525,34 +16538,41 @@
         </p:nvSpPr>
         <p:spPr>
           <a:xfrm>
-            <a:off x="430444" y="1002475"/>
-            <a:ext cx="4175421" cy="1682749"/>
+            <a:off x="362712" y="1335024"/>
+            <a:ext cx="4846320" cy="1682749"/>
           </a:xfrm>
         </p:spPr>
         <p:txBody>
-          <a:bodyPr/>
-          <a:lstStyle/>
-          <a:p>
+          <a:bodyPr rtlCol="0"/>
+          <a:lstStyle>
+            <a:defPPr>
+              <a:defRPr lang="zh-CN"/>
+            </a:defPPr>
+          </a:lstStyle>
+          <a:p>
+            <a:pPr rtl="0"/>
             <a:r>
               <a:rPr lang="zh-CN" altLang="en-US" dirty="0"/>
-              <a:t>现有的</a:t>
-            </a:r>
-            <a:br>
+              <a:t>传统</a:t>
+            </a:r>
+            <a:r>
               <a:rPr lang="en-US" altLang="zh-CN" dirty="0"/>
-            </a:br>
+              <a:t>IO</a:t>
+            </a:r>
             <a:r>
               <a:rPr lang="zh-CN" altLang="en-US" dirty="0"/>
-              <a:t>优化思路：</a:t>
-            </a:r>
-          </a:p>
-        </p:txBody>
-      </p:sp>
-      <p:sp>
-        <p:nvSpPr>
-          <p:cNvPr id="4" name="文本占位符 3">
-            <a:extLst>
-              <a:ext uri="{FF2B5EF4-FFF2-40B4-BE49-F238E27FC236}">
-                <a16:creationId xmlns:a16="http://schemas.microsoft.com/office/drawing/2014/main" id="{1CA0EAEE-6270-4392-8C1C-9579332321E1}"/>
+              <a:t>模型</a:t>
+            </a:r>
+            <a:endParaRPr lang="zh-CN" dirty="0"/>
+          </a:p>
+        </p:txBody>
+      </p:sp>
+      <p:sp>
+        <p:nvSpPr>
+          <p:cNvPr id="3" name="文本占位符 2">
+            <a:extLst>
+              <a:ext uri="{FF2B5EF4-FFF2-40B4-BE49-F238E27FC236}">
+                <a16:creationId xmlns:a16="http://schemas.microsoft.com/office/drawing/2014/main" id="{B9136911-B582-CB5C-914D-58A0AE6AB75A}"/>
               </a:ext>
             </a:extLst>
           </p:cNvPr>
@@ -16565,39 +16585,41 @@
         </p:nvSpPr>
         <p:spPr>
           <a:xfrm>
-            <a:off x="430444" y="2920808"/>
+            <a:off x="538000" y="3048529"/>
             <a:ext cx="4828032" cy="490538"/>
           </a:xfrm>
         </p:spPr>
         <p:txBody>
-          <a:bodyPr/>
-          <a:lstStyle/>
-          <a:p>
-            <a:r>
-              <a:rPr lang="en-US" altLang="zh-CN" dirty="0">
+          <a:bodyPr rtlCol="0"/>
+          <a:lstStyle>
+            <a:defPPr>
+              <a:defRPr lang="zh-CN"/>
+            </a:defPPr>
+          </a:lstStyle>
+          <a:p>
+            <a:pPr rtl="0"/>
+            <a:r>
+              <a:rPr lang="zh-CN" altLang="en-US" dirty="0">
                 <a:solidFill>
                   <a:srgbClr val="333B3C"/>
                 </a:solidFill>
               </a:rPr>
-              <a:t>Splice</a:t>
-            </a:r>
-            <a:r>
-              <a:rPr lang="zh-CN" altLang="en-US" dirty="0">
-                <a:solidFill>
-                  <a:srgbClr val="333B3C"/>
-                </a:solidFill>
-              </a:rPr>
-              <a:t>：</a:t>
-            </a:r>
-          </a:p>
-        </p:txBody>
-      </p:sp>
-      <p:sp>
-        <p:nvSpPr>
-          <p:cNvPr id="6" name="文本占位符 5">
-            <a:extLst>
-              <a:ext uri="{FF2B5EF4-FFF2-40B4-BE49-F238E27FC236}">
-                <a16:creationId xmlns:a16="http://schemas.microsoft.com/office/drawing/2014/main" id="{0EAA66DE-1ACE-49D6-8AE6-09E95E8F67E7}"/>
+              <a:t>传统数据传输</a:t>
+            </a:r>
+            <a:endParaRPr lang="zh-CN" dirty="0">
+              <a:solidFill>
+                <a:srgbClr val="333B3C"/>
+              </a:solidFill>
+            </a:endParaRPr>
+          </a:p>
+        </p:txBody>
+      </p:sp>
+      <p:sp>
+        <p:nvSpPr>
+          <p:cNvPr id="5" name="文本占位符 4">
+            <a:extLst>
+              <a:ext uri="{FF2B5EF4-FFF2-40B4-BE49-F238E27FC236}">
+                <a16:creationId xmlns:a16="http://schemas.microsoft.com/office/drawing/2014/main" id="{E194D589-C330-607E-B446-0DA52AACC4E4}"/>
               </a:ext>
             </a:extLst>
           </p:cNvPr>
@@ -16610,21 +16632,26 @@
         </p:nvSpPr>
         <p:spPr>
           <a:xfrm>
-            <a:off x="242314" y="3428999"/>
-            <a:ext cx="3601553" cy="3056467"/>
+            <a:off x="362712" y="3569823"/>
+            <a:ext cx="3661695" cy="916186"/>
           </a:xfrm>
         </p:spPr>
         <p:txBody>
-          <a:bodyPr/>
-          <a:lstStyle/>
-          <a:p>
+          <a:bodyPr rtlCol="0"/>
+          <a:lstStyle>
+            <a:defPPr>
+              <a:defRPr lang="zh-CN"/>
+            </a:defPPr>
+          </a:lstStyle>
+          <a:p>
+            <a:pPr rtl="0"/>
             <a:r>
               <a:rPr lang="zh-CN" altLang="en-US" dirty="0">
                 <a:solidFill>
                   <a:srgbClr val="333B3C"/>
                 </a:solidFill>
               </a:rPr>
-              <a:t>在内核缓冲区和网络缓冲区之间建立管道</a:t>
+              <a:t>多次的数据拷贝</a:t>
             </a:r>
             <a:endParaRPr lang="en-US" altLang="zh-CN" dirty="0">
               <a:solidFill>
@@ -16633,13 +16660,14 @@
             </a:endParaRPr>
           </a:p>
           <a:p>
+            <a:pPr rtl="0"/>
             <a:r>
               <a:rPr lang="zh-CN" altLang="en-US" dirty="0">
                 <a:solidFill>
                   <a:srgbClr val="333B3C"/>
                 </a:solidFill>
               </a:rPr>
-              <a:t>避免数据在用户空间和内核空间之间的来回拷贝</a:t>
+              <a:t>频繁的上下文切换</a:t>
             </a:r>
             <a:endParaRPr lang="en-US" altLang="zh-CN" dirty="0">
               <a:solidFill>
@@ -16647,62 +16675,40 @@
               </a:solidFill>
             </a:endParaRPr>
           </a:p>
-          <a:p>
-            <a:r>
-              <a:rPr lang="zh-CN" altLang="en-US" dirty="0">
-                <a:solidFill>
-                  <a:srgbClr val="333B3C"/>
-                </a:solidFill>
-              </a:rPr>
-              <a:t>避免内核缓冲区和网络缓冲区之间的 </a:t>
-            </a:r>
-            <a:r>
-              <a:rPr lang="en-US" altLang="zh-CN" dirty="0">
-                <a:solidFill>
-                  <a:srgbClr val="333B3C"/>
-                </a:solidFill>
-              </a:rPr>
-              <a:t>CPU </a:t>
-            </a:r>
-            <a:r>
-              <a:rPr lang="zh-CN" altLang="en-US" dirty="0">
-                <a:solidFill>
-                  <a:srgbClr val="333B3C"/>
-                </a:solidFill>
-              </a:rPr>
-              <a:t>拷贝操作</a:t>
-            </a:r>
-            <a:endParaRPr lang="en-US" altLang="zh-CN" dirty="0">
-              <a:solidFill>
-                <a:srgbClr val="333B3C"/>
-              </a:solidFill>
-            </a:endParaRPr>
-          </a:p>
-          <a:p>
-            <a:r>
-              <a:rPr lang="zh-CN" altLang="en-US" dirty="0">
-                <a:solidFill>
-                  <a:srgbClr val="333B3C"/>
-                </a:solidFill>
-              </a:rPr>
-              <a:t>用户程序不能对</a:t>
-            </a:r>
-            <a:r>
-              <a:rPr lang="en-US" altLang="zh-CN" dirty="0">
-                <a:solidFill>
-                  <a:srgbClr val="333B3C"/>
-                </a:solidFill>
-              </a:rPr>
-              <a:t>IO</a:t>
-            </a:r>
-            <a:r>
-              <a:rPr lang="zh-CN" altLang="en-US" dirty="0">
-                <a:solidFill>
-                  <a:srgbClr val="333B3C"/>
-                </a:solidFill>
-              </a:rPr>
-              <a:t>数据进行修改</a:t>
-            </a:r>
+        </p:txBody>
+      </p:sp>
+      <p:sp>
+        <p:nvSpPr>
+          <p:cNvPr id="13" name="灯片编号占位符 12">
+            <a:extLst>
+              <a:ext uri="{FF2B5EF4-FFF2-40B4-BE49-F238E27FC236}">
+                <a16:creationId xmlns:a16="http://schemas.microsoft.com/office/drawing/2014/main" id="{208378E4-1369-B8BE-D097-D0A68C992F75}"/>
+              </a:ext>
+            </a:extLst>
+          </p:cNvPr>
+          <p:cNvSpPr>
+            <a:spLocks noGrp="1"/>
+          </p:cNvSpPr>
+          <p:nvPr>
+            <p:ph type="sldNum" sz="quarter" idx="12"/>
+          </p:nvPr>
+        </p:nvSpPr>
+        <p:spPr/>
+        <p:txBody>
+          <a:bodyPr rtlCol="0"/>
+          <a:lstStyle>
+            <a:defPPr>
+              <a:defRPr lang="zh-CN"/>
+            </a:defPPr>
+          </a:lstStyle>
+          <a:p>
+            <a:pPr rtl="0"/>
+            <a:fld id="{5BFCF61C-3B18-4C03-8326-CC3B32D710C9}" type="slidenum">
+              <a:rPr lang="en-US" altLang="zh-CN" smtClean="0"/>
+              <a:pPr rtl="0"/>
+              <a:t>9</a:t>
+            </a:fld>
+            <a:endParaRPr lang="zh-CN"/>
           </a:p>
         </p:txBody>
       </p:sp>
@@ -16711,7 +16717,7 @@
           <p:cNvPr id="8" name="图片 7">
             <a:extLst>
               <a:ext uri="{FF2B5EF4-FFF2-40B4-BE49-F238E27FC236}">
-                <a16:creationId xmlns:a16="http://schemas.microsoft.com/office/drawing/2014/main" id="{D0562112-1EA9-4710-A449-50BA9EBAE43D}"/>
+                <a16:creationId xmlns:a16="http://schemas.microsoft.com/office/drawing/2014/main" id="{3A5110D9-812A-43CD-8CF4-2D1916BBD35D}"/>
               </a:ext>
             </a:extLst>
           </p:cNvPr>
@@ -16721,25 +16727,483 @@
           <p:nvPr/>
         </p:nvPicPr>
         <p:blipFill>
-          <a:blip r:embed="rId2"/>
+          <a:blip r:embed="rId3"/>
           <a:stretch>
             <a:fillRect/>
           </a:stretch>
         </p:blipFill>
         <p:spPr>
           <a:xfrm>
-            <a:off x="4706616" y="1243350"/>
-            <a:ext cx="7010508" cy="4696842"/>
+            <a:off x="4772715" y="1141645"/>
+            <a:ext cx="6881285" cy="4574709"/>
           </a:xfrm>
           <a:prstGeom prst="rect">
             <a:avLst/>
           </a:prstGeom>
         </p:spPr>
       </p:pic>
+      <p:sp>
+        <p:nvSpPr>
+          <p:cNvPr id="14" name="文本占位符 2">
+            <a:extLst>
+              <a:ext uri="{FF2B5EF4-FFF2-40B4-BE49-F238E27FC236}">
+                <a16:creationId xmlns:a16="http://schemas.microsoft.com/office/drawing/2014/main" id="{A44334FC-7A22-4E23-889D-DBB8F01C8464}"/>
+              </a:ext>
+            </a:extLst>
+          </p:cNvPr>
+          <p:cNvSpPr txBox="1">
+            <a:spLocks/>
+          </p:cNvSpPr>
+          <p:nvPr/>
+        </p:nvSpPr>
+        <p:spPr>
+          <a:xfrm>
+            <a:off x="538000" y="4486009"/>
+            <a:ext cx="4828032" cy="490538"/>
+          </a:xfrm>
+          <a:prstGeom prst="rect">
+            <a:avLst/>
+          </a:prstGeom>
+        </p:spPr>
+        <p:txBody>
+          <a:bodyPr vert="horz" lIns="91440" tIns="45720" rIns="91440" bIns="45720" rtlCol="0">
+            <a:noAutofit/>
+          </a:bodyPr>
+          <a:lstStyle>
+            <a:defPPr>
+              <a:defRPr lang="zh-CN"/>
+            </a:defPPr>
+            <a:lvl1pPr marL="0" indent="0" algn="l" defTabSz="914400" rtl="0" eaLnBrk="1" latinLnBrk="0" hangingPunct="1">
+              <a:lnSpc>
+                <a:spcPct val="100000"/>
+              </a:lnSpc>
+              <a:spcBef>
+                <a:spcPts val="0"/>
+              </a:spcBef>
+              <a:buFont typeface="Arial" panose="020B0604020202020204" pitchFamily="34" charset="0"/>
+              <a:buNone/>
+              <a:defRPr lang="zh-CN" sz="2200" b="1" kern="1200">
+                <a:solidFill>
+                  <a:schemeClr val="accent5"/>
+                </a:solidFill>
+                <a:latin typeface="+mn-ea"/>
+                <a:ea typeface="+mn-ea"/>
+                <a:cs typeface="+mn-cs"/>
+              </a:defRPr>
+            </a:lvl1pPr>
+            <a:lvl2pPr marL="685800" indent="-228600" algn="l" defTabSz="914400" rtl="0" eaLnBrk="1" latinLnBrk="0" hangingPunct="1">
+              <a:lnSpc>
+                <a:spcPct val="90000"/>
+              </a:lnSpc>
+              <a:spcBef>
+                <a:spcPts val="500"/>
+              </a:spcBef>
+              <a:buFont typeface="Arial" panose="020B0604020202020204" pitchFamily="34" charset="0"/>
+              <a:buChar char="•"/>
+              <a:defRPr lang="zh-CN" sz="2400" kern="1200">
+                <a:solidFill>
+                  <a:schemeClr val="bg1"/>
+                </a:solidFill>
+                <a:latin typeface="+mn-ea"/>
+                <a:ea typeface="+mn-ea"/>
+                <a:cs typeface="+mn-cs"/>
+              </a:defRPr>
+            </a:lvl2pPr>
+            <a:lvl3pPr marL="1143000" indent="-228600" algn="l" defTabSz="914400" rtl="0" eaLnBrk="1" latinLnBrk="0" hangingPunct="1">
+              <a:lnSpc>
+                <a:spcPct val="90000"/>
+              </a:lnSpc>
+              <a:spcBef>
+                <a:spcPts val="500"/>
+              </a:spcBef>
+              <a:buFont typeface="Arial" panose="020B0604020202020204" pitchFamily="34" charset="0"/>
+              <a:buChar char="•"/>
+              <a:defRPr lang="zh-CN" sz="2000" kern="1200">
+                <a:solidFill>
+                  <a:schemeClr val="bg1"/>
+                </a:solidFill>
+                <a:latin typeface="+mn-ea"/>
+                <a:ea typeface="+mn-ea"/>
+                <a:cs typeface="+mn-cs"/>
+              </a:defRPr>
+            </a:lvl3pPr>
+            <a:lvl4pPr marL="1600200" indent="-228600" algn="l" defTabSz="914400" rtl="0" eaLnBrk="1" latinLnBrk="0" hangingPunct="1">
+              <a:lnSpc>
+                <a:spcPct val="90000"/>
+              </a:lnSpc>
+              <a:spcBef>
+                <a:spcPts val="500"/>
+              </a:spcBef>
+              <a:buFont typeface="Arial" panose="020B0604020202020204" pitchFamily="34" charset="0"/>
+              <a:buChar char="•"/>
+              <a:defRPr lang="zh-CN" sz="1800" kern="1200">
+                <a:solidFill>
+                  <a:schemeClr val="bg1"/>
+                </a:solidFill>
+                <a:latin typeface="+mn-ea"/>
+                <a:ea typeface="+mn-ea"/>
+                <a:cs typeface="+mn-cs"/>
+              </a:defRPr>
+            </a:lvl4pPr>
+            <a:lvl5pPr marL="2057400" indent="-228600" algn="l" defTabSz="914400" rtl="0" eaLnBrk="1" latinLnBrk="0" hangingPunct="1">
+              <a:lnSpc>
+                <a:spcPct val="90000"/>
+              </a:lnSpc>
+              <a:spcBef>
+                <a:spcPts val="500"/>
+              </a:spcBef>
+              <a:buFont typeface="Arial" panose="020B0604020202020204" pitchFamily="34" charset="0"/>
+              <a:buChar char="•"/>
+              <a:defRPr lang="zh-CN" sz="1600" kern="1200">
+                <a:solidFill>
+                  <a:schemeClr val="bg1"/>
+                </a:solidFill>
+                <a:latin typeface="+mn-ea"/>
+                <a:ea typeface="+mn-ea"/>
+                <a:cs typeface="+mn-cs"/>
+              </a:defRPr>
+            </a:lvl5pPr>
+            <a:lvl6pPr marL="2514600" indent="-228600" algn="l" defTabSz="914400" rtl="0" eaLnBrk="1" latinLnBrk="0" hangingPunct="1">
+              <a:lnSpc>
+                <a:spcPct val="90000"/>
+              </a:lnSpc>
+              <a:spcBef>
+                <a:spcPts val="500"/>
+              </a:spcBef>
+              <a:buFont typeface="Arial" panose="020B0604020202020204" pitchFamily="34" charset="0"/>
+              <a:buChar char="•"/>
+              <a:defRPr lang="zh-CN" sz="1800" kern="1200">
+                <a:solidFill>
+                  <a:schemeClr val="tx1"/>
+                </a:solidFill>
+                <a:latin typeface="+mn-ea"/>
+                <a:ea typeface="+mn-ea"/>
+                <a:cs typeface="+mn-cs"/>
+              </a:defRPr>
+            </a:lvl6pPr>
+            <a:lvl7pPr marL="2971800" indent="-228600" algn="l" defTabSz="914400" rtl="0" eaLnBrk="1" latinLnBrk="0" hangingPunct="1">
+              <a:lnSpc>
+                <a:spcPct val="90000"/>
+              </a:lnSpc>
+              <a:spcBef>
+                <a:spcPts val="500"/>
+              </a:spcBef>
+              <a:buFont typeface="Arial" panose="020B0604020202020204" pitchFamily="34" charset="0"/>
+              <a:buChar char="•"/>
+              <a:defRPr lang="zh-CN" sz="1800" kern="1200">
+                <a:solidFill>
+                  <a:schemeClr val="tx1"/>
+                </a:solidFill>
+                <a:latin typeface="+mn-ea"/>
+                <a:ea typeface="+mn-ea"/>
+                <a:cs typeface="+mn-cs"/>
+              </a:defRPr>
+            </a:lvl7pPr>
+            <a:lvl8pPr marL="3429000" indent="-228600" algn="l" defTabSz="914400" rtl="0" eaLnBrk="1" latinLnBrk="0" hangingPunct="1">
+              <a:lnSpc>
+                <a:spcPct val="90000"/>
+              </a:lnSpc>
+              <a:spcBef>
+                <a:spcPts val="500"/>
+              </a:spcBef>
+              <a:buFont typeface="Arial" panose="020B0604020202020204" pitchFamily="34" charset="0"/>
+              <a:buChar char="•"/>
+              <a:defRPr lang="zh-CN" sz="1800" kern="1200">
+                <a:solidFill>
+                  <a:schemeClr val="tx1"/>
+                </a:solidFill>
+                <a:latin typeface="+mn-ea"/>
+                <a:ea typeface="+mn-ea"/>
+                <a:cs typeface="+mn-cs"/>
+              </a:defRPr>
+            </a:lvl8pPr>
+            <a:lvl9pPr marL="3886200" indent="-228600" algn="l" defTabSz="914400" rtl="0" eaLnBrk="1" latinLnBrk="0" hangingPunct="1">
+              <a:lnSpc>
+                <a:spcPct val="90000"/>
+              </a:lnSpc>
+              <a:spcBef>
+                <a:spcPts val="500"/>
+              </a:spcBef>
+              <a:buFont typeface="Arial" panose="020B0604020202020204" pitchFamily="34" charset="0"/>
+              <a:buChar char="•"/>
+              <a:defRPr lang="zh-CN" sz="1800" kern="1200">
+                <a:solidFill>
+                  <a:schemeClr val="tx1"/>
+                </a:solidFill>
+                <a:latin typeface="+mn-ea"/>
+                <a:ea typeface="+mn-ea"/>
+                <a:cs typeface="+mn-cs"/>
+              </a:defRPr>
+            </a:lvl9pPr>
+          </a:lstStyle>
+          <a:p>
+            <a:r>
+              <a:rPr lang="zh-CN" altLang="en-US" dirty="0">
+                <a:solidFill>
+                  <a:srgbClr val="333B3C"/>
+                </a:solidFill>
+              </a:rPr>
+              <a:t>性能瓶颈</a:t>
+            </a:r>
+          </a:p>
+        </p:txBody>
+      </p:sp>
+      <p:sp>
+        <p:nvSpPr>
+          <p:cNvPr id="15" name="文本占位符 4">
+            <a:extLst>
+              <a:ext uri="{FF2B5EF4-FFF2-40B4-BE49-F238E27FC236}">
+                <a16:creationId xmlns:a16="http://schemas.microsoft.com/office/drawing/2014/main" id="{37E8AA91-BB83-4E5D-BEF0-B519949DF05B}"/>
+              </a:ext>
+            </a:extLst>
+          </p:cNvPr>
+          <p:cNvSpPr txBox="1">
+            <a:spLocks/>
+          </p:cNvSpPr>
+          <p:nvPr/>
+        </p:nvSpPr>
+        <p:spPr>
+          <a:xfrm>
+            <a:off x="362711" y="4944102"/>
+            <a:ext cx="3661695" cy="1405898"/>
+          </a:xfrm>
+          <a:prstGeom prst="rect">
+            <a:avLst/>
+          </a:prstGeom>
+        </p:spPr>
+        <p:txBody>
+          <a:bodyPr vert="horz" lIns="91440" tIns="45720" rIns="91440" bIns="45720" rtlCol="0">
+            <a:noAutofit/>
+          </a:bodyPr>
+          <a:lstStyle>
+            <a:defPPr>
+              <a:defRPr lang="zh-CN"/>
+            </a:defPPr>
+            <a:lvl1pPr marL="283464" indent="-283464" algn="l" defTabSz="914400" rtl="0" eaLnBrk="1" latinLnBrk="0" hangingPunct="1">
+              <a:lnSpc>
+                <a:spcPct val="150000"/>
+              </a:lnSpc>
+              <a:spcBef>
+                <a:spcPts val="0"/>
+              </a:spcBef>
+              <a:buFont typeface="Arial" panose="020B0604020202020204" pitchFamily="34" charset="0"/>
+              <a:buChar char="•"/>
+              <a:defRPr lang="zh-CN" sz="1600" kern="1200">
+                <a:solidFill>
+                  <a:schemeClr val="accent5"/>
+                </a:solidFill>
+                <a:latin typeface="+mn-ea"/>
+                <a:ea typeface="+mn-ea"/>
+                <a:cs typeface="+mn-cs"/>
+              </a:defRPr>
+            </a:lvl1pPr>
+            <a:lvl2pPr marL="685800" indent="-283464" algn="l" defTabSz="914400" rtl="0" eaLnBrk="1" latinLnBrk="0" hangingPunct="1">
+              <a:lnSpc>
+                <a:spcPct val="150000"/>
+              </a:lnSpc>
+              <a:spcBef>
+                <a:spcPts val="0"/>
+              </a:spcBef>
+              <a:buFont typeface="Arial" panose="020B0604020202020204" pitchFamily="34" charset="0"/>
+              <a:buChar char="•"/>
+              <a:defRPr lang="zh-CN" sz="1600" kern="1200">
+                <a:solidFill>
+                  <a:schemeClr val="accent5"/>
+                </a:solidFill>
+                <a:latin typeface="+mn-ea"/>
+                <a:ea typeface="+mn-ea"/>
+                <a:cs typeface="+mn-cs"/>
+              </a:defRPr>
+            </a:lvl2pPr>
+            <a:lvl3pPr marL="1143000" indent="-283464" algn="l" defTabSz="914400" rtl="0" eaLnBrk="1" latinLnBrk="0" hangingPunct="1">
+              <a:lnSpc>
+                <a:spcPct val="150000"/>
+              </a:lnSpc>
+              <a:spcBef>
+                <a:spcPts val="0"/>
+              </a:spcBef>
+              <a:buFont typeface="Arial" panose="020B0604020202020204" pitchFamily="34" charset="0"/>
+              <a:buChar char="•"/>
+              <a:defRPr lang="zh-CN" sz="1600" kern="1200">
+                <a:solidFill>
+                  <a:schemeClr val="accent5"/>
+                </a:solidFill>
+                <a:latin typeface="+mn-ea"/>
+                <a:ea typeface="+mn-ea"/>
+                <a:cs typeface="+mn-cs"/>
+              </a:defRPr>
+            </a:lvl3pPr>
+            <a:lvl4pPr marL="1600200" indent="-283464" algn="l" defTabSz="914400" rtl="0" eaLnBrk="1" latinLnBrk="0" hangingPunct="1">
+              <a:lnSpc>
+                <a:spcPct val="150000"/>
+              </a:lnSpc>
+              <a:spcBef>
+                <a:spcPts val="0"/>
+              </a:spcBef>
+              <a:buFont typeface="Arial" panose="020B0604020202020204" pitchFamily="34" charset="0"/>
+              <a:buChar char="•"/>
+              <a:defRPr lang="zh-CN" sz="1600" kern="1200">
+                <a:solidFill>
+                  <a:schemeClr val="accent5"/>
+                </a:solidFill>
+                <a:latin typeface="+mn-ea"/>
+                <a:ea typeface="+mn-ea"/>
+                <a:cs typeface="+mn-cs"/>
+              </a:defRPr>
+            </a:lvl4pPr>
+            <a:lvl5pPr marL="2057400" indent="-283464" algn="l" defTabSz="914400" rtl="0" eaLnBrk="1" latinLnBrk="0" hangingPunct="1">
+              <a:lnSpc>
+                <a:spcPct val="150000"/>
+              </a:lnSpc>
+              <a:spcBef>
+                <a:spcPts val="0"/>
+              </a:spcBef>
+              <a:buFont typeface="Arial" panose="020B0604020202020204" pitchFamily="34" charset="0"/>
+              <a:buChar char="•"/>
+              <a:defRPr lang="zh-CN" sz="1600" kern="1200">
+                <a:solidFill>
+                  <a:schemeClr val="tx2"/>
+                </a:solidFill>
+                <a:latin typeface="+mn-ea"/>
+                <a:ea typeface="+mn-ea"/>
+                <a:cs typeface="+mn-cs"/>
+              </a:defRPr>
+            </a:lvl5pPr>
+            <a:lvl6pPr marL="2514600" indent="-228600" algn="l" defTabSz="914400" rtl="0" eaLnBrk="1" latinLnBrk="0" hangingPunct="1">
+              <a:lnSpc>
+                <a:spcPct val="90000"/>
+              </a:lnSpc>
+              <a:spcBef>
+                <a:spcPts val="500"/>
+              </a:spcBef>
+              <a:buFont typeface="Arial" panose="020B0604020202020204" pitchFamily="34" charset="0"/>
+              <a:buChar char="•"/>
+              <a:defRPr lang="zh-CN" sz="1800" kern="1200">
+                <a:solidFill>
+                  <a:schemeClr val="tx1"/>
+                </a:solidFill>
+                <a:latin typeface="+mn-ea"/>
+                <a:ea typeface="+mn-ea"/>
+                <a:cs typeface="+mn-cs"/>
+              </a:defRPr>
+            </a:lvl6pPr>
+            <a:lvl7pPr marL="2971800" indent="-228600" algn="l" defTabSz="914400" rtl="0" eaLnBrk="1" latinLnBrk="0" hangingPunct="1">
+              <a:lnSpc>
+                <a:spcPct val="90000"/>
+              </a:lnSpc>
+              <a:spcBef>
+                <a:spcPts val="500"/>
+              </a:spcBef>
+              <a:buFont typeface="Arial" panose="020B0604020202020204" pitchFamily="34" charset="0"/>
+              <a:buChar char="•"/>
+              <a:defRPr lang="zh-CN" sz="1800" kern="1200">
+                <a:solidFill>
+                  <a:schemeClr val="tx1"/>
+                </a:solidFill>
+                <a:latin typeface="+mn-ea"/>
+                <a:ea typeface="+mn-ea"/>
+                <a:cs typeface="+mn-cs"/>
+              </a:defRPr>
+            </a:lvl7pPr>
+            <a:lvl8pPr marL="3429000" indent="-228600" algn="l" defTabSz="914400" rtl="0" eaLnBrk="1" latinLnBrk="0" hangingPunct="1">
+              <a:lnSpc>
+                <a:spcPct val="90000"/>
+              </a:lnSpc>
+              <a:spcBef>
+                <a:spcPts val="500"/>
+              </a:spcBef>
+              <a:buFont typeface="Arial" panose="020B0604020202020204" pitchFamily="34" charset="0"/>
+              <a:buChar char="•"/>
+              <a:defRPr lang="zh-CN" sz="1800" kern="1200">
+                <a:solidFill>
+                  <a:schemeClr val="tx1"/>
+                </a:solidFill>
+                <a:latin typeface="+mn-ea"/>
+                <a:ea typeface="+mn-ea"/>
+                <a:cs typeface="+mn-cs"/>
+              </a:defRPr>
+            </a:lvl8pPr>
+            <a:lvl9pPr marL="3886200" indent="-228600" algn="l" defTabSz="914400" rtl="0" eaLnBrk="1" latinLnBrk="0" hangingPunct="1">
+              <a:lnSpc>
+                <a:spcPct val="90000"/>
+              </a:lnSpc>
+              <a:spcBef>
+                <a:spcPts val="500"/>
+              </a:spcBef>
+              <a:buFont typeface="Arial" panose="020B0604020202020204" pitchFamily="34" charset="0"/>
+              <a:buChar char="•"/>
+              <a:defRPr lang="zh-CN" sz="1800" kern="1200">
+                <a:solidFill>
+                  <a:schemeClr val="tx1"/>
+                </a:solidFill>
+                <a:latin typeface="+mn-ea"/>
+                <a:ea typeface="+mn-ea"/>
+                <a:cs typeface="+mn-cs"/>
+              </a:defRPr>
+            </a:lvl9pPr>
+          </a:lstStyle>
+          <a:p>
+            <a:r>
+              <a:rPr lang="zh-CN" altLang="en-US" dirty="0">
+                <a:solidFill>
+                  <a:srgbClr val="333B3C"/>
+                </a:solidFill>
+              </a:rPr>
+              <a:t>额外的</a:t>
+            </a:r>
+            <a:r>
+              <a:rPr lang="en-US" altLang="zh-CN" dirty="0">
+                <a:solidFill>
+                  <a:srgbClr val="333B3C"/>
+                </a:solidFill>
+              </a:rPr>
+              <a:t>CPU</a:t>
+            </a:r>
+            <a:r>
+              <a:rPr lang="zh-CN" altLang="en-US" dirty="0">
+                <a:solidFill>
+                  <a:srgbClr val="333B3C"/>
+                </a:solidFill>
+              </a:rPr>
+              <a:t>开销</a:t>
+            </a:r>
+            <a:endParaRPr lang="en-US" altLang="zh-CN" dirty="0">
+              <a:solidFill>
+                <a:srgbClr val="333B3C"/>
+              </a:solidFill>
+            </a:endParaRPr>
+          </a:p>
+          <a:p>
+            <a:r>
+              <a:rPr lang="zh-CN" altLang="en-US" dirty="0">
+                <a:solidFill>
+                  <a:srgbClr val="333B3C"/>
+                </a:solidFill>
+              </a:rPr>
+              <a:t>额外的系统调用开销</a:t>
+            </a:r>
+            <a:endParaRPr lang="en-US" altLang="zh-CN" dirty="0">
+              <a:solidFill>
+                <a:srgbClr val="333B3C"/>
+              </a:solidFill>
+            </a:endParaRPr>
+          </a:p>
+          <a:p>
+            <a:r>
+              <a:rPr lang="zh-CN" altLang="en-US" dirty="0">
+                <a:solidFill>
+                  <a:srgbClr val="333B3C"/>
+                </a:solidFill>
+              </a:rPr>
+              <a:t>增加内存带宽的消耗</a:t>
+            </a:r>
+          </a:p>
+        </p:txBody>
+      </p:sp>
     </p:spTree>
     <p:extLst>
       <p:ext uri="{BB962C8B-B14F-4D97-AF65-F5344CB8AC3E}">
-        <p14:creationId xmlns:p14="http://schemas.microsoft.com/office/powerpoint/2010/main" val="2542226292"/>
+        <p14:creationId xmlns:p14="http://schemas.microsoft.com/office/powerpoint/2010/main" val="616355143"/>
       </p:ext>
     </p:extLst>
   </p:cSld>
@@ -17541,35 +18005,6 @@
 </file>
 
 <file path=customXml/item1.xml><?xml version="1.0" encoding="utf-8"?>
-<p:properties xmlns:p="http://schemas.microsoft.com/office/2006/metadata/properties" xmlns:xsi="http://www.w3.org/2001/XMLSchema-instance" xmlns:pc="http://schemas.microsoft.com/office/infopath/2007/PartnerControls">
-  <documentManagement>
-    <_ip_UnifiedCompliancePolicyUIAction xmlns="http://schemas.microsoft.com/sharepoint/v3" xsi:nil="true"/>
-    <Image xmlns="71af3243-3dd4-4a8d-8c0d-dd76da1f02a5">
-      <Url xsi:nil="true"/>
-      <Description xsi:nil="true"/>
-    </Image>
-    <Status xmlns="71af3243-3dd4-4a8d-8c0d-dd76da1f02a5">Not started</Status>
-    <Background xmlns="71af3243-3dd4-4a8d-8c0d-dd76da1f02a5">false</Background>
-    <_ip_UnifiedCompliancePolicyProperties xmlns="http://schemas.microsoft.com/sharepoint/v3" xsi:nil="true"/>
-    <ImageTagsTaxHTField xmlns="71af3243-3dd4-4a8d-8c0d-dd76da1f02a5">
-      <Terms xmlns="http://schemas.microsoft.com/office/infopath/2007/PartnerControls"/>
-    </ImageTagsTaxHTField>
-    <TaxCatchAll xmlns="230e9df3-be65-4c73-a93b-d1236ebd677e" xsi:nil="true"/>
-    <MediaServiceKeyPoints xmlns="71af3243-3dd4-4a8d-8c0d-dd76da1f02a5" xsi:nil="true"/>
-  </documentManagement>
-</p:properties>
-</file>
-
-<file path=customXml/item2.xml><?xml version="1.0" encoding="utf-8"?>
-<?mso-contentType ?>
-<FormTemplates xmlns="http://schemas.microsoft.com/sharepoint/v3/contenttype/forms">
-  <Display>DocumentLibraryForm</Display>
-  <Edit>DocumentLibraryForm</Edit>
-  <New>DocumentLibraryForm</New>
-</FormTemplates>
-</file>
-
-<file path=customXml/item3.xml><?xml version="1.0" encoding="utf-8"?>
 <ct:contentTypeSchema xmlns:ct="http://schemas.microsoft.com/office/2006/metadata/contentType" xmlns:ma="http://schemas.microsoft.com/office/2006/metadata/properties/metaAttributes" ct:_="" ma:_="" ma:contentTypeName="Document" ma:contentTypeID="0x01010079F111ED35F8CC479449609E8A0923A6" ma:contentTypeVersion="24" ma:contentTypeDescription="Create a new document." ma:contentTypeScope="" ma:versionID="2d714a3296df14eba7a100bb665443ca">
   <xsd:schema xmlns:xsd="http://www.w3.org/2001/XMLSchema" xmlns:xs="http://www.w3.org/2001/XMLSchema" xmlns:p="http://schemas.microsoft.com/office/2006/metadata/properties" xmlns:ns1="http://schemas.microsoft.com/sharepoint/v3" xmlns:ns2="71af3243-3dd4-4a8d-8c0d-dd76da1f02a5" xmlns:ns3="16c05727-aa75-4e4a-9b5f-8a80a1165891" xmlns:ns4="230e9df3-be65-4c73-a93b-d1236ebd677e" targetNamespace="http://schemas.microsoft.com/office/2006/metadata/properties" ma:root="true" ma:fieldsID="49549bf45bfbbfb6cffed527380e77e1" ns1:_="" ns2:_="" ns3:_="" ns4:_="">
     <xsd:import namespace="http://schemas.microsoft.com/sharepoint/v3"/>
@@ -17857,27 +18292,36 @@
 </ct:contentTypeSchema>
 </file>
 
-<file path=customXml/itemProps1.xml><?xml version="1.0" encoding="utf-8"?>
-<ds:datastoreItem xmlns:ds="http://schemas.openxmlformats.org/officeDocument/2006/customXml" ds:itemID="{92CF51A7-9108-45AF-AF64-7A03A8DEEF80}">
-  <ds:schemaRefs>
-    <ds:schemaRef ds:uri="http://schemas.microsoft.com/office/2006/metadata/properties"/>
-    <ds:schemaRef ds:uri="http://schemas.microsoft.com/office/infopath/2007/PartnerControls"/>
-    <ds:schemaRef ds:uri="http://schemas.microsoft.com/sharepoint/v3"/>
-    <ds:schemaRef ds:uri="71af3243-3dd4-4a8d-8c0d-dd76da1f02a5"/>
-    <ds:schemaRef ds:uri="230e9df3-be65-4c73-a93b-d1236ebd677e"/>
-  </ds:schemaRefs>
-</ds:datastoreItem>
+<file path=customXml/item2.xml><?xml version="1.0" encoding="utf-8"?>
+<p:properties xmlns:p="http://schemas.microsoft.com/office/2006/metadata/properties" xmlns:xsi="http://www.w3.org/2001/XMLSchema-instance" xmlns:pc="http://schemas.microsoft.com/office/infopath/2007/PartnerControls">
+  <documentManagement>
+    <_ip_UnifiedCompliancePolicyUIAction xmlns="http://schemas.microsoft.com/sharepoint/v3" xsi:nil="true"/>
+    <Image xmlns="71af3243-3dd4-4a8d-8c0d-dd76da1f02a5">
+      <Url xsi:nil="true"/>
+      <Description xsi:nil="true"/>
+    </Image>
+    <Status xmlns="71af3243-3dd4-4a8d-8c0d-dd76da1f02a5">Not started</Status>
+    <Background xmlns="71af3243-3dd4-4a8d-8c0d-dd76da1f02a5">false</Background>
+    <_ip_UnifiedCompliancePolicyProperties xmlns="http://schemas.microsoft.com/sharepoint/v3" xsi:nil="true"/>
+    <ImageTagsTaxHTField xmlns="71af3243-3dd4-4a8d-8c0d-dd76da1f02a5">
+      <Terms xmlns="http://schemas.microsoft.com/office/infopath/2007/PartnerControls"/>
+    </ImageTagsTaxHTField>
+    <TaxCatchAll xmlns="230e9df3-be65-4c73-a93b-d1236ebd677e" xsi:nil="true"/>
+    <MediaServiceKeyPoints xmlns="71af3243-3dd4-4a8d-8c0d-dd76da1f02a5" xsi:nil="true"/>
+  </documentManagement>
+</p:properties>
 </file>
 
-<file path=customXml/itemProps2.xml><?xml version="1.0" encoding="utf-8"?>
-<ds:datastoreItem xmlns:ds="http://schemas.openxmlformats.org/officeDocument/2006/customXml" ds:itemID="{A66A1098-79A7-47E8-8A61-8CB2B72760B2}">
-  <ds:schemaRefs>
-    <ds:schemaRef ds:uri="http://schemas.microsoft.com/sharepoint/v3/contenttype/forms"/>
-  </ds:schemaRefs>
-</ds:datastoreItem>
+<file path=customXml/item3.xml><?xml version="1.0" encoding="utf-8"?>
+<?mso-contentType ?>
+<FormTemplates xmlns="http://schemas.microsoft.com/sharepoint/v3/contenttype/forms">
+  <Display>DocumentLibraryForm</Display>
+  <Edit>DocumentLibraryForm</Edit>
+  <New>DocumentLibraryForm</New>
+</FormTemplates>
 </file>
 
-<file path=customXml/itemProps3.xml><?xml version="1.0" encoding="utf-8"?>
+<file path=customXml/itemProps1.xml><?xml version="1.0" encoding="utf-8"?>
 <ds:datastoreItem xmlns:ds="http://schemas.openxmlformats.org/officeDocument/2006/customXml" ds:itemID="{5D5FA367-1CF2-4EC2-949E-D7EB334E593C}">
   <ds:schemaRefs>
     <ds:schemaRef ds:uri="http://schemas.microsoft.com/office/2006/metadata/contentType"/>
@@ -17898,6 +18342,26 @@
 </ds:datastoreItem>
 </file>
 
+<file path=customXml/itemProps2.xml><?xml version="1.0" encoding="utf-8"?>
+<ds:datastoreItem xmlns:ds="http://schemas.openxmlformats.org/officeDocument/2006/customXml" ds:itemID="{92CF51A7-9108-45AF-AF64-7A03A8DEEF80}">
+  <ds:schemaRefs>
+    <ds:schemaRef ds:uri="http://schemas.microsoft.com/office/2006/metadata/properties"/>
+    <ds:schemaRef ds:uri="http://schemas.microsoft.com/office/infopath/2007/PartnerControls"/>
+    <ds:schemaRef ds:uri="http://schemas.microsoft.com/sharepoint/v3"/>
+    <ds:schemaRef ds:uri="71af3243-3dd4-4a8d-8c0d-dd76da1f02a5"/>
+    <ds:schemaRef ds:uri="230e9df3-be65-4c73-a93b-d1236ebd677e"/>
+  </ds:schemaRefs>
+</ds:datastoreItem>
+</file>
+
+<file path=customXml/itemProps3.xml><?xml version="1.0" encoding="utf-8"?>
+<ds:datastoreItem xmlns:ds="http://schemas.openxmlformats.org/officeDocument/2006/customXml" ds:itemID="{A66A1098-79A7-47E8-8A61-8CB2B72760B2}">
+  <ds:schemaRefs>
+    <ds:schemaRef ds:uri="http://schemas.microsoft.com/sharepoint/v3/contenttype/forms"/>
+  </ds:schemaRefs>
+</ds:datastoreItem>
+</file>
+
 <file path=docMetadata/LabelInfo.xml><?xml version="1.0" encoding="utf-8"?>
 <clbl:labelList xmlns:clbl="http://schemas.microsoft.com/office/2020/mipLabelMetadata"/>
 </file>